--- a/Fasty.pptx
+++ b/Fasty.pptx
@@ -12,6 +12,7 @@
     <p:sldId id="260" r:id="rId6"/>
     <p:sldId id="261" r:id="rId7"/>
     <p:sldId id="262" r:id="rId8"/>
+    <p:sldId id="263" r:id="rId9"/>
   </p:sldIdLst>
   <p:sldSz cx="12192000" cy="6858000"/>
   <p:notesSz cx="6858000" cy="9144000"/>
@@ -112,7 +113,18 @@
   </p:defaultTextStyle>
   <p:extLst>
     <p:ext uri="{EFAFB233-063F-42B5-8137-9DF3F51BA10A}">
-      <p15:sldGuideLst xmlns:p15="http://schemas.microsoft.com/office/powerpoint/2012/main" xmlns=""/>
+      <p15:sldGuideLst xmlns:p15="http://schemas.microsoft.com/office/powerpoint/2012/main">
+        <p15:guide id="1" orient="horz" pos="2160">
+          <p15:clr>
+            <a:srgbClr val="A4A3A4"/>
+          </p15:clr>
+        </p15:guide>
+        <p15:guide id="2" pos="3840">
+          <p15:clr>
+            <a:srgbClr val="A4A3A4"/>
+          </p15:clr>
+        </p15:guide>
+      </p15:sldGuideLst>
     </p:ext>
   </p:extLst>
 </p:presentation>
@@ -5938,13 +5950,6 @@
       <p:transition/>
     </mc:Fallback>
   </mc:AlternateContent>
-  <p:timing>
-    <p:tnLst>
-      <p:par>
-        <p:cTn id="1" dur="indefinite" restart="never" nodeType="tmRoot"/>
-      </p:par>
-    </p:tnLst>
-  </p:timing>
 </p:sld>
 </file>
 
@@ -6013,19 +6018,7 @@
             </a:pPr>
             <a:r>
               <a:rPr lang="ro-RO" dirty="0"/>
-              <a:t>   Se presupune că vă numiți Radu. Ați fost angajat ca șofer pe ambulanță, iar șeful dvs. v-a spus să fiți atent și să luați toți pacienții în timp. După 10 luni, </a:t>
-            </a:r>
-            <a:r>
-              <a:rPr lang="ro-RO" dirty="0"/>
-              <a:t>s</a:t>
-            </a:r>
-            <a:r>
-              <a:rPr lang="ro-RO" dirty="0" smtClean="0"/>
-              <a:t>unteți </a:t>
-            </a:r>
-            <a:r>
-              <a:rPr lang="ro-RO" dirty="0"/>
-              <a:t>un angajat bine-cunoscut, iar șeful dvs. vă repartizează într-un nou teritoriu. Nu fiți prea fericit, deoarece este chiar centrul orașului. Nu vă accidentați în construcții!</a:t>
+              <a:t>   Se presupune că vă numiți Radu. Ați fost angajat ca șofer pe ambulanță, iar șeful dvs. v-a spus să fiți atent și să luați toți pacienții în timp. După 10 luni, sunteți un angajat bine-cunoscut, iar șeful dvs. vă repartizează într-un nou teritoriu. Nu fiți prea fericit, deoarece este chiar centrul orașului. Nu vă accidentați în construcții!</a:t>
             </a:r>
           </a:p>
           <a:p>
@@ -6034,17 +6027,8 @@
             </a:pPr>
             <a:r>
               <a:rPr lang="ro-RO" dirty="0"/>
-              <a:t>   </a:t>
-            </a:r>
-            <a:r>
-              <a:rPr lang="ro-RO" dirty="0" smtClean="0"/>
-              <a:t>După un timp</a:t>
-            </a:r>
-            <a:r>
-              <a:rPr lang="ro-RO" dirty="0" smtClean="0"/>
-              <a:t>, veți avea dreptul la service gratuit în caz de accident, dar asta doar din 10 în 10 luni.</a:t>
-            </a:r>
-            <a:endParaRPr lang="ro-RO" dirty="0"/>
+              <a:t>   După un timp, veți avea dreptul la service gratuit în caz de accident, dar asta doar din 10 în 10 luni.</a:t>
+            </a:r>
           </a:p>
           <a:p>
             <a:pPr marL="0" indent="0">
@@ -6052,15 +6036,7 @@
             </a:pPr>
             <a:r>
               <a:rPr lang="ro-RO" dirty="0"/>
-              <a:t>   Și asta e </a:t>
-            </a:r>
-            <a:r>
-              <a:rPr lang="ro-RO" dirty="0" smtClean="0"/>
-              <a:t>tot pentru acum! </a:t>
-            </a:r>
-            <a:r>
-              <a:rPr lang="ro-RO" dirty="0"/>
-              <a:t>Mai</a:t>
+              <a:t>   Și asta e tot pentru acum! Mai</a:t>
             </a:r>
             <a:r>
               <a:rPr lang="en-US" dirty="0"/>
@@ -6068,11 +6044,7 @@
             </a:r>
             <a:r>
               <a:rPr lang="ro-RO" dirty="0"/>
-              <a:t>multe instrucțiuni pe parcursul jocului. Distracție </a:t>
-            </a:r>
-            <a:r>
-              <a:rPr lang="ro-RO" dirty="0" smtClean="0"/>
-              <a:t>plăcută!</a:t>
+              <a:t>multe instrucțiuni pe parcursul jocului. Distracție plăcută!</a:t>
             </a:r>
           </a:p>
           <a:p>
@@ -6080,10 +6052,9 @@
               <a:buNone/>
             </a:pPr>
             <a:r>
-              <a:rPr lang="ro-RO" dirty="0" smtClean="0"/>
+              <a:rPr lang="ro-RO" dirty="0"/>
               <a:t>Notă: Sarcina utilizatorului este de a colecta toți oamenii din ecran în mai puțin de 12 secunde fără a intra în coliziune cu construcțiile care vor apărea după nivelul 10.</a:t>
             </a:r>
-            <a:endParaRPr lang="ro-RO" dirty="0"/>
           </a:p>
         </p:txBody>
       </p:sp>
@@ -6100,13 +6071,6 @@
   <p:transition spd="med">
     <p:pull/>
   </p:transition>
-  <p:timing>
-    <p:tnLst>
-      <p:par>
-        <p:cTn id="1" dur="indefinite" restart="never" nodeType="tmRoot"/>
-      </p:par>
-    </p:tnLst>
-  </p:timing>
 </p:sld>
 </file>
 
@@ -6240,13 +6204,6 @@
   <p:transition spd="med">
     <p:pull/>
   </p:transition>
-  <p:timing>
-    <p:tnLst>
-      <p:par>
-        <p:cTn id="1" dur="indefinite" restart="never" nodeType="tmRoot"/>
-      </p:par>
-    </p:tnLst>
-  </p:timing>
 </p:sld>
 </file>
 
@@ -6367,35 +6324,36 @@
             </a:r>
             <a:r>
               <a:rPr lang="ro-RO" dirty="0"/>
-              <a:t> </a:t>
-            </a:r>
-            <a:r>
-              <a:rPr lang="ro-RO" dirty="0" smtClean="0"/>
-              <a:t>„</a:t>
-            </a:r>
-            <a:r>
-              <a:rPr lang="ro-RO" dirty="0" err="1" smtClean="0"/>
+              <a:t> „</a:t>
+            </a:r>
+            <a:r>
+              <a:rPr lang="ro-RO" dirty="0" err="1"/>
               <a:t>Reset</a:t>
             </a:r>
             <a:r>
-              <a:rPr lang="ro-RO" dirty="0" smtClean="0"/>
-              <a:t>” și apoi </a:t>
-            </a:r>
-            <a:r>
-              <a:rPr lang="ro-RO" dirty="0" smtClean="0"/>
-              <a:t>„</a:t>
-            </a:r>
-            <a:r>
-              <a:rPr lang="ro-RO" dirty="0" err="1" smtClean="0"/>
+              <a:rPr lang="ro-RO" dirty="0"/>
+              <a:t>” și apoi „</a:t>
+            </a:r>
+            <a:r>
+              <a:rPr lang="ro-RO" dirty="0" err="1"/>
               <a:t>Run</a:t>
             </a:r>
             <a:r>
               <a:rPr lang="ro-RO" dirty="0"/>
-              <a:t>” pentru a începe </a:t>
-            </a:r>
-            <a:r>
-              <a:rPr lang="ro-RO" dirty="0" smtClean="0"/>
-              <a:t>jocul</a:t>
+              <a:t>” pentru a începe jocul</a:t>
+            </a:r>
+          </a:p>
+          <a:p>
+            <a:pPr marL="0" indent="0">
+              <a:buNone/>
+            </a:pPr>
+            <a:r>
+              <a:rPr lang="ro-RO" dirty="0"/>
+              <a:t>   </a:t>
+            </a:r>
+            <a:r>
+              <a:rPr lang="ro-RO" b="1" dirty="0"/>
+              <a:t>Controale:</a:t>
             </a:r>
             <a:endParaRPr lang="ro-RO" dirty="0"/>
           </a:p>
@@ -6405,33 +6363,24 @@
             </a:pPr>
             <a:r>
               <a:rPr lang="ro-RO" dirty="0"/>
-              <a:t> </a:t>
-            </a:r>
-            <a:r>
-              <a:rPr lang="ro-RO" dirty="0" smtClean="0"/>
-              <a:t>  </a:t>
-            </a:r>
-            <a:r>
-              <a:rPr lang="ro-RO" b="1" dirty="0" smtClean="0"/>
-              <a:t>Controale:</a:t>
-            </a:r>
-            <a:endParaRPr lang="ro-RO" dirty="0" smtClean="0"/>
+              <a:t>      </a:t>
+            </a:r>
+            <a:r>
+              <a:rPr lang="ro-RO" dirty="0" err="1"/>
+              <a:t>-săgeți</a:t>
+            </a:r>
+            <a:r>
+              <a:rPr lang="ro-RO" dirty="0"/>
+              <a:t> sau WASD pentru mișcare</a:t>
+            </a:r>
           </a:p>
           <a:p>
             <a:pPr marL="0" indent="0">
               <a:buNone/>
             </a:pPr>
             <a:r>
-              <a:rPr lang="ro-RO" dirty="0" smtClean="0"/>
-              <a:t>      </a:t>
-            </a:r>
-            <a:r>
-              <a:rPr lang="ro-RO" dirty="0" err="1" smtClean="0"/>
-              <a:t>-săgeți</a:t>
-            </a:r>
-            <a:r>
-              <a:rPr lang="ro-RO" dirty="0" smtClean="0"/>
-              <a:t> sau WASD pentru mișcare</a:t>
+              <a:rPr lang="ro-RO" dirty="0"/>
+              <a:t>      -Q pentru a folosi puterea timp bonus</a:t>
             </a:r>
           </a:p>
           <a:p>
@@ -6440,11 +6389,7 @@
             </a:pPr>
             <a:r>
               <a:rPr lang="ro-RO" dirty="0"/>
-              <a:t> </a:t>
-            </a:r>
-            <a:r>
-              <a:rPr lang="ro-RO" dirty="0" smtClean="0"/>
-              <a:t>     -Q pentru a folosi puterea timp bonus</a:t>
+              <a:t>      -E pentru a folosi puterea viață bonus</a:t>
             </a:r>
           </a:p>
           <a:p>
@@ -6453,22 +6398,8 @@
             </a:pPr>
             <a:r>
               <a:rPr lang="ro-RO" dirty="0"/>
-              <a:t> </a:t>
-            </a:r>
-            <a:r>
-              <a:rPr lang="ro-RO" dirty="0" smtClean="0"/>
-              <a:t>     -E pentru a folosi puterea viață bonus</a:t>
-            </a:r>
-          </a:p>
-          <a:p>
-            <a:pPr marL="0" indent="0">
-              <a:buNone/>
-            </a:pPr>
-            <a:r>
-              <a:rPr lang="ro-RO" dirty="0" smtClean="0"/>
               <a:t>      -P pentru pauză</a:t>
             </a:r>
-            <a:endParaRPr lang="ro-RO" dirty="0"/>
           </a:p>
         </p:txBody>
       </p:sp>
@@ -6485,13 +6416,6 @@
   <p:transition spd="med">
     <p:pull/>
   </p:transition>
-  <p:timing>
-    <p:tnLst>
-      <p:par>
-        <p:cTn id="1" dur="indefinite" restart="never" nodeType="tmRoot"/>
-      </p:par>
-    </p:tnLst>
-  </p:timing>
 </p:sld>
 </file>
 
@@ -6529,10 +6453,9 @@
           <a:p>
             <a:pPr algn="ctr"/>
             <a:r>
-              <a:rPr lang="ro-RO" dirty="0" smtClean="0"/>
+              <a:rPr lang="ro-RO" dirty="0"/>
               <a:t>Algoritmul folosit</a:t>
             </a:r>
-            <a:endParaRPr lang="ro-RO" dirty="0"/>
           </a:p>
         </p:txBody>
       </p:sp>
@@ -6560,7 +6483,7 @@
               <a:buNone/>
             </a:pPr>
             <a:r>
-              <a:rPr lang="ro-RO" dirty="0" smtClean="0"/>
+              <a:rPr lang="ro-RO" dirty="0"/>
               <a:t>   Structura algoritmului este următoarea:</a:t>
             </a:r>
           </a:p>
@@ -6570,41 +6493,37 @@
             </a:pPr>
             <a:r>
               <a:rPr lang="ro-RO" dirty="0"/>
-              <a:t> </a:t>
-            </a:r>
-            <a:r>
-              <a:rPr lang="ro-RO" dirty="0" smtClean="0"/>
-              <a:t>     </a:t>
-            </a:r>
-            <a:r>
-              <a:rPr lang="ro-RO" dirty="0" err="1" smtClean="0"/>
+              <a:t>      </a:t>
+            </a:r>
+            <a:r>
+              <a:rPr lang="ro-RO" dirty="0" err="1"/>
               <a:t>-se</a:t>
             </a:r>
             <a:r>
-              <a:rPr lang="ro-RO" dirty="0" smtClean="0"/>
+              <a:rPr lang="ro-RO" dirty="0"/>
               <a:t> creează o lume și se pun </a:t>
             </a:r>
             <a:r>
-              <a:rPr lang="ro-RO" b="1" dirty="0" smtClean="0"/>
+              <a:rPr lang="ro-RO" b="1" dirty="0"/>
               <a:t>n</a:t>
             </a:r>
             <a:r>
-              <a:rPr lang="ro-RO" dirty="0" smtClean="0"/>
+              <a:rPr lang="ro-RO" dirty="0"/>
               <a:t> actori băieți (20</a:t>
             </a:r>
             <a:r>
-              <a:rPr lang="en-US" b="1" dirty="0" smtClean="0"/>
+              <a:rPr lang="en-US" b="1" dirty="0"/>
               <a:t>&lt;n&lt;</a:t>
             </a:r>
             <a:r>
-              <a:rPr lang="en-US" dirty="0" smtClean="0"/>
+              <a:rPr lang="en-US" dirty="0"/>
               <a:t>30</a:t>
             </a:r>
             <a:r>
-              <a:rPr lang="ro-RO" dirty="0" smtClean="0"/>
+              <a:rPr lang="ro-RO" dirty="0"/>
               <a:t>)</a:t>
             </a:r>
-            <a:endParaRPr lang="en-US" dirty="0" smtClean="0"/>
+            <a:endParaRPr lang="en-US" dirty="0"/>
           </a:p>
           <a:p>
             <a:pPr marL="0" indent="0">
@@ -6612,18 +6531,14 @@
             </a:pPr>
             <a:r>
               <a:rPr lang="en-US" dirty="0"/>
-              <a:t> </a:t>
-            </a:r>
-            <a:r>
-              <a:rPr lang="en-US" dirty="0" smtClean="0"/>
-              <a:t>     -se </a:t>
-            </a:r>
-            <a:r>
-              <a:rPr lang="en-US" dirty="0" err="1" smtClean="0"/>
+              <a:t>      -se </a:t>
+            </a:r>
+            <a:r>
+              <a:rPr lang="en-US" dirty="0" err="1"/>
               <a:t>adaug</a:t>
             </a:r>
             <a:r>
-              <a:rPr lang="ro-RO" dirty="0" smtClean="0"/>
+              <a:rPr lang="ro-RO" dirty="0"/>
               <a:t>ă o ambulanță și, dacă nivelul este mai mare de 10, 5 construcții</a:t>
             </a:r>
           </a:p>
@@ -6633,29 +6548,24 @@
             </a:pPr>
             <a:r>
               <a:rPr lang="ro-RO" dirty="0"/>
-              <a:t> </a:t>
-            </a:r>
-            <a:r>
-              <a:rPr lang="ro-RO" dirty="0" smtClean="0"/>
-              <a:t>     </a:t>
-            </a:r>
-            <a:r>
-              <a:rPr lang="ro-RO" dirty="0" err="1" smtClean="0"/>
+              <a:t>      </a:t>
+            </a:r>
+            <a:r>
+              <a:rPr lang="ro-RO" dirty="0" err="1"/>
               <a:t>-se</a:t>
             </a:r>
             <a:r>
-              <a:rPr lang="ro-RO" dirty="0" smtClean="0"/>
+              <a:rPr lang="ro-RO" dirty="0"/>
               <a:t> creează un fișier numit „</a:t>
             </a:r>
             <a:r>
-              <a:rPr lang="ro-RO" dirty="0" err="1" smtClean="0"/>
+              <a:rPr lang="ro-RO" dirty="0" err="1"/>
               <a:t>res.txt</a:t>
             </a:r>
             <a:r>
-              <a:rPr lang="ro-RO" dirty="0" smtClean="0"/>
+              <a:rPr lang="ro-RO" dirty="0"/>
               <a:t>” care conține datele utilizatorului (dacă acesta există deja, nu va fi înlocuit de unul nou)</a:t>
             </a:r>
-            <a:endParaRPr lang="ro-RO" dirty="0" smtClean="0"/>
           </a:p>
           <a:p>
             <a:pPr marL="0" indent="0">
@@ -6663,34 +6573,30 @@
             </a:pPr>
             <a:r>
               <a:rPr lang="ro-RO" dirty="0"/>
-              <a:t> </a:t>
-            </a:r>
-            <a:r>
-              <a:rPr lang="ro-RO" dirty="0" smtClean="0"/>
-              <a:t>     </a:t>
-            </a:r>
-            <a:r>
-              <a:rPr lang="ro-RO" dirty="0" err="1" smtClean="0"/>
+              <a:t>      </a:t>
+            </a:r>
+            <a:r>
+              <a:rPr lang="ro-RO" dirty="0" err="1"/>
               <a:t>-clasa</a:t>
             </a:r>
             <a:r>
-              <a:rPr lang="ro-RO" dirty="0" smtClean="0"/>
+              <a:rPr lang="ro-RO" dirty="0"/>
               <a:t> „</a:t>
             </a:r>
             <a:r>
-              <a:rPr lang="ro-RO" dirty="0" err="1" smtClean="0"/>
+              <a:rPr lang="ro-RO" dirty="0" err="1"/>
               <a:t>Ambulance</a:t>
             </a:r>
             <a:r>
-              <a:rPr lang="ro-RO" dirty="0" smtClean="0"/>
+              <a:rPr lang="ro-RO" dirty="0"/>
               <a:t>” este creierul jocului și se ocupă cu controalele, cu citirea datelor utilizatorului, cu </a:t>
             </a:r>
             <a:r>
-              <a:rPr lang="ro-RO" dirty="0" err="1" smtClean="0"/>
+              <a:rPr lang="ro-RO" dirty="0" err="1"/>
               <a:t>acting-ul</a:t>
             </a:r>
             <a:r>
-              <a:rPr lang="ro-RO" dirty="0" smtClean="0"/>
+              <a:rPr lang="ro-RO" dirty="0"/>
               <a:t> și cu afișarea output-ului</a:t>
             </a:r>
           </a:p>
@@ -6700,42 +6606,38 @@
             </a:pPr>
             <a:r>
               <a:rPr lang="ro-RO" dirty="0"/>
-              <a:t> </a:t>
-            </a:r>
-            <a:r>
-              <a:rPr lang="ro-RO" dirty="0" smtClean="0"/>
-              <a:t>     </a:t>
-            </a:r>
-            <a:r>
-              <a:rPr lang="ro-RO" dirty="0" err="1" smtClean="0"/>
+              <a:t>      </a:t>
+            </a:r>
+            <a:r>
+              <a:rPr lang="ro-RO" dirty="0" err="1"/>
               <a:t>-celelalte</a:t>
             </a:r>
             <a:r>
-              <a:rPr lang="ro-RO" dirty="0" smtClean="0"/>
+              <a:rPr lang="ro-RO" dirty="0"/>
               <a:t> clase au o </a:t>
             </a:r>
             <a:r>
-              <a:rPr lang="ro-RO" dirty="0" err="1" smtClean="0"/>
+              <a:rPr lang="ro-RO" dirty="0" err="1"/>
               <a:t>funție</a:t>
             </a:r>
             <a:r>
-              <a:rPr lang="ro-RO" dirty="0" smtClean="0"/>
+              <a:rPr lang="ro-RO" dirty="0"/>
               <a:t> „</a:t>
             </a:r>
             <a:r>
-              <a:rPr lang="ro-RO" dirty="0" err="1" smtClean="0"/>
+              <a:rPr lang="ro-RO" dirty="0" err="1"/>
               <a:t>addedToWorld</a:t>
             </a:r>
             <a:r>
-              <a:rPr lang="ro-RO" dirty="0" smtClean="0"/>
+              <a:rPr lang="ro-RO" dirty="0"/>
               <a:t>” (</a:t>
             </a:r>
             <a:r>
-              <a:rPr lang="ro-RO" dirty="0" err="1" smtClean="0"/>
+              <a:rPr lang="ro-RO" dirty="0" err="1"/>
               <a:t>Hospital</a:t>
             </a:r>
             <a:r>
-              <a:rPr lang="ro-RO" dirty="0" smtClean="0"/>
+              <a:rPr lang="ro-RO" dirty="0"/>
               <a:t>) sau sunt neconfigurate (Boy)</a:t>
             </a:r>
           </a:p>
@@ -6745,29 +6647,24 @@
             </a:pPr>
             <a:r>
               <a:rPr lang="ro-RO" dirty="0"/>
-              <a:t> </a:t>
-            </a:r>
-            <a:r>
-              <a:rPr lang="ro-RO" dirty="0" smtClean="0"/>
-              <a:t>  S-a folosit documentația </a:t>
-            </a:r>
-            <a:r>
-              <a:rPr lang="ro-RO" dirty="0" err="1" smtClean="0"/>
+              <a:t>   S-a folosit documentația </a:t>
+            </a:r>
+            <a:r>
+              <a:rPr lang="ro-RO" dirty="0" err="1"/>
               <a:t>Greenfoot</a:t>
             </a:r>
             <a:r>
-              <a:rPr lang="ro-RO" dirty="0" smtClean="0"/>
+              <a:rPr lang="ro-RO" dirty="0"/>
               <a:t> și unele informații de pe site-ul </a:t>
             </a:r>
             <a:r>
-              <a:rPr lang="ro-RO" dirty="0" err="1" smtClean="0"/>
+              <a:rPr lang="ro-RO" dirty="0" err="1"/>
               <a:t>stackexchange.com</a:t>
             </a:r>
             <a:r>
-              <a:rPr lang="ro-RO" dirty="0" smtClean="0"/>
+              <a:rPr lang="ro-RO" dirty="0"/>
               <a:t> (informații privitoare la optimizarea fișierului de proprietăți)</a:t>
             </a:r>
-            <a:endParaRPr lang="ro-RO" dirty="0"/>
           </a:p>
         </p:txBody>
       </p:sp>
@@ -6784,13 +6681,6 @@
   <p:transition spd="med">
     <p:pull/>
   </p:transition>
-  <p:timing>
-    <p:tnLst>
-      <p:par>
-        <p:cTn id="1" dur="indefinite" restart="never" nodeType="tmRoot"/>
-      </p:par>
-    </p:tnLst>
-  </p:timing>
 </p:sld>
 </file>
 
@@ -6828,10 +6718,9 @@
           <a:p>
             <a:pPr algn="ctr"/>
             <a:r>
-              <a:rPr lang="ro-RO" dirty="0" smtClean="0"/>
+              <a:rPr lang="ro-RO" dirty="0"/>
               <a:t>Observații finale</a:t>
             </a:r>
-            <a:endParaRPr lang="ro-RO" dirty="0"/>
           </a:p>
         </p:txBody>
       </p:sp>
@@ -6853,81 +6742,53 @@
           <a:lstStyle/>
           <a:p>
             <a:r>
-              <a:rPr lang="ro-RO" dirty="0" smtClean="0"/>
-              <a:t>   Limba implicită a jocului este engleza. </a:t>
-            </a:r>
-            <a:r>
-              <a:rPr lang="ro-RO" dirty="0" smtClean="0"/>
-              <a:t>Asta ne va ajuta să creăm un joc ce va fi mai ușor de </a:t>
-            </a:r>
-            <a:r>
-              <a:rPr lang="ro-RO" dirty="0" err="1" smtClean="0"/>
+              <a:rPr lang="ro-RO" dirty="0"/>
+              <a:t>   Limba implicită a jocului este engleza. Asta ne va ajuta să creăm un joc ce va fi mai ușor de </a:t>
+            </a:r>
+            <a:r>
+              <a:rPr lang="ro-RO" dirty="0" err="1"/>
               <a:t>externalizat</a:t>
             </a:r>
             <a:r>
-              <a:rPr lang="ro-RO" dirty="0" smtClean="0"/>
+              <a:rPr lang="ro-RO" dirty="0"/>
               <a:t>. De asemenea, nu am găsit informații privitoare la limba pe care ar trebui să o aibă jocul.</a:t>
             </a:r>
           </a:p>
           <a:p>
             <a:r>
-              <a:rPr lang="ro-RO" dirty="0" smtClean="0"/>
-              <a:t>   Acest joc există în domeniul online </a:t>
-            </a:r>
-            <a:r>
-              <a:rPr lang="ro-RO" dirty="0"/>
-              <a:t>la </a:t>
-            </a:r>
-            <a:r>
-              <a:rPr lang="ro-RO" dirty="0" smtClean="0"/>
-              <a:t>adresa: </a:t>
-            </a:r>
-            <a:r>
-              <a:rPr lang="ro-RO" dirty="0" smtClean="0">
-                <a:hlinkClick r:id="rId2"/>
-              </a:rPr>
-              <a:t>https</a:t>
+              <a:rPr lang="ro-RO" dirty="0"/>
+              <a:t>   Acest joc există în domeniul online la adresa: </a:t>
             </a:r>
             <a:r>
               <a:rPr lang="ro-RO" dirty="0">
                 <a:hlinkClick r:id="rId2"/>
               </a:rPr>
-              <a:t>://</a:t>
-            </a:r>
-            <a:r>
-              <a:rPr lang="ro-RO" dirty="0" smtClean="0">
-                <a:hlinkClick r:id="rId2"/>
-              </a:rPr>
-              <a:t>github.com/minealex2244/Fasty</a:t>
-            </a:r>
-            <a:r>
-              <a:rPr lang="ro-RO" dirty="0" smtClean="0"/>
+              <a:t>https://github.com/minealex2244/Fasty</a:t>
+            </a:r>
+            <a:r>
+              <a:rPr lang="ro-RO" dirty="0"/>
               <a:t> și a fost încărcat de noi pentru a putea beneficia din plin de facilitățile oferite de </a:t>
             </a:r>
             <a:r>
-              <a:rPr lang="ro-RO" dirty="0" err="1" smtClean="0"/>
+              <a:rPr lang="ro-RO" dirty="0" err="1"/>
               <a:t>Github</a:t>
             </a:r>
             <a:r>
               <a:rPr lang="ro-RO" dirty="0"/>
-              <a:t> </a:t>
-            </a:r>
-            <a:r>
-              <a:rPr lang="ro-RO" dirty="0" smtClean="0"/>
-              <a:t>cum ar fi compararea versiunilor conținutului fișierelor.</a:t>
-            </a:r>
-          </a:p>
-          <a:p>
-            <a:r>
-              <a:rPr lang="ro-RO" dirty="0" smtClean="0"/>
+              <a:t> cum ar fi compararea versiunilor conținutului fișierelor.</a:t>
+            </a:r>
+          </a:p>
+          <a:p>
+            <a:r>
+              <a:rPr lang="ro-RO" dirty="0"/>
               <a:t>   Jocul este ușor de depanat. Fișierul „</a:t>
             </a:r>
             <a:r>
-              <a:rPr lang="ro-RO" dirty="0" err="1" smtClean="0"/>
+              <a:rPr lang="ro-RO" dirty="0" err="1"/>
               <a:t>res.txt</a:t>
             </a:r>
             <a:r>
-              <a:rPr lang="ro-RO" dirty="0" smtClean="0"/>
+              <a:rPr lang="ro-RO" dirty="0"/>
               <a:t>” poate fi modificat pentru a obține timp bonus, o nouă șansă sau un nivel mai mare fără a fi nevoie de multă muncă. Dar asta înseamnă a trișa :). Sau puteți modifica algoritmul pentru a obține anumite „beneficii” (comentariile de cod vă vor indica ce valori pot fi modificate, excepție pentru viteza ambulanței a cărei valoare poate fi modificată, dar nu există un comentariu care să indice asta).</a:t>
             </a:r>
           </a:p>
@@ -6946,13 +6807,6 @@
   <p:transition spd="med">
     <p:pull/>
   </p:transition>
-  <p:timing>
-    <p:tnLst>
-      <p:par>
-        <p:cTn id="1" dur="indefinite" restart="never" nodeType="tmRoot"/>
-      </p:par>
-    </p:tnLst>
-  </p:timing>
 </p:sld>
 </file>
 
@@ -6990,10 +6844,9 @@
           <a:p>
             <a:pPr algn="ctr"/>
             <a:r>
-              <a:rPr lang="ro-RO" dirty="0" smtClean="0"/>
+              <a:rPr lang="ro-RO" dirty="0"/>
               <a:t>Observații finale</a:t>
             </a:r>
-            <a:endParaRPr lang="ro-RO" dirty="0"/>
           </a:p>
         </p:txBody>
       </p:sp>
@@ -7015,7 +6868,7 @@
         </p:spPr>
         <p:txBody>
           <a:bodyPr>
-            <a:normAutofit lnSpcReduction="10000"/>
+            <a:normAutofit/>
           </a:bodyPr>
           <a:lstStyle/>
           <a:p>
@@ -7023,72 +6876,49 @@
               <a:buNone/>
             </a:pPr>
             <a:r>
-              <a:rPr lang="ro-RO" dirty="0" smtClean="0"/>
-              <a:t>   Boy </a:t>
-            </a:r>
-            <a:r>
-              <a:rPr lang="ro-RO" dirty="0"/>
-              <a:t>peste </a:t>
-            </a:r>
-            <a:r>
-              <a:rPr lang="ro-RO" dirty="0" err="1" smtClean="0"/>
+              <a:rPr lang="ro-RO" dirty="0"/>
+              <a:t>   Boy peste </a:t>
+            </a:r>
+            <a:r>
+              <a:rPr lang="ro-RO" dirty="0" err="1"/>
               <a:t>Ambulance</a:t>
             </a:r>
             <a:r>
-              <a:rPr lang="ro-RO" dirty="0" smtClean="0"/>
-              <a:t>, Boy </a:t>
-            </a:r>
-            <a:r>
-              <a:rPr lang="ro-RO" dirty="0"/>
-              <a:t>peste </a:t>
-            </a:r>
-            <a:r>
-              <a:rPr lang="ro-RO" dirty="0" smtClean="0"/>
-              <a:t>Boy și </a:t>
-            </a:r>
-            <a:r>
-              <a:rPr lang="ro-RO" dirty="0" err="1" smtClean="0"/>
+              <a:rPr lang="ro-RO" dirty="0"/>
+              <a:t>, Boy peste Boy și </a:t>
+            </a:r>
+            <a:r>
+              <a:rPr lang="ro-RO" dirty="0" err="1"/>
               <a:t>Hospital</a:t>
             </a:r>
             <a:r>
-              <a:rPr lang="ro-RO" dirty="0" smtClean="0"/>
+              <a:rPr lang="ro-RO" dirty="0"/>
               <a:t> peste </a:t>
             </a:r>
             <a:r>
-              <a:rPr lang="ro-RO" dirty="0" err="1" smtClean="0"/>
+              <a:rPr lang="ro-RO" dirty="0" err="1"/>
               <a:t>Hospital</a:t>
             </a:r>
             <a:r>
-              <a:rPr lang="ro-RO" dirty="0" smtClean="0"/>
-              <a:t> </a:t>
-            </a:r>
-            <a:r>
-              <a:rPr lang="ro-RO" dirty="0"/>
-              <a:t>nu constituie </a:t>
-            </a:r>
-            <a:r>
-              <a:rPr lang="ro-RO" dirty="0" smtClean="0"/>
-              <a:t>un </a:t>
-            </a:r>
-            <a:r>
-              <a:rPr lang="ro-RO" dirty="0" err="1" smtClean="0"/>
+              <a:rPr lang="ro-RO" dirty="0"/>
+              <a:t> nu constituie un </a:t>
+            </a:r>
+            <a:r>
+              <a:rPr lang="ro-RO" dirty="0" err="1"/>
               <a:t>bug</a:t>
             </a:r>
             <a:r>
               <a:rPr lang="ro-RO" dirty="0"/>
-              <a:t>, ci face parte din regulile jocului. Dacă doriți să eliminați acest lucru adăugați </a:t>
-            </a:r>
-            <a:r>
-              <a:rPr lang="ro-RO" dirty="0" smtClean="0"/>
-              <a:t>următoarele </a:t>
-            </a:r>
-            <a:r>
-              <a:rPr lang="ro-RO" dirty="0"/>
-              <a:t>linii de </a:t>
-            </a:r>
-            <a:r>
-              <a:rPr lang="ro-RO" dirty="0" smtClean="0"/>
-              <a:t>cod în clasa Boy:</a:t>
+              <a:t>, ci face parte din regulile jocului. Dacă doriți să eliminați acest lucru:</a:t>
+            </a:r>
+          </a:p>
+          <a:p>
+            <a:pPr marL="0" indent="0">
+              <a:buNone/>
+            </a:pPr>
+            <a:r>
+              <a:rPr lang="ro-RO" dirty="0"/>
+              <a:t>1) adăugați următoarele linii de cod în clasa Boy:</a:t>
             </a:r>
           </a:p>
           <a:p>
@@ -7167,7 +6997,7 @@
               <a:t>        </a:t>
             </a:r>
             <a:r>
-              <a:rPr lang="ro-RO" dirty="0" err="1" smtClean="0">
+              <a:rPr lang="ro-RO" dirty="0" err="1">
                 <a:solidFill>
                   <a:schemeClr val="accent5">
                     <a:lumMod val="75000"/>
@@ -7177,11 +7007,11 @@
               <a:t>while</a:t>
             </a:r>
             <a:r>
-              <a:rPr lang="ro-RO" dirty="0" smtClean="0"/>
+              <a:rPr lang="ro-RO" dirty="0"/>
               <a:t>(</a:t>
             </a:r>
             <a:r>
-              <a:rPr lang="ro-RO" dirty="0" err="1" smtClean="0">
+              <a:rPr lang="ro-RO" dirty="0" err="1">
                 <a:solidFill>
                   <a:schemeClr val="accent5">
                     <a:lumMod val="75000"/>
@@ -7191,11 +7021,11 @@
               <a:t>isTouching</a:t>
             </a:r>
             <a:r>
-              <a:rPr lang="ro-RO" dirty="0" smtClean="0"/>
+              <a:rPr lang="ro-RO" dirty="0"/>
               <a:t>(</a:t>
             </a:r>
             <a:r>
-              <a:rPr lang="ro-RO" dirty="0" err="1" smtClean="0">
+              <a:rPr lang="ro-RO" dirty="0" err="1">
                 <a:solidFill>
                   <a:schemeClr val="accent5">
                     <a:lumMod val="60000"/>
@@ -7206,7 +7036,7 @@
               <a:t>Boy</a:t>
             </a:r>
             <a:r>
-              <a:rPr lang="ro-RO" dirty="0" err="1" smtClean="0"/>
+              <a:rPr lang="ro-RO" dirty="0" err="1"/>
               <a:t>.class</a:t>
             </a:r>
             <a:r>
@@ -7408,11 +7238,11 @@
               <a:t>getHeight</a:t>
             </a:r>
             <a:r>
-              <a:rPr lang="ro-RO" dirty="0" smtClean="0"/>
+              <a:rPr lang="ro-RO" dirty="0"/>
               <a:t>()</a:t>
             </a:r>
             <a:r>
-              <a:rPr lang="ro-RO" dirty="0" smtClean="0">
+              <a:rPr lang="ro-RO" dirty="0">
                 <a:solidFill>
                   <a:schemeClr val="accent5">
                     <a:lumMod val="75000"/>
@@ -7422,7 +7252,7 @@
               <a:t>-</a:t>
             </a:r>
             <a:r>
-              <a:rPr lang="ro-RO" dirty="0" smtClean="0">
+              <a:rPr lang="ro-RO" dirty="0">
                 <a:solidFill>
                   <a:schemeClr val="tx2">
                     <a:lumMod val="60000"/>
@@ -7475,47 +7305,13 @@
             </a:pPr>
             <a:r>
               <a:rPr lang="ro-RO" dirty="0"/>
-              <a:t>    </a:t>
-            </a:r>
-            <a:r>
-              <a:rPr lang="ro-RO" dirty="0" smtClean="0"/>
-              <a:t>}</a:t>
+              <a:t>    }</a:t>
             </a:r>
           </a:p>
           <a:p>
             <a:pPr marL="0" indent="0">
               <a:buNone/>
             </a:pPr>
-            <a:endParaRPr lang="ro-RO" dirty="0"/>
-          </a:p>
-          <a:p>
-            <a:pPr marL="0" indent="0">
-              <a:buNone/>
-            </a:pPr>
-            <a:r>
-              <a:rPr lang="ro-RO" dirty="0" smtClean="0"/>
-              <a:t>Și </a:t>
-            </a:r>
-            <a:r>
-              <a:rPr lang="ro-RO" dirty="0"/>
-              <a:t>cam </a:t>
-            </a:r>
-            <a:r>
-              <a:rPr lang="ro-RO" dirty="0" smtClean="0"/>
-              <a:t>atât. Vă dorim o </a:t>
-            </a:r>
-            <a:r>
-              <a:rPr lang="ro-RO" dirty="0"/>
-              <a:t>zi </a:t>
-            </a:r>
-            <a:r>
-              <a:rPr lang="ro-RO" dirty="0" smtClean="0"/>
-              <a:t>cât </a:t>
-            </a:r>
-            <a:r>
-              <a:rPr lang="ro-RO" smtClean="0"/>
-              <a:t>mai plăcută!</a:t>
-            </a:r>
             <a:endParaRPr lang="ro-RO" dirty="0"/>
           </a:p>
         </p:txBody>
@@ -7533,13 +7329,196 @@
   <p:transition spd="med">
     <p:pull/>
   </p:transition>
-  <p:timing>
-    <p:tnLst>
-      <p:par>
-        <p:cTn id="1" dur="indefinite" restart="never" nodeType="tmRoot"/>
-      </p:par>
-    </p:tnLst>
-  </p:timing>
+</p:sld>
+</file>
+
+<file path=ppt/slides/slide8.xml><?xml version="1.0" encoding="utf-8"?>
+<p:sld xmlns:a="http://schemas.openxmlformats.org/drawingml/2006/main" xmlns:r="http://schemas.openxmlformats.org/officeDocument/2006/relationships" xmlns:p="http://schemas.openxmlformats.org/presentationml/2006/main">
+  <p:cSld>
+    <p:spTree>
+      <p:nvGrpSpPr>
+        <p:cNvPr id="1" name=""/>
+        <p:cNvGrpSpPr/>
+        <p:nvPr/>
+      </p:nvGrpSpPr>
+      <p:grpSpPr>
+        <a:xfrm>
+          <a:off x="0" y="0"/>
+          <a:ext cx="0" cy="0"/>
+          <a:chOff x="0" y="0"/>
+          <a:chExt cx="0" cy="0"/>
+        </a:xfrm>
+      </p:grpSpPr>
+      <p:sp>
+        <p:nvSpPr>
+          <p:cNvPr id="2" name="Titlu 1"/>
+          <p:cNvSpPr>
+            <a:spLocks noGrp="1"/>
+          </p:cNvSpPr>
+          <p:nvPr>
+            <p:ph type="title"/>
+          </p:nvPr>
+        </p:nvSpPr>
+        <p:spPr/>
+        <p:txBody>
+          <a:bodyPr/>
+          <a:lstStyle/>
+          <a:p>
+            <a:pPr algn="ctr"/>
+            <a:r>
+              <a:rPr lang="ro-RO" dirty="0"/>
+              <a:t>Observații finale</a:t>
+            </a:r>
+          </a:p>
+        </p:txBody>
+      </p:sp>
+      <p:sp>
+        <p:nvSpPr>
+          <p:cNvPr id="3" name="Substituent conținut 2"/>
+          <p:cNvSpPr>
+            <a:spLocks noGrp="1"/>
+          </p:cNvSpPr>
+          <p:nvPr>
+            <p:ph idx="1"/>
+          </p:nvPr>
+        </p:nvSpPr>
+        <p:spPr/>
+        <p:txBody>
+          <a:bodyPr/>
+          <a:lstStyle/>
+          <a:p>
+            <a:r>
+              <a:rPr lang="ro-RO" dirty="0"/>
+              <a:t>2) în clasa </a:t>
+            </a:r>
+            <a:r>
+              <a:rPr lang="ro-RO" dirty="0" err="1"/>
+              <a:t>Hospital</a:t>
+            </a:r>
+            <a:r>
+              <a:rPr lang="ro-RO" dirty="0"/>
+              <a:t>, adăugați în </a:t>
+            </a:r>
+            <a:r>
+              <a:rPr lang="ro-RO" b="1" dirty="0" err="1"/>
+              <a:t>while</a:t>
+            </a:r>
+            <a:r>
+              <a:rPr lang="ro-RO" b="1" dirty="0"/>
+              <a:t>:   || </a:t>
+            </a:r>
+            <a:r>
+              <a:rPr lang="ro-RO" dirty="0" err="1">
+                <a:solidFill>
+                  <a:schemeClr val="accent5">
+                    <a:lumMod val="75000"/>
+                  </a:schemeClr>
+                </a:solidFill>
+              </a:rPr>
+              <a:t>isTouching</a:t>
+            </a:r>
+            <a:r>
+              <a:rPr lang="ro-RO" dirty="0"/>
+              <a:t>(</a:t>
+            </a:r>
+            <a:r>
+              <a:rPr lang="ro-RO" dirty="0" err="1">
+                <a:solidFill>
+                  <a:schemeClr val="accent5">
+                    <a:lumMod val="60000"/>
+                    <a:lumOff val="40000"/>
+                  </a:schemeClr>
+                </a:solidFill>
+              </a:rPr>
+              <a:t>Boy</a:t>
+            </a:r>
+            <a:r>
+              <a:rPr lang="ro-RO" dirty="0" err="1"/>
+              <a:t>.class</a:t>
+            </a:r>
+            <a:r>
+              <a:rPr lang="ro-RO" dirty="0"/>
+              <a:t>)</a:t>
+            </a:r>
+          </a:p>
+          <a:p>
+            <a:r>
+              <a:rPr lang="ro-RO" dirty="0"/>
+              <a:t>Ne-am asigurat că </a:t>
+            </a:r>
+            <a:r>
+              <a:rPr lang="ro-RO" b="1" dirty="0"/>
+              <a:t>jocul nu mai are niciun </a:t>
+            </a:r>
+            <a:r>
+              <a:rPr lang="ro-RO" b="1" dirty="0" err="1"/>
+              <a:t>bug</a:t>
+            </a:r>
+            <a:r>
+              <a:rPr lang="ro-RO" dirty="0"/>
+              <a:t>,</a:t>
+            </a:r>
+            <a:r>
+              <a:rPr lang="ro-RO" b="1" dirty="0"/>
+              <a:t> </a:t>
+            </a:r>
+            <a:r>
+              <a:rPr lang="ro-RO" dirty="0"/>
+              <a:t>deci nu este nevoie de depanare de erori. De asemenea,</a:t>
+            </a:r>
+            <a:r>
+              <a:rPr lang="ro-RO" b="1" dirty="0"/>
+              <a:t> este optimizat </a:t>
+            </a:r>
+            <a:r>
+              <a:rPr lang="ro-RO" dirty="0"/>
+              <a:t>și</a:t>
+            </a:r>
+            <a:r>
+              <a:rPr lang="ro-RO" b="1" dirty="0"/>
+              <a:t> nu conține linii de cod inutile</a:t>
+            </a:r>
+            <a:r>
+              <a:rPr lang="ro-RO" dirty="0"/>
+              <a:t>.</a:t>
+            </a:r>
+          </a:p>
+          <a:p>
+            <a:endParaRPr lang="ro-RO" dirty="0"/>
+          </a:p>
+          <a:p>
+            <a:pPr marL="0" indent="0">
+              <a:buNone/>
+            </a:pPr>
+            <a:endParaRPr lang="ro-RO" dirty="0"/>
+          </a:p>
+          <a:p>
+            <a:pPr marL="0" indent="0" algn="ctr">
+              <a:buNone/>
+            </a:pPr>
+            <a:r>
+              <a:rPr lang="ro-RO" sz="2000" b="1" dirty="0"/>
+              <a:t>Și cam atât. Vă dorim o zi cât mai plăcută!</a:t>
+            </a:r>
+          </a:p>
+          <a:p>
+            <a:endParaRPr lang="ro-RO" dirty="0"/>
+          </a:p>
+        </p:txBody>
+      </p:sp>
+    </p:spTree>
+    <p:extLst>
+      <p:ext uri="{BB962C8B-B14F-4D97-AF65-F5344CB8AC3E}">
+        <p14:creationId xmlns:p14="http://schemas.microsoft.com/office/powerpoint/2010/main" val="1282717306"/>
+      </p:ext>
+    </p:extLst>
+  </p:cSld>
+  <p:clrMapOvr>
+    <a:masterClrMapping/>
+  </p:clrMapOvr>
+  <p:transition spd="med">
+    <p:pull/>
+  </p:transition>
 </p:sld>
 </file>
 
@@ -7794,7 +7773,7 @@
   <a:extraClrSchemeLst/>
   <a:extLst>
     <a:ext uri="{05A4C25C-085E-4340-85A3-A5531E510DB2}">
-      <thm15:themeFamily xmlns:thm15="http://schemas.microsoft.com/office/thememl/2012/main" xmlns="" name="Facet" id="{C0C680CD-088A-49FC-A102-D699147F32B2}" vid="{CFBC31BA-B70F-4F30-BCAA-4F3011E16C4D}"/>
+      <thm15:themeFamily xmlns:thm15="http://schemas.microsoft.com/office/thememl/2012/main" name="Facet" id="{C0C680CD-088A-49FC-A102-D699147F32B2}" vid="{CFBC31BA-B70F-4F30-BCAA-4F3011E16C4D}"/>
     </a:ext>
   </a:extLst>
 </a:theme>

--- a/Fasty.pptx
+++ b/Fasty.pptx
@@ -113,7 +113,7 @@
   </p:defaultTextStyle>
   <p:extLst>
     <p:ext uri="{EFAFB233-063F-42B5-8137-9DF3F51BA10A}">
-      <p15:sldGuideLst xmlns:p15="http://schemas.microsoft.com/office/powerpoint/2012/main">
+      <p15:sldGuideLst xmlns:p15="http://schemas.microsoft.com/office/powerpoint/2012/main" xmlns="">
         <p15:guide id="1" orient="horz" pos="2160">
           <p15:clr>
             <a:srgbClr val="A4A3A4"/>
@@ -852,7 +852,7 @@
           <a:p>
             <a:fld id="{3E24DBBD-9242-4357-A561-20355844280C}" type="datetimeFigureOut">
               <a:rPr lang="ro-RO" smtClean="0"/>
-              <a:t>18.01.2017</a:t>
+              <a:t>25.01.2017</a:t>
             </a:fld>
             <a:endParaRPr lang="ro-RO"/>
           </a:p>
@@ -1103,7 +1103,7 @@
           <a:p>
             <a:fld id="{3E24DBBD-9242-4357-A561-20355844280C}" type="datetimeFigureOut">
               <a:rPr lang="ro-RO" smtClean="0"/>
-              <a:t>18.01.2017</a:t>
+              <a:t>25.01.2017</a:t>
             </a:fld>
             <a:endParaRPr lang="ro-RO"/>
           </a:p>
@@ -1417,7 +1417,7 @@
           <a:p>
             <a:fld id="{3E24DBBD-9242-4357-A561-20355844280C}" type="datetimeFigureOut">
               <a:rPr lang="ro-RO" smtClean="0"/>
-              <a:t>18.01.2017</a:t>
+              <a:t>25.01.2017</a:t>
             </a:fld>
             <a:endParaRPr lang="ro-RO"/>
           </a:p>
@@ -1758,7 +1758,7 @@
           <a:p>
             <a:fld id="{3E24DBBD-9242-4357-A561-20355844280C}" type="datetimeFigureOut">
               <a:rPr lang="ro-RO" smtClean="0"/>
-              <a:t>18.01.2017</a:t>
+              <a:t>25.01.2017</a:t>
             </a:fld>
             <a:endParaRPr lang="ro-RO"/>
           </a:p>
@@ -2072,7 +2072,7 @@
           <a:p>
             <a:fld id="{3E24DBBD-9242-4357-A561-20355844280C}" type="datetimeFigureOut">
               <a:rPr lang="ro-RO" smtClean="0"/>
-              <a:t>18.01.2017</a:t>
+              <a:t>25.01.2017</a:t>
             </a:fld>
             <a:endParaRPr lang="ro-RO"/>
           </a:p>
@@ -2465,7 +2465,7 @@
           <a:p>
             <a:fld id="{3E24DBBD-9242-4357-A561-20355844280C}" type="datetimeFigureOut">
               <a:rPr lang="ro-RO" smtClean="0"/>
-              <a:t>18.01.2017</a:t>
+              <a:t>25.01.2017</a:t>
             </a:fld>
             <a:endParaRPr lang="ro-RO"/>
           </a:p>
@@ -2635,7 +2635,7 @@
           <a:p>
             <a:fld id="{3E24DBBD-9242-4357-A561-20355844280C}" type="datetimeFigureOut">
               <a:rPr lang="ro-RO" smtClean="0"/>
-              <a:t>18.01.2017</a:t>
+              <a:t>25.01.2017</a:t>
             </a:fld>
             <a:endParaRPr lang="ro-RO"/>
           </a:p>
@@ -2815,7 +2815,7 @@
           <a:p>
             <a:fld id="{3E24DBBD-9242-4357-A561-20355844280C}" type="datetimeFigureOut">
               <a:rPr lang="ro-RO" smtClean="0"/>
-              <a:t>18.01.2017</a:t>
+              <a:t>25.01.2017</a:t>
             </a:fld>
             <a:endParaRPr lang="ro-RO"/>
           </a:p>
@@ -2991,7 +2991,7 @@
           <a:p>
             <a:fld id="{3E24DBBD-9242-4357-A561-20355844280C}" type="datetimeFigureOut">
               <a:rPr lang="ro-RO" smtClean="0"/>
-              <a:t>18.01.2017</a:t>
+              <a:t>25.01.2017</a:t>
             </a:fld>
             <a:endParaRPr lang="ro-RO"/>
           </a:p>
@@ -3238,7 +3238,7 @@
           <a:p>
             <a:fld id="{3E24DBBD-9242-4357-A561-20355844280C}" type="datetimeFigureOut">
               <a:rPr lang="ro-RO" smtClean="0"/>
-              <a:t>18.01.2017</a:t>
+              <a:t>25.01.2017</a:t>
             </a:fld>
             <a:endParaRPr lang="ro-RO"/>
           </a:p>
@@ -3470,7 +3470,7 @@
           <a:p>
             <a:fld id="{3E24DBBD-9242-4357-A561-20355844280C}" type="datetimeFigureOut">
               <a:rPr lang="ro-RO" smtClean="0"/>
-              <a:t>18.01.2017</a:t>
+              <a:t>25.01.2017</a:t>
             </a:fld>
             <a:endParaRPr lang="ro-RO"/>
           </a:p>
@@ -3844,7 +3844,7 @@
           <a:p>
             <a:fld id="{3E24DBBD-9242-4357-A561-20355844280C}" type="datetimeFigureOut">
               <a:rPr lang="ro-RO" smtClean="0"/>
-              <a:t>18.01.2017</a:t>
+              <a:t>25.01.2017</a:t>
             </a:fld>
             <a:endParaRPr lang="ro-RO"/>
           </a:p>
@@ -3967,7 +3967,7 @@
           <a:p>
             <a:fld id="{3E24DBBD-9242-4357-A561-20355844280C}" type="datetimeFigureOut">
               <a:rPr lang="ro-RO" smtClean="0"/>
-              <a:t>18.01.2017</a:t>
+              <a:t>25.01.2017</a:t>
             </a:fld>
             <a:endParaRPr lang="ro-RO"/>
           </a:p>
@@ -4062,7 +4062,7 @@
           <a:p>
             <a:fld id="{3E24DBBD-9242-4357-A561-20355844280C}" type="datetimeFigureOut">
               <a:rPr lang="ro-RO" smtClean="0"/>
-              <a:t>18.01.2017</a:t>
+              <a:t>25.01.2017</a:t>
             </a:fld>
             <a:endParaRPr lang="ro-RO"/>
           </a:p>
@@ -4317,7 +4317,7 @@
           <a:p>
             <a:fld id="{3E24DBBD-9242-4357-A561-20355844280C}" type="datetimeFigureOut">
               <a:rPr lang="ro-RO" smtClean="0"/>
-              <a:t>18.01.2017</a:t>
+              <a:t>25.01.2017</a:t>
             </a:fld>
             <a:endParaRPr lang="ro-RO"/>
           </a:p>
@@ -4580,7 +4580,7 @@
           <a:p>
             <a:fld id="{3E24DBBD-9242-4357-A561-20355844280C}" type="datetimeFigureOut">
               <a:rPr lang="ro-RO" smtClean="0"/>
-              <a:t>18.01.2017</a:t>
+              <a:t>25.01.2017</a:t>
             </a:fld>
             <a:endParaRPr lang="ro-RO"/>
           </a:p>
@@ -5323,7 +5323,7 @@
           <a:p>
             <a:fld id="{3E24DBBD-9242-4357-A561-20355844280C}" type="datetimeFigureOut">
               <a:rPr lang="ro-RO" smtClean="0"/>
-              <a:t>18.01.2017</a:t>
+              <a:t>25.01.2017</a:t>
             </a:fld>
             <a:endParaRPr lang="ro-RO"/>
           </a:p>
@@ -6053,8 +6053,34 @@
             </a:pPr>
             <a:r>
               <a:rPr lang="ro-RO" dirty="0"/>
-              <a:t>Notă: Sarcina utilizatorului este de a colecta toți oamenii din ecran în mai puțin de 12 secunde fără a intra în coliziune cu construcțiile care vor apărea după nivelul 10.</a:t>
-            </a:r>
+              <a:t>Notă: Sarcina utilizatorului este de a colecta toți oamenii din ecran în mai puțin de 12 </a:t>
+            </a:r>
+            <a:r>
+              <a:rPr lang="ro-RO" dirty="0" smtClean="0"/>
+              <a:t>secunde </a:t>
+            </a:r>
+            <a:r>
+              <a:rPr lang="ro-RO" dirty="0"/>
+              <a:t>fără a intra în coliziune cu construcțiile care vor apărea după nivelul 10</a:t>
+            </a:r>
+            <a:r>
+              <a:rPr lang="ro-RO" dirty="0" smtClean="0"/>
+              <a:t>.</a:t>
+            </a:r>
+          </a:p>
+          <a:p>
+            <a:pPr marL="0" indent="0">
+              <a:buNone/>
+            </a:pPr>
+            <a:r>
+              <a:rPr lang="ro-RO" dirty="0"/>
+              <a:t> </a:t>
+            </a:r>
+            <a:r>
+              <a:rPr lang="ro-RO" dirty="0" smtClean="0"/>
+              <a:t>  După nivelul 35 vă așteaptă un „boss”. </a:t>
+            </a:r>
+            <a:endParaRPr lang="ro-RO" dirty="0"/>
           </a:p>
         </p:txBody>
       </p:sp>
@@ -7384,7 +7410,9 @@
         </p:nvSpPr>
         <p:spPr/>
         <p:txBody>
-          <a:bodyPr/>
+          <a:bodyPr>
+            <a:normAutofit lnSpcReduction="10000"/>
+          </a:bodyPr>
           <a:lstStyle/>
           <a:p>
             <a:r>
@@ -7484,7 +7512,31 @@
             </a:r>
           </a:p>
           <a:p>
+            <a:r>
+              <a:rPr lang="ro-RO" dirty="0" smtClean="0"/>
+              <a:t>Nu au fost adăugate sunete, deoarece le considerăm inutile în acest proiect 2D. Le vom adăuga într-un proiect 3D.</a:t>
+            </a:r>
+          </a:p>
+          <a:p>
+            <a:r>
+              <a:rPr lang="ro-RO" dirty="0" smtClean="0"/>
+              <a:t>În timpul nivelului 26, vi se va spune să apăsați o tastă ce vă va salva</a:t>
+            </a:r>
+            <a:r>
+              <a:rPr lang="ro-RO" smtClean="0"/>
+              <a:t>, aceea </a:t>
+            </a:r>
+            <a:r>
+              <a:rPr lang="ro-RO" dirty="0" smtClean="0"/>
+              <a:t>este tasta „l”.</a:t>
+            </a:r>
             <a:endParaRPr lang="ro-RO" dirty="0"/>
+          </a:p>
+          <a:p>
+            <a:pPr marL="0" indent="0">
+              <a:buNone/>
+            </a:pPr>
+            <a:endParaRPr lang="ro-RO" dirty="0" smtClean="0"/>
           </a:p>
           <a:p>
             <a:pPr marL="0" indent="0">
@@ -7773,7 +7825,7 @@
   <a:extraClrSchemeLst/>
   <a:extLst>
     <a:ext uri="{05A4C25C-085E-4340-85A3-A5531E510DB2}">
-      <thm15:themeFamily xmlns:thm15="http://schemas.microsoft.com/office/thememl/2012/main" name="Facet" id="{C0C680CD-088A-49FC-A102-D699147F32B2}" vid="{CFBC31BA-B70F-4F30-BCAA-4F3011E16C4D}"/>
+      <thm15:themeFamily xmlns:thm15="http://schemas.microsoft.com/office/thememl/2012/main" xmlns="" name="Facet" id="{C0C680CD-088A-49FC-A102-D699147F32B2}" vid="{CFBC31BA-B70F-4F30-BCAA-4F3011E16C4D}"/>
     </a:ext>
   </a:extLst>
 </a:theme>

--- a/Fasty.pptx
+++ b/Fasty.pptx
@@ -113,7 +113,7 @@
   </p:defaultTextStyle>
   <p:extLst>
     <p:ext uri="{EFAFB233-063F-42B5-8137-9DF3F51BA10A}">
-      <p15:sldGuideLst xmlns:p15="http://schemas.microsoft.com/office/powerpoint/2012/main" xmlns="">
+      <p15:sldGuideLst xmlns:p15="http://schemas.microsoft.com/office/powerpoint/2012/main">
         <p15:guide id="1" orient="horz" pos="2160">
           <p15:clr>
             <a:srgbClr val="A4A3A4"/>
@@ -852,7 +852,7 @@
           <a:p>
             <a:fld id="{3E24DBBD-9242-4357-A561-20355844280C}" type="datetimeFigureOut">
               <a:rPr lang="ro-RO" smtClean="0"/>
-              <a:t>25.01.2017</a:t>
+              <a:t>28.01.2017</a:t>
             </a:fld>
             <a:endParaRPr lang="ro-RO"/>
           </a:p>
@@ -1103,7 +1103,7 @@
           <a:p>
             <a:fld id="{3E24DBBD-9242-4357-A561-20355844280C}" type="datetimeFigureOut">
               <a:rPr lang="ro-RO" smtClean="0"/>
-              <a:t>25.01.2017</a:t>
+              <a:t>28.01.2017</a:t>
             </a:fld>
             <a:endParaRPr lang="ro-RO"/>
           </a:p>
@@ -1417,7 +1417,7 @@
           <a:p>
             <a:fld id="{3E24DBBD-9242-4357-A561-20355844280C}" type="datetimeFigureOut">
               <a:rPr lang="ro-RO" smtClean="0"/>
-              <a:t>25.01.2017</a:t>
+              <a:t>28.01.2017</a:t>
             </a:fld>
             <a:endParaRPr lang="ro-RO"/>
           </a:p>
@@ -1758,7 +1758,7 @@
           <a:p>
             <a:fld id="{3E24DBBD-9242-4357-A561-20355844280C}" type="datetimeFigureOut">
               <a:rPr lang="ro-RO" smtClean="0"/>
-              <a:t>25.01.2017</a:t>
+              <a:t>28.01.2017</a:t>
             </a:fld>
             <a:endParaRPr lang="ro-RO"/>
           </a:p>
@@ -2072,7 +2072,7 @@
           <a:p>
             <a:fld id="{3E24DBBD-9242-4357-A561-20355844280C}" type="datetimeFigureOut">
               <a:rPr lang="ro-RO" smtClean="0"/>
-              <a:t>25.01.2017</a:t>
+              <a:t>28.01.2017</a:t>
             </a:fld>
             <a:endParaRPr lang="ro-RO"/>
           </a:p>
@@ -2465,7 +2465,7 @@
           <a:p>
             <a:fld id="{3E24DBBD-9242-4357-A561-20355844280C}" type="datetimeFigureOut">
               <a:rPr lang="ro-RO" smtClean="0"/>
-              <a:t>25.01.2017</a:t>
+              <a:t>28.01.2017</a:t>
             </a:fld>
             <a:endParaRPr lang="ro-RO"/>
           </a:p>
@@ -2635,7 +2635,7 @@
           <a:p>
             <a:fld id="{3E24DBBD-9242-4357-A561-20355844280C}" type="datetimeFigureOut">
               <a:rPr lang="ro-RO" smtClean="0"/>
-              <a:t>25.01.2017</a:t>
+              <a:t>28.01.2017</a:t>
             </a:fld>
             <a:endParaRPr lang="ro-RO"/>
           </a:p>
@@ -2815,7 +2815,7 @@
           <a:p>
             <a:fld id="{3E24DBBD-9242-4357-A561-20355844280C}" type="datetimeFigureOut">
               <a:rPr lang="ro-RO" smtClean="0"/>
-              <a:t>25.01.2017</a:t>
+              <a:t>28.01.2017</a:t>
             </a:fld>
             <a:endParaRPr lang="ro-RO"/>
           </a:p>
@@ -2991,7 +2991,7 @@
           <a:p>
             <a:fld id="{3E24DBBD-9242-4357-A561-20355844280C}" type="datetimeFigureOut">
               <a:rPr lang="ro-RO" smtClean="0"/>
-              <a:t>25.01.2017</a:t>
+              <a:t>28.01.2017</a:t>
             </a:fld>
             <a:endParaRPr lang="ro-RO"/>
           </a:p>
@@ -3238,7 +3238,7 @@
           <a:p>
             <a:fld id="{3E24DBBD-9242-4357-A561-20355844280C}" type="datetimeFigureOut">
               <a:rPr lang="ro-RO" smtClean="0"/>
-              <a:t>25.01.2017</a:t>
+              <a:t>28.01.2017</a:t>
             </a:fld>
             <a:endParaRPr lang="ro-RO"/>
           </a:p>
@@ -3470,7 +3470,7 @@
           <a:p>
             <a:fld id="{3E24DBBD-9242-4357-A561-20355844280C}" type="datetimeFigureOut">
               <a:rPr lang="ro-RO" smtClean="0"/>
-              <a:t>25.01.2017</a:t>
+              <a:t>28.01.2017</a:t>
             </a:fld>
             <a:endParaRPr lang="ro-RO"/>
           </a:p>
@@ -3844,7 +3844,7 @@
           <a:p>
             <a:fld id="{3E24DBBD-9242-4357-A561-20355844280C}" type="datetimeFigureOut">
               <a:rPr lang="ro-RO" smtClean="0"/>
-              <a:t>25.01.2017</a:t>
+              <a:t>28.01.2017</a:t>
             </a:fld>
             <a:endParaRPr lang="ro-RO"/>
           </a:p>
@@ -3967,7 +3967,7 @@
           <a:p>
             <a:fld id="{3E24DBBD-9242-4357-A561-20355844280C}" type="datetimeFigureOut">
               <a:rPr lang="ro-RO" smtClean="0"/>
-              <a:t>25.01.2017</a:t>
+              <a:t>28.01.2017</a:t>
             </a:fld>
             <a:endParaRPr lang="ro-RO"/>
           </a:p>
@@ -4062,7 +4062,7 @@
           <a:p>
             <a:fld id="{3E24DBBD-9242-4357-A561-20355844280C}" type="datetimeFigureOut">
               <a:rPr lang="ro-RO" smtClean="0"/>
-              <a:t>25.01.2017</a:t>
+              <a:t>28.01.2017</a:t>
             </a:fld>
             <a:endParaRPr lang="ro-RO"/>
           </a:p>
@@ -4317,7 +4317,7 @@
           <a:p>
             <a:fld id="{3E24DBBD-9242-4357-A561-20355844280C}" type="datetimeFigureOut">
               <a:rPr lang="ro-RO" smtClean="0"/>
-              <a:t>25.01.2017</a:t>
+              <a:t>28.01.2017</a:t>
             </a:fld>
             <a:endParaRPr lang="ro-RO"/>
           </a:p>
@@ -4580,7 +4580,7 @@
           <a:p>
             <a:fld id="{3E24DBBD-9242-4357-A561-20355844280C}" type="datetimeFigureOut">
               <a:rPr lang="ro-RO" smtClean="0"/>
-              <a:t>25.01.2017</a:t>
+              <a:t>28.01.2017</a:t>
             </a:fld>
             <a:endParaRPr lang="ro-RO"/>
           </a:p>
@@ -5323,7 +5323,7 @@
           <a:p>
             <a:fld id="{3E24DBBD-9242-4357-A561-20355844280C}" type="datetimeFigureOut">
               <a:rPr lang="ro-RO" smtClean="0"/>
-              <a:t>25.01.2017</a:t>
+              <a:t>28.01.2017</a:t>
             </a:fld>
             <a:endParaRPr lang="ro-RO"/>
           </a:p>
@@ -6053,19 +6053,7 @@
             </a:pPr>
             <a:r>
               <a:rPr lang="ro-RO" dirty="0"/>
-              <a:t>Notă: Sarcina utilizatorului este de a colecta toți oamenii din ecran în mai puțin de 12 </a:t>
-            </a:r>
-            <a:r>
-              <a:rPr lang="ro-RO" dirty="0" smtClean="0"/>
-              <a:t>secunde </a:t>
-            </a:r>
-            <a:r>
-              <a:rPr lang="ro-RO" dirty="0"/>
-              <a:t>fără a intra în coliziune cu construcțiile care vor apărea după nivelul 10</a:t>
-            </a:r>
-            <a:r>
-              <a:rPr lang="ro-RO" dirty="0" smtClean="0"/>
-              <a:t>.</a:t>
+              <a:t>Notă: Sarcina utilizatorului este de a colecta toți oamenii din ecran în mai puțin de 12 secunde fără a intra în coliziune cu construcțiile care vor apărea după nivelul 10.</a:t>
             </a:r>
           </a:p>
           <a:p>
@@ -6074,11 +6062,19 @@
             </a:pPr>
             <a:r>
               <a:rPr lang="ro-RO" dirty="0"/>
-              <a:t> </a:t>
-            </a:r>
-            <a:r>
-              <a:rPr lang="ro-RO" dirty="0" smtClean="0"/>
-              <a:t>  După nivelul 35 vă așteaptă un „boss”. </a:t>
+              <a:t>   După nivelul 35 vă așteaptă un „boss” pe care va trebui </a:t>
+            </a:r>
+            <a:r>
+              <a:rPr lang="ro-RO"/>
+              <a:t>s</a:t>
+            </a:r>
+            <a:r>
+              <a:rPr lang="ro-RO"/>
+              <a:t>ă-l călcați de 3 ori</a:t>
+            </a:r>
+            <a:r>
+              <a:rPr lang="ro-RO"/>
+              <a:t>. </a:t>
             </a:r>
             <a:endParaRPr lang="ro-RO" dirty="0"/>
           </a:p>
@@ -7513,30 +7509,29 @@
           </a:p>
           <a:p>
             <a:r>
-              <a:rPr lang="ro-RO" dirty="0" smtClean="0"/>
+              <a:rPr lang="ro-RO" dirty="0"/>
               <a:t>Nu au fost adăugate sunete, deoarece le considerăm inutile în acest proiect 2D. Le vom adăuga într-un proiect 3D.</a:t>
             </a:r>
           </a:p>
           <a:p>
             <a:r>
-              <a:rPr lang="ro-RO" dirty="0" smtClean="0"/>
+              <a:rPr lang="ro-RO" dirty="0"/>
               <a:t>În timpul nivelului 26, vi se va spune să apăsați o tastă ce vă va salva</a:t>
             </a:r>
             <a:r>
-              <a:rPr lang="ro-RO" smtClean="0"/>
+              <a:rPr lang="ro-RO"/>
               <a:t>, aceea </a:t>
             </a:r>
             <a:r>
-              <a:rPr lang="ro-RO" dirty="0" smtClean="0"/>
+              <a:rPr lang="ro-RO" dirty="0"/>
               <a:t>este tasta „l”.</a:t>
             </a:r>
+          </a:p>
+          <a:p>
+            <a:pPr marL="0" indent="0">
+              <a:buNone/>
+            </a:pPr>
             <a:endParaRPr lang="ro-RO" dirty="0"/>
-          </a:p>
-          <a:p>
-            <a:pPr marL="0" indent="0">
-              <a:buNone/>
-            </a:pPr>
-            <a:endParaRPr lang="ro-RO" dirty="0" smtClean="0"/>
           </a:p>
           <a:p>
             <a:pPr marL="0" indent="0">
@@ -7825,7 +7820,7 @@
   <a:extraClrSchemeLst/>
   <a:extLst>
     <a:ext uri="{05A4C25C-085E-4340-85A3-A5531E510DB2}">
-      <thm15:themeFamily xmlns:thm15="http://schemas.microsoft.com/office/thememl/2012/main" xmlns="" name="Facet" id="{C0C680CD-088A-49FC-A102-D699147F32B2}" vid="{CFBC31BA-B70F-4F30-BCAA-4F3011E16C4D}"/>
+      <thm15:themeFamily xmlns:thm15="http://schemas.microsoft.com/office/thememl/2012/main" name="Facet" id="{C0C680CD-088A-49FC-A102-D699147F32B2}" vid="{CFBC31BA-B70F-4F30-BCAA-4F3011E16C4D}"/>
     </a:ext>
   </a:extLst>
 </a:theme>

--- a/Fasty.pptx
+++ b/Fasty.pptx
@@ -852,7 +852,7 @@
           <a:p>
             <a:fld id="{3E24DBBD-9242-4357-A561-20355844280C}" type="datetimeFigureOut">
               <a:rPr lang="ro-RO" smtClean="0"/>
-              <a:t>28.01.2017</a:t>
+              <a:t>01.02.2017</a:t>
             </a:fld>
             <a:endParaRPr lang="ro-RO"/>
           </a:p>
@@ -1103,7 +1103,7 @@
           <a:p>
             <a:fld id="{3E24DBBD-9242-4357-A561-20355844280C}" type="datetimeFigureOut">
               <a:rPr lang="ro-RO" smtClean="0"/>
-              <a:t>28.01.2017</a:t>
+              <a:t>01.02.2017</a:t>
             </a:fld>
             <a:endParaRPr lang="ro-RO"/>
           </a:p>
@@ -1417,7 +1417,7 @@
           <a:p>
             <a:fld id="{3E24DBBD-9242-4357-A561-20355844280C}" type="datetimeFigureOut">
               <a:rPr lang="ro-RO" smtClean="0"/>
-              <a:t>28.01.2017</a:t>
+              <a:t>01.02.2017</a:t>
             </a:fld>
             <a:endParaRPr lang="ro-RO"/>
           </a:p>
@@ -1758,7 +1758,7 @@
           <a:p>
             <a:fld id="{3E24DBBD-9242-4357-A561-20355844280C}" type="datetimeFigureOut">
               <a:rPr lang="ro-RO" smtClean="0"/>
-              <a:t>28.01.2017</a:t>
+              <a:t>01.02.2017</a:t>
             </a:fld>
             <a:endParaRPr lang="ro-RO"/>
           </a:p>
@@ -2072,7 +2072,7 @@
           <a:p>
             <a:fld id="{3E24DBBD-9242-4357-A561-20355844280C}" type="datetimeFigureOut">
               <a:rPr lang="ro-RO" smtClean="0"/>
-              <a:t>28.01.2017</a:t>
+              <a:t>01.02.2017</a:t>
             </a:fld>
             <a:endParaRPr lang="ro-RO"/>
           </a:p>
@@ -2465,7 +2465,7 @@
           <a:p>
             <a:fld id="{3E24DBBD-9242-4357-A561-20355844280C}" type="datetimeFigureOut">
               <a:rPr lang="ro-RO" smtClean="0"/>
-              <a:t>28.01.2017</a:t>
+              <a:t>01.02.2017</a:t>
             </a:fld>
             <a:endParaRPr lang="ro-RO"/>
           </a:p>
@@ -2635,7 +2635,7 @@
           <a:p>
             <a:fld id="{3E24DBBD-9242-4357-A561-20355844280C}" type="datetimeFigureOut">
               <a:rPr lang="ro-RO" smtClean="0"/>
-              <a:t>28.01.2017</a:t>
+              <a:t>01.02.2017</a:t>
             </a:fld>
             <a:endParaRPr lang="ro-RO"/>
           </a:p>
@@ -2815,7 +2815,7 @@
           <a:p>
             <a:fld id="{3E24DBBD-9242-4357-A561-20355844280C}" type="datetimeFigureOut">
               <a:rPr lang="ro-RO" smtClean="0"/>
-              <a:t>28.01.2017</a:t>
+              <a:t>01.02.2017</a:t>
             </a:fld>
             <a:endParaRPr lang="ro-RO"/>
           </a:p>
@@ -2991,7 +2991,7 @@
           <a:p>
             <a:fld id="{3E24DBBD-9242-4357-A561-20355844280C}" type="datetimeFigureOut">
               <a:rPr lang="ro-RO" smtClean="0"/>
-              <a:t>28.01.2017</a:t>
+              <a:t>01.02.2017</a:t>
             </a:fld>
             <a:endParaRPr lang="ro-RO"/>
           </a:p>
@@ -3238,7 +3238,7 @@
           <a:p>
             <a:fld id="{3E24DBBD-9242-4357-A561-20355844280C}" type="datetimeFigureOut">
               <a:rPr lang="ro-RO" smtClean="0"/>
-              <a:t>28.01.2017</a:t>
+              <a:t>01.02.2017</a:t>
             </a:fld>
             <a:endParaRPr lang="ro-RO"/>
           </a:p>
@@ -3470,7 +3470,7 @@
           <a:p>
             <a:fld id="{3E24DBBD-9242-4357-A561-20355844280C}" type="datetimeFigureOut">
               <a:rPr lang="ro-RO" smtClean="0"/>
-              <a:t>28.01.2017</a:t>
+              <a:t>01.02.2017</a:t>
             </a:fld>
             <a:endParaRPr lang="ro-RO"/>
           </a:p>
@@ -3844,7 +3844,7 @@
           <a:p>
             <a:fld id="{3E24DBBD-9242-4357-A561-20355844280C}" type="datetimeFigureOut">
               <a:rPr lang="ro-RO" smtClean="0"/>
-              <a:t>28.01.2017</a:t>
+              <a:t>01.02.2017</a:t>
             </a:fld>
             <a:endParaRPr lang="ro-RO"/>
           </a:p>
@@ -3967,7 +3967,7 @@
           <a:p>
             <a:fld id="{3E24DBBD-9242-4357-A561-20355844280C}" type="datetimeFigureOut">
               <a:rPr lang="ro-RO" smtClean="0"/>
-              <a:t>28.01.2017</a:t>
+              <a:t>01.02.2017</a:t>
             </a:fld>
             <a:endParaRPr lang="ro-RO"/>
           </a:p>
@@ -4062,7 +4062,7 @@
           <a:p>
             <a:fld id="{3E24DBBD-9242-4357-A561-20355844280C}" type="datetimeFigureOut">
               <a:rPr lang="ro-RO" smtClean="0"/>
-              <a:t>28.01.2017</a:t>
+              <a:t>01.02.2017</a:t>
             </a:fld>
             <a:endParaRPr lang="ro-RO"/>
           </a:p>
@@ -4317,7 +4317,7 @@
           <a:p>
             <a:fld id="{3E24DBBD-9242-4357-A561-20355844280C}" type="datetimeFigureOut">
               <a:rPr lang="ro-RO" smtClean="0"/>
-              <a:t>28.01.2017</a:t>
+              <a:t>01.02.2017</a:t>
             </a:fld>
             <a:endParaRPr lang="ro-RO"/>
           </a:p>
@@ -4580,7 +4580,7 @@
           <a:p>
             <a:fld id="{3E24DBBD-9242-4357-A561-20355844280C}" type="datetimeFigureOut">
               <a:rPr lang="ro-RO" smtClean="0"/>
-              <a:t>28.01.2017</a:t>
+              <a:t>01.02.2017</a:t>
             </a:fld>
             <a:endParaRPr lang="ro-RO"/>
           </a:p>
@@ -5323,7 +5323,7 @@
           <a:p>
             <a:fld id="{3E24DBBD-9242-4357-A561-20355844280C}" type="datetimeFigureOut">
               <a:rPr lang="ro-RO" smtClean="0"/>
-              <a:t>28.01.2017</a:t>
+              <a:t>01.02.2017</a:t>
             </a:fld>
             <a:endParaRPr lang="ro-RO"/>
           </a:p>
@@ -6066,15 +6066,7 @@
             </a:r>
             <a:r>
               <a:rPr lang="ro-RO"/>
-              <a:t>s</a:t>
-            </a:r>
-            <a:r>
-              <a:rPr lang="ro-RO"/>
-              <a:t>ă-l călcați de 3 ori</a:t>
-            </a:r>
-            <a:r>
-              <a:rPr lang="ro-RO"/>
-              <a:t>. </a:t>
+              <a:t>să-l călcați de 3 ori. </a:t>
             </a:r>
             <a:endParaRPr lang="ro-RO" dirty="0"/>
           </a:p>
@@ -7407,7 +7399,7 @@
         <p:spPr/>
         <p:txBody>
           <a:bodyPr>
-            <a:normAutofit lnSpcReduction="10000"/>
+            <a:normAutofit fontScale="92500" lnSpcReduction="10000"/>
           </a:bodyPr>
           <a:lstStyle/>
           <a:p>
@@ -7516,16 +7508,19 @@
           <a:p>
             <a:r>
               <a:rPr lang="ro-RO" dirty="0"/>
-              <a:t>În timpul nivelului 26, vi se va spune să apăsați o tastă ce vă va salva</a:t>
+              <a:t>În timpul nivelului 26, vi se va spune să apăsați o tastă ce vă va salva, aceea este tasta „l”.</a:t>
+            </a:r>
+          </a:p>
+          <a:p>
+            <a:r>
+              <a:rPr lang="ro-RO" dirty="0"/>
+              <a:t>Acest joc ilustrează faptul că misiunea unui șofer de ambulanță nu e una simplă, ci una foarte grea </a:t>
             </a:r>
             <a:r>
               <a:rPr lang="ro-RO"/>
-              <a:t>, aceea </a:t>
-            </a:r>
-            <a:r>
-              <a:rPr lang="ro-RO" dirty="0"/>
-              <a:t>este tasta „l”.</a:t>
-            </a:r>
+              <a:t>și importantă.</a:t>
+            </a:r>
+            <a:endParaRPr lang="ro-RO" dirty="0"/>
           </a:p>
           <a:p>
             <a:pPr marL="0" indent="0">

--- a/Fasty.pptx
+++ b/Fasty.pptx
@@ -852,7 +852,7 @@
           <a:p>
             <a:fld id="{3E24DBBD-9242-4357-A561-20355844280C}" type="datetimeFigureOut">
               <a:rPr lang="ro-RO" smtClean="0"/>
-              <a:t>01.02.2017</a:t>
+              <a:t>06.02.2017</a:t>
             </a:fld>
             <a:endParaRPr lang="ro-RO"/>
           </a:p>
@@ -1103,7 +1103,7 @@
           <a:p>
             <a:fld id="{3E24DBBD-9242-4357-A561-20355844280C}" type="datetimeFigureOut">
               <a:rPr lang="ro-RO" smtClean="0"/>
-              <a:t>01.02.2017</a:t>
+              <a:t>06.02.2017</a:t>
             </a:fld>
             <a:endParaRPr lang="ro-RO"/>
           </a:p>
@@ -1417,7 +1417,7 @@
           <a:p>
             <a:fld id="{3E24DBBD-9242-4357-A561-20355844280C}" type="datetimeFigureOut">
               <a:rPr lang="ro-RO" smtClean="0"/>
-              <a:t>01.02.2017</a:t>
+              <a:t>06.02.2017</a:t>
             </a:fld>
             <a:endParaRPr lang="ro-RO"/>
           </a:p>
@@ -1758,7 +1758,7 @@
           <a:p>
             <a:fld id="{3E24DBBD-9242-4357-A561-20355844280C}" type="datetimeFigureOut">
               <a:rPr lang="ro-RO" smtClean="0"/>
-              <a:t>01.02.2017</a:t>
+              <a:t>06.02.2017</a:t>
             </a:fld>
             <a:endParaRPr lang="ro-RO"/>
           </a:p>
@@ -2072,7 +2072,7 @@
           <a:p>
             <a:fld id="{3E24DBBD-9242-4357-A561-20355844280C}" type="datetimeFigureOut">
               <a:rPr lang="ro-RO" smtClean="0"/>
-              <a:t>01.02.2017</a:t>
+              <a:t>06.02.2017</a:t>
             </a:fld>
             <a:endParaRPr lang="ro-RO"/>
           </a:p>
@@ -2465,7 +2465,7 @@
           <a:p>
             <a:fld id="{3E24DBBD-9242-4357-A561-20355844280C}" type="datetimeFigureOut">
               <a:rPr lang="ro-RO" smtClean="0"/>
-              <a:t>01.02.2017</a:t>
+              <a:t>06.02.2017</a:t>
             </a:fld>
             <a:endParaRPr lang="ro-RO"/>
           </a:p>
@@ -2635,7 +2635,7 @@
           <a:p>
             <a:fld id="{3E24DBBD-9242-4357-A561-20355844280C}" type="datetimeFigureOut">
               <a:rPr lang="ro-RO" smtClean="0"/>
-              <a:t>01.02.2017</a:t>
+              <a:t>06.02.2017</a:t>
             </a:fld>
             <a:endParaRPr lang="ro-RO"/>
           </a:p>
@@ -2815,7 +2815,7 @@
           <a:p>
             <a:fld id="{3E24DBBD-9242-4357-A561-20355844280C}" type="datetimeFigureOut">
               <a:rPr lang="ro-RO" smtClean="0"/>
-              <a:t>01.02.2017</a:t>
+              <a:t>06.02.2017</a:t>
             </a:fld>
             <a:endParaRPr lang="ro-RO"/>
           </a:p>
@@ -2991,7 +2991,7 @@
           <a:p>
             <a:fld id="{3E24DBBD-9242-4357-A561-20355844280C}" type="datetimeFigureOut">
               <a:rPr lang="ro-RO" smtClean="0"/>
-              <a:t>01.02.2017</a:t>
+              <a:t>06.02.2017</a:t>
             </a:fld>
             <a:endParaRPr lang="ro-RO"/>
           </a:p>
@@ -3238,7 +3238,7 @@
           <a:p>
             <a:fld id="{3E24DBBD-9242-4357-A561-20355844280C}" type="datetimeFigureOut">
               <a:rPr lang="ro-RO" smtClean="0"/>
-              <a:t>01.02.2017</a:t>
+              <a:t>06.02.2017</a:t>
             </a:fld>
             <a:endParaRPr lang="ro-RO"/>
           </a:p>
@@ -3470,7 +3470,7 @@
           <a:p>
             <a:fld id="{3E24DBBD-9242-4357-A561-20355844280C}" type="datetimeFigureOut">
               <a:rPr lang="ro-RO" smtClean="0"/>
-              <a:t>01.02.2017</a:t>
+              <a:t>06.02.2017</a:t>
             </a:fld>
             <a:endParaRPr lang="ro-RO"/>
           </a:p>
@@ -3844,7 +3844,7 @@
           <a:p>
             <a:fld id="{3E24DBBD-9242-4357-A561-20355844280C}" type="datetimeFigureOut">
               <a:rPr lang="ro-RO" smtClean="0"/>
-              <a:t>01.02.2017</a:t>
+              <a:t>06.02.2017</a:t>
             </a:fld>
             <a:endParaRPr lang="ro-RO"/>
           </a:p>
@@ -3967,7 +3967,7 @@
           <a:p>
             <a:fld id="{3E24DBBD-9242-4357-A561-20355844280C}" type="datetimeFigureOut">
               <a:rPr lang="ro-RO" smtClean="0"/>
-              <a:t>01.02.2017</a:t>
+              <a:t>06.02.2017</a:t>
             </a:fld>
             <a:endParaRPr lang="ro-RO"/>
           </a:p>
@@ -4062,7 +4062,7 @@
           <a:p>
             <a:fld id="{3E24DBBD-9242-4357-A561-20355844280C}" type="datetimeFigureOut">
               <a:rPr lang="ro-RO" smtClean="0"/>
-              <a:t>01.02.2017</a:t>
+              <a:t>06.02.2017</a:t>
             </a:fld>
             <a:endParaRPr lang="ro-RO"/>
           </a:p>
@@ -4317,7 +4317,7 @@
           <a:p>
             <a:fld id="{3E24DBBD-9242-4357-A561-20355844280C}" type="datetimeFigureOut">
               <a:rPr lang="ro-RO" smtClean="0"/>
-              <a:t>01.02.2017</a:t>
+              <a:t>06.02.2017</a:t>
             </a:fld>
             <a:endParaRPr lang="ro-RO"/>
           </a:p>
@@ -4580,7 +4580,7 @@
           <a:p>
             <a:fld id="{3E24DBBD-9242-4357-A561-20355844280C}" type="datetimeFigureOut">
               <a:rPr lang="ro-RO" smtClean="0"/>
-              <a:t>01.02.2017</a:t>
+              <a:t>06.02.2017</a:t>
             </a:fld>
             <a:endParaRPr lang="ro-RO"/>
           </a:p>
@@ -5323,7 +5323,7 @@
           <a:p>
             <a:fld id="{3E24DBBD-9242-4357-A561-20355844280C}" type="datetimeFigureOut">
               <a:rPr lang="ro-RO" smtClean="0"/>
-              <a:t>01.02.2017</a:t>
+              <a:t>06.02.2017</a:t>
             </a:fld>
             <a:endParaRPr lang="ro-RO"/>
           </a:p>
@@ -5888,29 +5888,22 @@
         </p:nvSpPr>
         <p:spPr/>
         <p:txBody>
-          <a:bodyPr/>
+          <a:bodyPr>
+            <a:normAutofit fontScale="92500" lnSpcReduction="10000"/>
+          </a:bodyPr>
           <a:lstStyle/>
           <a:p>
             <a:pPr algn="ctr"/>
             <a:r>
               <a:rPr lang="ro-RO" dirty="0"/>
-              <a:t>Un joc creat în </a:t>
-            </a:r>
-            <a:r>
-              <a:rPr lang="ro-RO" dirty="0" err="1"/>
-              <a:t>Greenfoot</a:t>
-            </a:r>
-            <a:r>
-              <a:rPr lang="ro-RO" dirty="0"/>
-              <a:t> de Pop Alexandru Radu și </a:t>
-            </a:r>
-            <a:r>
-              <a:rPr lang="ro-RO" dirty="0" err="1"/>
-              <a:t>Petric</a:t>
-            </a:r>
-            <a:r>
-              <a:rPr lang="ro-RO" dirty="0"/>
-              <a:t> Ovidiu Vasiliu</a:t>
+              <a:t>Un joc creat în Greenfoot de Pop Alexandru Radu și Petric Ovidiu Vasiliu</a:t>
+            </a:r>
+          </a:p>
+          <a:p>
+            <a:pPr algn="l"/>
+            <a:r>
+              <a:rPr lang="ro-RO" dirty="0"/>
+              <a:t>     Prof. coordonator: Mureșan Claudia </a:t>
             </a:r>
           </a:p>
           <a:p>
@@ -6018,7 +6011,7 @@
             </a:pPr>
             <a:r>
               <a:rPr lang="ro-RO" dirty="0"/>
-              <a:t>   Se presupune că vă numiți Radu. Ați fost angajat ca șofer pe ambulanță, iar șeful dvs. v-a spus să fiți atent și să luați toți pacienții în timp. După 10 luni, sunteți un angajat bine-cunoscut, iar șeful dvs. vă repartizează într-un nou teritoriu. Nu fiți prea fericit, deoarece este chiar centrul orașului. Nu vă accidentați în construcții!</a:t>
+              <a:t>   Se presupune că vă numiți Radu. Ați fost angajat ca șofer pe ambulanță, iar șeful dvs. v-a spus să fiți atent și să luați toți pacienții în timp. După 5 luni, sunteți un angajat bine-cunoscut, iar șeful dvs. vă repartizează într-un nou teritoriu. Nu fiți prea fericit, deoarece este chiar centrul orașului. Nu vă accidentați în construcții!</a:t>
             </a:r>
           </a:p>
           <a:p>
@@ -6027,7 +6020,7 @@
             </a:pPr>
             <a:r>
               <a:rPr lang="ro-RO" dirty="0"/>
-              <a:t>   După un timp, veți avea dreptul la service gratuit în caz de accident, dar asta doar din 10 în 10 luni.</a:t>
+              <a:t>   După un timp, veți avea dreptul la service gratuit în caz de accident, dar asta doar din 5 în 5 luni.</a:t>
             </a:r>
           </a:p>
           <a:p>
@@ -6036,15 +6029,7 @@
             </a:pPr>
             <a:r>
               <a:rPr lang="ro-RO" dirty="0"/>
-              <a:t>   Și asta e tot pentru acum! Mai</a:t>
-            </a:r>
-            <a:r>
-              <a:rPr lang="en-US" dirty="0"/>
-              <a:t> </a:t>
-            </a:r>
-            <a:r>
-              <a:rPr lang="ro-RO" dirty="0"/>
-              <a:t>multe instrucțiuni pe parcursul jocului. Distracție plăcută!</a:t>
+              <a:t>   Notă: Sarcina utilizatorului este de a colecta toți oamenii din ecran în mai puțin de 15 secunde fără a intra în coliziune cu construcțiile care vor apărea după nivelul 5.</a:t>
             </a:r>
           </a:p>
           <a:p>
@@ -6053,22 +6038,8 @@
             </a:pPr>
             <a:r>
               <a:rPr lang="ro-RO" dirty="0"/>
-              <a:t>Notă: Sarcina utilizatorului este de a colecta toți oamenii din ecran în mai puțin de 12 secunde fără a intra în coliziune cu construcțiile care vor apărea după nivelul 10.</a:t>
-            </a:r>
-          </a:p>
-          <a:p>
-            <a:pPr marL="0" indent="0">
-              <a:buNone/>
-            </a:pPr>
-            <a:r>
-              <a:rPr lang="ro-RO" dirty="0"/>
-              <a:t>   După nivelul 35 vă așteaptă un „boss” pe care va trebui </a:t>
-            </a:r>
-            <a:r>
-              <a:rPr lang="ro-RO"/>
-              <a:t>să-l călcați de 3 ori. </a:t>
-            </a:r>
-            <a:endParaRPr lang="ro-RO" dirty="0"/>
+              <a:t>   La nivelul 20 vă așteaptă un „boss” pe care va trebui să-l călcați de 3 ori, după care veți putea să continuați jocul dacă veți dori.</a:t>
+            </a:r>
           </a:p>
         </p:txBody>
       </p:sp>
@@ -6145,15 +6116,7 @@
           <a:p>
             <a:r>
               <a:rPr lang="ro-RO" dirty="0"/>
-              <a:t>Știm că </a:t>
-            </a:r>
-            <a:r>
-              <a:rPr lang="ro-RO" dirty="0" err="1"/>
-              <a:t>Greenfoot</a:t>
-            </a:r>
-            <a:r>
-              <a:rPr lang="ro-RO" dirty="0"/>
-              <a:t> permite rearanjarea lumii după ce aceasta a fost construită. Nu e corect să o rearanjați, exceptând cazurile de depanare.</a:t>
+              <a:t>Știm că Greenfoot permite rearanjarea lumii după ce aceasta a fost construită. Nu e corect să o rearanjați, exceptând cazurile de depanare.</a:t>
             </a:r>
           </a:p>
           <a:p>
@@ -6165,7 +6128,7 @@
           <a:p>
             <a:r>
               <a:rPr lang="ro-RO" dirty="0"/>
-              <a:t>Mai multe informații în timpul jocului, deci fiți pe fază (nu vă faceți griji, vom pune jocul pe pauză)</a:t>
+              <a:t>Veți primi informații și în timpul jocului, deci fiți pe fază (nu vă faceți griji, vom pune jocul pe pauză)</a:t>
             </a:r>
           </a:p>
           <a:p>
@@ -6184,23 +6147,6 @@
             <a:r>
               <a:rPr lang="ro-RO" dirty="0"/>
               <a:t>.</a:t>
-            </a:r>
-          </a:p>
-          <a:p>
-            <a:pPr marL="0" indent="0">
-              <a:buNone/>
-            </a:pPr>
-            <a:r>
-              <a:rPr lang="ro-RO" dirty="0"/>
-              <a:t>   Notă: Extindeți fereastra </a:t>
-            </a:r>
-            <a:r>
-              <a:rPr lang="ro-RO" dirty="0" err="1"/>
-              <a:t>Greenfoot</a:t>
-            </a:r>
-            <a:r>
-              <a:rPr lang="ro-RO" dirty="0"/>
-              <a:t> Terminal pentru a vedea întreg mesajul ce va apărea.</a:t>
             </a:r>
           </a:p>
         </p:txBody>
@@ -6273,12 +6219,14 @@
         </p:nvSpPr>
         <p:spPr>
           <a:xfrm>
-            <a:off x="677334" y="2160589"/>
-            <a:ext cx="8596668" cy="4358964"/>
+            <a:off x="677334" y="1754909"/>
+            <a:ext cx="8596668" cy="4764644"/>
           </a:xfrm>
         </p:spPr>
         <p:txBody>
-          <a:bodyPr/>
+          <a:bodyPr>
+            <a:normAutofit lnSpcReduction="10000"/>
+          </a:bodyPr>
           <a:lstStyle/>
           <a:p>
             <a:pPr marL="0" indent="0">
@@ -6286,7 +6234,7 @@
             </a:pPr>
             <a:r>
               <a:rPr lang="ro-RO" dirty="0"/>
-              <a:t>   Jocul s-a născut din simple teste de cunoștințe, dar s-a dovedit a avea un potențial ridicat…așa că îl vom exploata :) .</a:t>
+              <a:t>   Jocul s-a născut din simple teste de cunoștințe, dar s-a dovedit a avea un potențial ridicat … așa că îl vom exploata :) .</a:t>
             </a:r>
           </a:p>
           <a:p>
@@ -6330,15 +6278,7 @@
             </a:pPr>
             <a:r>
               <a:rPr lang="ro-RO" dirty="0"/>
-              <a:t>      </a:t>
-            </a:r>
-            <a:r>
-              <a:rPr lang="ro-RO" dirty="0" err="1"/>
-              <a:t>-apăsați</a:t>
-            </a:r>
-            <a:r>
-              <a:rPr lang="ro-RO" dirty="0"/>
-              <a:t> „</a:t>
+              <a:t>      -apăsați „</a:t>
             </a:r>
             <a:r>
               <a:rPr lang="ro-RO" dirty="0" err="1"/>
@@ -6377,43 +6317,77 @@
             </a:pPr>
             <a:r>
               <a:rPr lang="ro-RO" dirty="0"/>
-              <a:t>      </a:t>
+              <a:t>      -săgeți sau WASD pentru mișcare</a:t>
+            </a:r>
+          </a:p>
+          <a:p>
+            <a:pPr marL="0" indent="0">
+              <a:buNone/>
+            </a:pPr>
+            <a:r>
+              <a:rPr lang="ro-RO" dirty="0"/>
+              <a:t>      -Q pentru a folosi puterea timp bonus (nivel 5+)</a:t>
+            </a:r>
+          </a:p>
+          <a:p>
+            <a:pPr marL="0" indent="0">
+              <a:buNone/>
+            </a:pPr>
+            <a:r>
+              <a:rPr lang="ro-RO" dirty="0"/>
+              <a:t>      -E pentru a folosi puterea viață bonus (nivel 10+)</a:t>
+            </a:r>
+          </a:p>
+          <a:p>
+            <a:pPr marL="0" indent="0">
+              <a:buNone/>
+            </a:pPr>
+            <a:r>
+              <a:rPr lang="ro-RO" dirty="0"/>
+              <a:t>      -P pentru pauză</a:t>
+            </a:r>
+          </a:p>
+          <a:p>
+            <a:pPr marL="0" indent="0">
+              <a:buNone/>
+            </a:pPr>
+            <a:r>
+              <a:rPr lang="ro-RO" dirty="0"/>
+              <a:t>   </a:t>
+            </a:r>
+            <a:r>
+              <a:rPr lang="ro-RO" b="1" dirty="0"/>
+              <a:t>Not</a:t>
+            </a:r>
+            <a:r>
+              <a:rPr lang="ro-RO" b="1" dirty="0"/>
+              <a:t>ă: </a:t>
+            </a:r>
+            <a:r>
+              <a:rPr lang="ro-RO" dirty="0"/>
+              <a:t>Textul „</a:t>
             </a:r>
             <a:r>
               <a:rPr lang="ro-RO" dirty="0" err="1"/>
-              <a:t>-săgeți</a:t>
-            </a:r>
-            <a:r>
-              <a:rPr lang="ro-RO" dirty="0"/>
-              <a:t> sau WASD pentru mișcare</a:t>
-            </a:r>
-          </a:p>
-          <a:p>
-            <a:pPr marL="0" indent="0">
-              <a:buNone/>
-            </a:pPr>
-            <a:r>
-              <a:rPr lang="ro-RO" dirty="0"/>
-              <a:t>      -Q pentru a folosi puterea timp bonus</a:t>
-            </a:r>
-          </a:p>
-          <a:p>
-            <a:pPr marL="0" indent="0">
-              <a:buNone/>
-            </a:pPr>
-            <a:r>
-              <a:rPr lang="ro-RO" dirty="0"/>
-              <a:t>      -E pentru a folosi puterea viață bonus</a:t>
-            </a:r>
-          </a:p>
-          <a:p>
-            <a:pPr marL="0" indent="0">
-              <a:buNone/>
-            </a:pPr>
-            <a:r>
-              <a:rPr lang="ro-RO" dirty="0"/>
-              <a:t>      -P pentru pauză</a:t>
-            </a:r>
+              <a:t>Level</a:t>
+            </a:r>
+            <a:r>
+              <a:rPr lang="ro-RO" dirty="0"/>
+              <a:t>/</a:t>
+            </a:r>
+            <a:r>
+              <a:rPr lang="ro-RO" dirty="0" err="1"/>
+              <a:t>saved</a:t>
+            </a:r>
+            <a:r>
+              <a:rPr lang="ro-RO" dirty="0"/>
+              <a:t>/total” reprezintă „nivelul și omuleții salvați din totalul de </a:t>
+            </a:r>
+            <a:r>
+              <a:rPr lang="ro-RO"/>
+              <a:t>X omuleți”.</a:t>
+            </a:r>
+            <a:endParaRPr lang="ro-RO" dirty="0"/>
           </a:p>
         </p:txBody>
       </p:sp>
@@ -6507,53 +6481,57 @@
             </a:pPr>
             <a:r>
               <a:rPr lang="ro-RO" dirty="0"/>
+              <a:t>      -se creează o lume și se pun </a:t>
+            </a:r>
+            <a:r>
+              <a:rPr lang="ro-RO" b="1" dirty="0"/>
+              <a:t>10+nivel actual</a:t>
+            </a:r>
+            <a:r>
+              <a:rPr lang="ro-RO" dirty="0"/>
+              <a:t> actori băieți </a:t>
+            </a:r>
+          </a:p>
+          <a:p>
+            <a:pPr marL="0" indent="0">
+              <a:buNone/>
+            </a:pPr>
+            <a:r>
+              <a:rPr lang="ro-RO" dirty="0"/>
               <a:t>      </a:t>
             </a:r>
             <a:r>
-              <a:rPr lang="ro-RO" dirty="0" err="1"/>
-              <a:t>-se</a:t>
-            </a:r>
-            <a:r>
-              <a:rPr lang="ro-RO" dirty="0"/>
-              <a:t> creează o lume și se pun </a:t>
-            </a:r>
-            <a:r>
-              <a:rPr lang="ro-RO" b="1" dirty="0"/>
-              <a:t>n</a:t>
-            </a:r>
-            <a:r>
-              <a:rPr lang="ro-RO" dirty="0"/>
-              <a:t> actori băieți (20</a:t>
-            </a:r>
-            <a:r>
-              <a:rPr lang="en-US" b="1" dirty="0"/>
-              <a:t>&lt;n&lt;</a:t>
-            </a:r>
-            <a:r>
               <a:rPr lang="en-US" dirty="0"/>
-              <a:t>30</a:t>
-            </a:r>
-            <a:r>
-              <a:rPr lang="ro-RO" dirty="0"/>
-              <a:t>)</a:t>
-            </a:r>
-            <a:endParaRPr lang="en-US" dirty="0"/>
+              <a:t>-se </a:t>
+            </a:r>
+            <a:r>
+              <a:rPr lang="ro-RO" dirty="0"/>
+              <a:t>adaugă o ambulanță și, dacă nivelul este mai mare </a:t>
+            </a:r>
+            <a:r>
+              <a:rPr lang="ro-RO"/>
+              <a:t>de 5, </a:t>
+            </a:r>
+            <a:r>
+              <a:rPr lang="ro-RO" dirty="0"/>
+              <a:t>3</a:t>
+            </a:r>
+            <a:r>
+              <a:rPr lang="ro-RO"/>
+              <a:t> </a:t>
+            </a:r>
+            <a:r>
+              <a:rPr lang="ro-RO" dirty="0"/>
+              <a:t>construcții</a:t>
+            </a:r>
           </a:p>
           <a:p>
             <a:pPr marL="0" indent="0">
               <a:buNone/>
             </a:pPr>
             <a:r>
-              <a:rPr lang="en-US" dirty="0"/>
-              <a:t>      -se </a:t>
-            </a:r>
-            <a:r>
-              <a:rPr lang="en-US" dirty="0" err="1"/>
-              <a:t>adaug</a:t>
-            </a:r>
-            <a:r>
-              <a:rPr lang="ro-RO" dirty="0"/>
-              <a:t>ă o ambulanță și, dacă nivelul este mai mare de 10, 5 construcții</a:t>
+              <a:rPr lang="ro-RO" dirty="0"/>
+              <a:t>      -se creează un fișier numit „res.txt” care conține datele utilizatorului (dacă acesta există deja, nu va fi înlocuit de unul nou)</a:t>
             </a:r>
           </a:p>
           <a:p>
@@ -6562,40 +6540,7 @@
             </a:pPr>
             <a:r>
               <a:rPr lang="ro-RO" dirty="0"/>
-              <a:t>      </a:t>
-            </a:r>
-            <a:r>
-              <a:rPr lang="ro-RO" dirty="0" err="1"/>
-              <a:t>-se</a:t>
-            </a:r>
-            <a:r>
-              <a:rPr lang="ro-RO" dirty="0"/>
-              <a:t> creează un fișier numit „</a:t>
-            </a:r>
-            <a:r>
-              <a:rPr lang="ro-RO" dirty="0" err="1"/>
-              <a:t>res.txt</a:t>
-            </a:r>
-            <a:r>
-              <a:rPr lang="ro-RO" dirty="0"/>
-              <a:t>” care conține datele utilizatorului (dacă acesta există deja, nu va fi înlocuit de unul nou)</a:t>
-            </a:r>
-          </a:p>
-          <a:p>
-            <a:pPr marL="0" indent="0">
-              <a:buNone/>
-            </a:pPr>
-            <a:r>
-              <a:rPr lang="ro-RO" dirty="0"/>
-              <a:t>      </a:t>
-            </a:r>
-            <a:r>
-              <a:rPr lang="ro-RO" dirty="0" err="1"/>
-              <a:t>-clasa</a:t>
-            </a:r>
-            <a:r>
-              <a:rPr lang="ro-RO" dirty="0"/>
-              <a:t> „</a:t>
+              <a:t>      -clasa „</a:t>
             </a:r>
             <a:r>
               <a:rPr lang="ro-RO" dirty="0" err="1"/>
@@ -6620,23 +6565,7 @@
             </a:pPr>
             <a:r>
               <a:rPr lang="ro-RO" dirty="0"/>
-              <a:t>      </a:t>
-            </a:r>
-            <a:r>
-              <a:rPr lang="ro-RO" dirty="0" err="1"/>
-              <a:t>-celelalte</a:t>
-            </a:r>
-            <a:r>
-              <a:rPr lang="ro-RO" dirty="0"/>
-              <a:t> clase au o </a:t>
-            </a:r>
-            <a:r>
-              <a:rPr lang="ro-RO" dirty="0" err="1"/>
-              <a:t>funție</a:t>
-            </a:r>
-            <a:r>
-              <a:rPr lang="ro-RO" dirty="0"/>
-              <a:t> „</a:t>
+              <a:t>      -celelalte clase au o funcție „</a:t>
             </a:r>
             <a:r>
               <a:rPr lang="ro-RO" dirty="0" err="1"/>
@@ -6661,23 +6590,7 @@
             </a:pPr>
             <a:r>
               <a:rPr lang="ro-RO" dirty="0"/>
-              <a:t>   S-a folosit documentația </a:t>
-            </a:r>
-            <a:r>
-              <a:rPr lang="ro-RO" dirty="0" err="1"/>
-              <a:t>Greenfoot</a:t>
-            </a:r>
-            <a:r>
-              <a:rPr lang="ro-RO" dirty="0"/>
-              <a:t> și unele informații de pe site-ul </a:t>
-            </a:r>
-            <a:r>
-              <a:rPr lang="ro-RO" dirty="0" err="1"/>
-              <a:t>stackexchange.com</a:t>
-            </a:r>
-            <a:r>
-              <a:rPr lang="ro-RO" dirty="0"/>
-              <a:t> (informații privitoare la optimizarea fișierului de proprietăți)</a:t>
+              <a:t>   S-a folosit documentația Greenfoot și unele informații de pe site-ul stackexchange.com (informații privitoare la optimizarea fișierului de proprietăți)</a:t>
             </a:r>
           </a:p>
         </p:txBody>
@@ -6757,15 +6670,7 @@
           <a:p>
             <a:r>
               <a:rPr lang="ro-RO" dirty="0"/>
-              <a:t>   Limba implicită a jocului este engleza. Asta ne va ajuta să creăm un joc ce va fi mai ușor de </a:t>
-            </a:r>
-            <a:r>
-              <a:rPr lang="ro-RO" dirty="0" err="1"/>
-              <a:t>externalizat</a:t>
-            </a:r>
-            <a:r>
-              <a:rPr lang="ro-RO" dirty="0"/>
-              <a:t>. De asemenea, nu am găsit informații privitoare la limba pe care ar trebui să o aibă jocul.</a:t>
+              <a:t>   Limba implicită a jocului este engleza. Asta ne va ajuta să creăm un joc ce va fi mai ușor de externalizat. De asemenea, nu am găsit informații privitoare la limba pe care ar trebui să o aibă jocul.</a:t>
             </a:r>
           </a:p>
           <a:p>
@@ -6781,15 +6686,7 @@
             </a:r>
             <a:r>
               <a:rPr lang="ro-RO" dirty="0"/>
-              <a:t> și a fost încărcat de noi pentru a putea beneficia din plin de facilitățile oferite de </a:t>
-            </a:r>
-            <a:r>
-              <a:rPr lang="ro-RO" dirty="0" err="1"/>
-              <a:t>Github</a:t>
-            </a:r>
-            <a:r>
-              <a:rPr lang="ro-RO" dirty="0"/>
-              <a:t> cum ar fi compararea versiunilor conținutului fișierelor.</a:t>
+              <a:t> și a fost încărcat de noi pentru a putea beneficia din plin de facilitățile oferite de Github cum ar fi compararea versiunilor conținutului fișierelor.</a:t>
             </a:r>
           </a:p>
           <a:p>

--- a/Fasty.pptx
+++ b/Fasty.pptx
@@ -852,7 +852,7 @@
           <a:p>
             <a:fld id="{3E24DBBD-9242-4357-A561-20355844280C}" type="datetimeFigureOut">
               <a:rPr lang="ro-RO" smtClean="0"/>
-              <a:t>06.02.2017</a:t>
+              <a:t>08.02.2017</a:t>
             </a:fld>
             <a:endParaRPr lang="ro-RO"/>
           </a:p>
@@ -1103,7 +1103,7 @@
           <a:p>
             <a:fld id="{3E24DBBD-9242-4357-A561-20355844280C}" type="datetimeFigureOut">
               <a:rPr lang="ro-RO" smtClean="0"/>
-              <a:t>06.02.2017</a:t>
+              <a:t>08.02.2017</a:t>
             </a:fld>
             <a:endParaRPr lang="ro-RO"/>
           </a:p>
@@ -1417,7 +1417,7 @@
           <a:p>
             <a:fld id="{3E24DBBD-9242-4357-A561-20355844280C}" type="datetimeFigureOut">
               <a:rPr lang="ro-RO" smtClean="0"/>
-              <a:t>06.02.2017</a:t>
+              <a:t>08.02.2017</a:t>
             </a:fld>
             <a:endParaRPr lang="ro-RO"/>
           </a:p>
@@ -1758,7 +1758,7 @@
           <a:p>
             <a:fld id="{3E24DBBD-9242-4357-A561-20355844280C}" type="datetimeFigureOut">
               <a:rPr lang="ro-RO" smtClean="0"/>
-              <a:t>06.02.2017</a:t>
+              <a:t>08.02.2017</a:t>
             </a:fld>
             <a:endParaRPr lang="ro-RO"/>
           </a:p>
@@ -2072,7 +2072,7 @@
           <a:p>
             <a:fld id="{3E24DBBD-9242-4357-A561-20355844280C}" type="datetimeFigureOut">
               <a:rPr lang="ro-RO" smtClean="0"/>
-              <a:t>06.02.2017</a:t>
+              <a:t>08.02.2017</a:t>
             </a:fld>
             <a:endParaRPr lang="ro-RO"/>
           </a:p>
@@ -2465,7 +2465,7 @@
           <a:p>
             <a:fld id="{3E24DBBD-9242-4357-A561-20355844280C}" type="datetimeFigureOut">
               <a:rPr lang="ro-RO" smtClean="0"/>
-              <a:t>06.02.2017</a:t>
+              <a:t>08.02.2017</a:t>
             </a:fld>
             <a:endParaRPr lang="ro-RO"/>
           </a:p>
@@ -2635,7 +2635,7 @@
           <a:p>
             <a:fld id="{3E24DBBD-9242-4357-A561-20355844280C}" type="datetimeFigureOut">
               <a:rPr lang="ro-RO" smtClean="0"/>
-              <a:t>06.02.2017</a:t>
+              <a:t>08.02.2017</a:t>
             </a:fld>
             <a:endParaRPr lang="ro-RO"/>
           </a:p>
@@ -2815,7 +2815,7 @@
           <a:p>
             <a:fld id="{3E24DBBD-9242-4357-A561-20355844280C}" type="datetimeFigureOut">
               <a:rPr lang="ro-RO" smtClean="0"/>
-              <a:t>06.02.2017</a:t>
+              <a:t>08.02.2017</a:t>
             </a:fld>
             <a:endParaRPr lang="ro-RO"/>
           </a:p>
@@ -2991,7 +2991,7 @@
           <a:p>
             <a:fld id="{3E24DBBD-9242-4357-A561-20355844280C}" type="datetimeFigureOut">
               <a:rPr lang="ro-RO" smtClean="0"/>
-              <a:t>06.02.2017</a:t>
+              <a:t>08.02.2017</a:t>
             </a:fld>
             <a:endParaRPr lang="ro-RO"/>
           </a:p>
@@ -3238,7 +3238,7 @@
           <a:p>
             <a:fld id="{3E24DBBD-9242-4357-A561-20355844280C}" type="datetimeFigureOut">
               <a:rPr lang="ro-RO" smtClean="0"/>
-              <a:t>06.02.2017</a:t>
+              <a:t>08.02.2017</a:t>
             </a:fld>
             <a:endParaRPr lang="ro-RO"/>
           </a:p>
@@ -3470,7 +3470,7 @@
           <a:p>
             <a:fld id="{3E24DBBD-9242-4357-A561-20355844280C}" type="datetimeFigureOut">
               <a:rPr lang="ro-RO" smtClean="0"/>
-              <a:t>06.02.2017</a:t>
+              <a:t>08.02.2017</a:t>
             </a:fld>
             <a:endParaRPr lang="ro-RO"/>
           </a:p>
@@ -3844,7 +3844,7 @@
           <a:p>
             <a:fld id="{3E24DBBD-9242-4357-A561-20355844280C}" type="datetimeFigureOut">
               <a:rPr lang="ro-RO" smtClean="0"/>
-              <a:t>06.02.2017</a:t>
+              <a:t>08.02.2017</a:t>
             </a:fld>
             <a:endParaRPr lang="ro-RO"/>
           </a:p>
@@ -3967,7 +3967,7 @@
           <a:p>
             <a:fld id="{3E24DBBD-9242-4357-A561-20355844280C}" type="datetimeFigureOut">
               <a:rPr lang="ro-RO" smtClean="0"/>
-              <a:t>06.02.2017</a:t>
+              <a:t>08.02.2017</a:t>
             </a:fld>
             <a:endParaRPr lang="ro-RO"/>
           </a:p>
@@ -4062,7 +4062,7 @@
           <a:p>
             <a:fld id="{3E24DBBD-9242-4357-A561-20355844280C}" type="datetimeFigureOut">
               <a:rPr lang="ro-RO" smtClean="0"/>
-              <a:t>06.02.2017</a:t>
+              <a:t>08.02.2017</a:t>
             </a:fld>
             <a:endParaRPr lang="ro-RO"/>
           </a:p>
@@ -4317,7 +4317,7 @@
           <a:p>
             <a:fld id="{3E24DBBD-9242-4357-A561-20355844280C}" type="datetimeFigureOut">
               <a:rPr lang="ro-RO" smtClean="0"/>
-              <a:t>06.02.2017</a:t>
+              <a:t>08.02.2017</a:t>
             </a:fld>
             <a:endParaRPr lang="ro-RO"/>
           </a:p>
@@ -4580,7 +4580,7 @@
           <a:p>
             <a:fld id="{3E24DBBD-9242-4357-A561-20355844280C}" type="datetimeFigureOut">
               <a:rPr lang="ro-RO" smtClean="0"/>
-              <a:t>06.02.2017</a:t>
+              <a:t>08.02.2017</a:t>
             </a:fld>
             <a:endParaRPr lang="ro-RO"/>
           </a:p>
@@ -5323,7 +5323,7 @@
           <a:p>
             <a:fld id="{3E24DBBD-9242-4357-A561-20355844280C}" type="datetimeFigureOut">
               <a:rPr lang="ro-RO" smtClean="0"/>
-              <a:t>06.02.2017</a:t>
+              <a:t>08.02.2017</a:t>
             </a:fld>
             <a:endParaRPr lang="ro-RO"/>
           </a:p>
@@ -6029,6 +6029,15 @@
             </a:pPr>
             <a:r>
               <a:rPr lang="ro-RO" dirty="0"/>
+              <a:t>   Jocul se complică progresiv, avându-se în vedere nivelul jucătorului.</a:t>
+            </a:r>
+          </a:p>
+          <a:p>
+            <a:pPr marL="0" indent="0">
+              <a:buNone/>
+            </a:pPr>
+            <a:r>
+              <a:rPr lang="ro-RO" dirty="0"/>
               <a:t>   Notă: Sarcina utilizatorului este de a colecta toți oamenii din ecran în mai puțin de 15 secunde fără a intra în coliziune cu construcțiile care vor apărea după nivelul 5.</a:t>
             </a:r>
           </a:p>
@@ -6225,7 +6234,7 @@
         </p:spPr>
         <p:txBody>
           <a:bodyPr>
-            <a:normAutofit lnSpcReduction="10000"/>
+            <a:normAutofit fontScale="92500" lnSpcReduction="10000"/>
           </a:bodyPr>
           <a:lstStyle/>
           <a:p>
@@ -6282,19 +6291,19 @@
             </a:r>
             <a:r>
               <a:rPr lang="ro-RO" dirty="0" err="1"/>
-              <a:t>Reset</a:t>
-            </a:r>
-            <a:r>
-              <a:rPr lang="ro-RO" dirty="0"/>
-              <a:t>” și apoi „</a:t>
+              <a:t>Run</a:t>
+            </a:r>
+            <a:r>
+              <a:rPr lang="ro-RO" dirty="0"/>
+              <a:t>” pentru a începe jocul (veți avea dreptul la </a:t>
             </a:r>
             <a:r>
               <a:rPr lang="ro-RO" dirty="0" err="1"/>
-              <a:t>Run</a:t>
-            </a:r>
-            <a:r>
-              <a:rPr lang="ro-RO" dirty="0"/>
-              <a:t>” pentru a începe jocul</a:t>
+              <a:t>username</a:t>
+            </a:r>
+            <a:r>
+              <a:rPr lang="ro-RO" dirty="0"/>
+              <a:t> numai după ce jucați un nivel)</a:t>
             </a:r>
           </a:p>
           <a:p>
@@ -6357,11 +6366,7 @@
             </a:r>
             <a:r>
               <a:rPr lang="ro-RO" b="1" dirty="0"/>
-              <a:t>Not</a:t>
-            </a:r>
-            <a:r>
-              <a:rPr lang="ro-RO" b="1" dirty="0"/>
-              <a:t>ă: </a:t>
+              <a:t>Notă: </a:t>
             </a:r>
             <a:r>
               <a:rPr lang="ro-RO" dirty="0"/>
@@ -6381,13 +6386,8 @@
             </a:r>
             <a:r>
               <a:rPr lang="ro-RO" dirty="0"/>
-              <a:t>/total” reprezintă „nivelul și omuleții salvați din totalul de </a:t>
-            </a:r>
-            <a:r>
-              <a:rPr lang="ro-RO"/>
-              <a:t>X omuleți”.</a:t>
-            </a:r>
-            <a:endParaRPr lang="ro-RO" dirty="0"/>
+              <a:t>/total” reprezintă „nivelul + omuleții salvați din totalul de X omuleți”.</a:t>
+            </a:r>
           </a:p>
         </p:txBody>
       </p:sp>
@@ -6481,6 +6481,37 @@
             </a:pPr>
             <a:r>
               <a:rPr lang="ro-RO" dirty="0"/>
+              <a:t>      </a:t>
+            </a:r>
+            <a:r>
+              <a:rPr lang="ro-RO" dirty="0"/>
+              <a:t>-se creează un fișier numit „res.txt” care conține datele utilizatorului (dacă acesta există deja, nu va fi înlocuit de unul nou)</a:t>
+            </a:r>
+          </a:p>
+          <a:p>
+            <a:pPr marL="0" indent="0">
+              <a:buNone/>
+            </a:pPr>
+            <a:r>
+              <a:rPr lang="ro-RO" dirty="0"/>
+              <a:t>      </a:t>
+            </a:r>
+            <a:r>
+              <a:rPr lang="en-US" dirty="0"/>
+              <a:t>-se </a:t>
+            </a:r>
+            <a:r>
+              <a:rPr lang="ro-RO" dirty="0"/>
+              <a:t>adaugă o ambulanță și, dacă nivelul este mai mare de 5, 3 construcții, respectiv, dacă este mai mare decât 10, 5 construcții în total</a:t>
+            </a:r>
+            <a:endParaRPr lang="ro-RO" dirty="0"/>
+          </a:p>
+          <a:p>
+            <a:pPr marL="0" indent="0">
+              <a:buNone/>
+            </a:pPr>
+            <a:r>
+              <a:rPr lang="ro-RO" dirty="0"/>
               <a:t>      -se creează o lume și se pun </a:t>
             </a:r>
             <a:r>
@@ -6498,48 +6529,6 @@
             </a:pPr>
             <a:r>
               <a:rPr lang="ro-RO" dirty="0"/>
-              <a:t>      </a:t>
-            </a:r>
-            <a:r>
-              <a:rPr lang="en-US" dirty="0"/>
-              <a:t>-se </a:t>
-            </a:r>
-            <a:r>
-              <a:rPr lang="ro-RO" dirty="0"/>
-              <a:t>adaugă o ambulanță și, dacă nivelul este mai mare </a:t>
-            </a:r>
-            <a:r>
-              <a:rPr lang="ro-RO"/>
-              <a:t>de 5, </a:t>
-            </a:r>
-            <a:r>
-              <a:rPr lang="ro-RO" dirty="0"/>
-              <a:t>3</a:t>
-            </a:r>
-            <a:r>
-              <a:rPr lang="ro-RO"/>
-              <a:t> </a:t>
-            </a:r>
-            <a:r>
-              <a:rPr lang="ro-RO" dirty="0"/>
-              <a:t>construcții</a:t>
-            </a:r>
-          </a:p>
-          <a:p>
-            <a:pPr marL="0" indent="0">
-              <a:buNone/>
-            </a:pPr>
-            <a:r>
-              <a:rPr lang="ro-RO" dirty="0"/>
-              <a:t>      -se creează un fișier numit „res.txt” care conține datele utilizatorului (dacă acesta există deja, nu va fi înlocuit de unul nou)</a:t>
-            </a:r>
-          </a:p>
-          <a:p>
-            <a:pPr marL="0" indent="0">
-              <a:buNone/>
-            </a:pPr>
-            <a:r>
-              <a:rPr lang="ro-RO" dirty="0"/>
               <a:t>      -clasa „</a:t>
             </a:r>
             <a:r>
@@ -6573,15 +6562,7 @@
             </a:r>
             <a:r>
               <a:rPr lang="ro-RO" dirty="0"/>
-              <a:t>” (</a:t>
-            </a:r>
-            <a:r>
-              <a:rPr lang="ro-RO" dirty="0" err="1"/>
-              <a:t>Hospital</a:t>
-            </a:r>
-            <a:r>
-              <a:rPr lang="ro-RO" dirty="0"/>
-              <a:t>) sau sunt neconfigurate (Boy)</a:t>
+              <a:t>” sau doar „act” ori sunt neconfigurate (Boy)</a:t>
             </a:r>
           </a:p>
           <a:p>
@@ -6590,7 +6571,17 @@
             </a:pPr>
             <a:r>
               <a:rPr lang="ro-RO" dirty="0"/>
-              <a:t>   S-a folosit documentația Greenfoot și unele informații de pe site-ul stackexchange.com (informații privitoare la optimizarea fișierului de proprietăți)</a:t>
+              <a:t>   S-au folosit documentația Greenfoot și unele informații de pe site-ul stackexchange.com (informații privitoare la optimizarea fișierului de proprietăți), iar sunetele provin de pe site-ul </a:t>
+            </a:r>
+            <a:r>
+              <a:rPr lang="ro-RO" dirty="0">
+                <a:hlinkClick r:id="rId2"/>
+              </a:rPr>
+              <a:t>www.freesound.org</a:t>
+            </a:r>
+            <a:r>
+              <a:rPr lang="ro-RO" dirty="0"/>
+              <a:t> .</a:t>
             </a:r>
           </a:p>
         </p:txBody>
@@ -6700,7 +6691,7 @@
             </a:r>
             <a:r>
               <a:rPr lang="ro-RO" dirty="0"/>
-              <a:t>” poate fi modificat pentru a obține timp bonus, o nouă șansă sau un nivel mai mare fără a fi nevoie de multă muncă. Dar asta înseamnă a trișa :). Sau puteți modifica algoritmul pentru a obține anumite „beneficii” (comentariile de cod vă vor indica ce valori pot fi modificate, excepție pentru viteza ambulanței a cărei valoare poate fi modificată, dar nu există un comentariu care să indice asta).</a:t>
+              <a:t>” poate fi modificat pentru a obține timp bonus, o nouă șansă sau un nivel mai mare fără a fi nevoie de multă muncă. Dar asta înseamnă a trișa :). Sau puteți modifica algoritmul pentru a obține anumite „beneficii” (comentariile de cod vă vor indica ce valori pot fi modificate, excepție pentru viteza ambulanței a cărei valoare poate fi modificată, dar nu există un comentariu care să indice asta și nici nu este recomandat).</a:t>
             </a:r>
           </a:p>
         </p:txBody>
@@ -6788,7 +6779,7 @@
             </a:pPr>
             <a:r>
               <a:rPr lang="ro-RO" dirty="0"/>
-              <a:t>   Boy peste </a:t>
+              <a:t>   Clasa Boy peste </a:t>
             </a:r>
             <a:r>
               <a:rPr lang="ro-RO" dirty="0" err="1"/>
@@ -6812,15 +6803,7 @@
             </a:r>
             <a:r>
               <a:rPr lang="ro-RO" dirty="0"/>
-              <a:t> nu constituie un </a:t>
-            </a:r>
-            <a:r>
-              <a:rPr lang="ro-RO" dirty="0" err="1"/>
-              <a:t>bug</a:t>
-            </a:r>
-            <a:r>
-              <a:rPr lang="ro-RO" dirty="0"/>
-              <a:t>, ci face parte din regulile jocului. Dacă doriți să eliminați acest lucru:</a:t>
+              <a:t> nu constituie un bug, ci face parte din regulile jocului. Dacă doriți să eliminați acest lucru:</a:t>
             </a:r>
           </a:p>
           <a:p>
@@ -7296,13 +7279,16 @@
         <p:spPr/>
         <p:txBody>
           <a:bodyPr>
-            <a:normAutofit fontScale="92500" lnSpcReduction="10000"/>
+            <a:normAutofit lnSpcReduction="10000"/>
           </a:bodyPr>
           <a:lstStyle/>
           <a:p>
-            <a:r>
-              <a:rPr lang="ro-RO" dirty="0"/>
-              <a:t>2) în clasa </a:t>
+            <a:pPr marL="0" indent="0">
+              <a:buNone/>
+            </a:pPr>
+            <a:r>
+              <a:rPr lang="ro-RO" dirty="0"/>
+              <a:t>      2) în clasa </a:t>
             </a:r>
             <a:r>
               <a:rPr lang="ro-RO" dirty="0" err="1"/>
@@ -7361,23 +7347,11 @@
             </a:r>
             <a:r>
               <a:rPr lang="ro-RO" b="1" dirty="0"/>
-              <a:t>jocul nu mai are niciun </a:t>
-            </a:r>
-            <a:r>
-              <a:rPr lang="ro-RO" b="1" dirty="0" err="1"/>
-              <a:t>bug</a:t>
-            </a:r>
-            <a:r>
-              <a:rPr lang="ro-RO" dirty="0"/>
-              <a:t>,</a:t>
-            </a:r>
-            <a:r>
-              <a:rPr lang="ro-RO" b="1" dirty="0"/>
-              <a:t> </a:t>
-            </a:r>
-            <a:r>
-              <a:rPr lang="ro-RO" dirty="0"/>
-              <a:t>deci nu este nevoie de depanare de erori. De asemenea,</a:t>
+              <a:t>jocul nu mai are niciun bug</a:t>
+            </a:r>
+            <a:r>
+              <a:rPr lang="ro-RO" dirty="0"/>
+              <a:t>. De asemenea,</a:t>
             </a:r>
             <a:r>
               <a:rPr lang="ro-RO" b="1" dirty="0"/>
@@ -7389,35 +7363,32 @@
             </a:r>
             <a:r>
               <a:rPr lang="ro-RO" b="1" dirty="0"/>
-              <a:t> nu conține linii de cod inutile</a:t>
-            </a:r>
-            <a:r>
-              <a:rPr lang="ro-RO" dirty="0"/>
-              <a:t>.</a:t>
-            </a:r>
-          </a:p>
-          <a:p>
-            <a:r>
-              <a:rPr lang="ro-RO" dirty="0"/>
-              <a:t>Nu au fost adăugate sunete, deoarece le considerăm inutile în acest proiect 2D. Le vom adăuga într-un proiect 3D.</a:t>
-            </a:r>
-          </a:p>
-          <a:p>
-            <a:r>
-              <a:rPr lang="ro-RO" dirty="0"/>
-              <a:t>În timpul nivelului 26, vi se va spune să apăsați o tastă ce vă va salva, aceea este tasta „l”.</a:t>
-            </a:r>
-          </a:p>
-          <a:p>
-            <a:r>
-              <a:rPr lang="ro-RO" dirty="0"/>
-              <a:t>Acest joc ilustrează faptul că misiunea unui șofer de ambulanță nu e una simplă, ci una foarte grea </a:t>
+              <a:t> nu conține linii de cod inutile </a:t>
+            </a:r>
+            <a:r>
+              <a:rPr lang="ro-RO" dirty="0"/>
+              <a:t>(excepție pentru liniile de cod de tip workaround care fixează unele erori).</a:t>
+            </a:r>
+          </a:p>
+          <a:p>
+            <a:r>
+              <a:rPr lang="ro-RO" dirty="0"/>
+              <a:t>În timpul nivelului 19, vi se va spune să apăsați o tastă secretă ce vă va salva, aceea este tasta „l” și va adăuga înapoi omulețul lipsă.</a:t>
+            </a:r>
+          </a:p>
+          <a:p>
+            <a:r>
+              <a:rPr lang="ro-RO" dirty="0"/>
+              <a:t>Acest joc ilustrează faptul că misiunea unui șofer de ambulanță </a:t>
             </a:r>
             <a:r>
               <a:rPr lang="ro-RO"/>
-              <a:t>și importantă.</a:t>
-            </a:r>
-            <a:endParaRPr lang="ro-RO" dirty="0"/>
+              <a:t>nu este </a:t>
+            </a:r>
+            <a:r>
+              <a:rPr lang="ro-RO" dirty="0"/>
+              <a:t>una simplă, ci una foarte grea și importantă.</a:t>
+            </a:r>
           </a:p>
           <a:p>
             <a:pPr marL="0" indent="0">

--- a/Fasty.pptx
+++ b/Fasty.pptx
@@ -8,8 +8,8 @@
     <p:sldId id="256" r:id="rId2"/>
     <p:sldId id="257" r:id="rId3"/>
     <p:sldId id="258" r:id="rId4"/>
-    <p:sldId id="259" r:id="rId5"/>
-    <p:sldId id="260" r:id="rId6"/>
+    <p:sldId id="260" r:id="rId5"/>
+    <p:sldId id="259" r:id="rId6"/>
     <p:sldId id="261" r:id="rId7"/>
     <p:sldId id="262" r:id="rId8"/>
     <p:sldId id="263" r:id="rId9"/>
@@ -852,7 +852,7 @@
           <a:p>
             <a:fld id="{3E24DBBD-9242-4357-A561-20355844280C}" type="datetimeFigureOut">
               <a:rPr lang="ro-RO" smtClean="0"/>
-              <a:t>08.02.2017</a:t>
+              <a:t>09.02.2017</a:t>
             </a:fld>
             <a:endParaRPr lang="ro-RO"/>
           </a:p>
@@ -1103,7 +1103,7 @@
           <a:p>
             <a:fld id="{3E24DBBD-9242-4357-A561-20355844280C}" type="datetimeFigureOut">
               <a:rPr lang="ro-RO" smtClean="0"/>
-              <a:t>08.02.2017</a:t>
+              <a:t>09.02.2017</a:t>
             </a:fld>
             <a:endParaRPr lang="ro-RO"/>
           </a:p>
@@ -1417,7 +1417,7 @@
           <a:p>
             <a:fld id="{3E24DBBD-9242-4357-A561-20355844280C}" type="datetimeFigureOut">
               <a:rPr lang="ro-RO" smtClean="0"/>
-              <a:t>08.02.2017</a:t>
+              <a:t>09.02.2017</a:t>
             </a:fld>
             <a:endParaRPr lang="ro-RO"/>
           </a:p>
@@ -1758,7 +1758,7 @@
           <a:p>
             <a:fld id="{3E24DBBD-9242-4357-A561-20355844280C}" type="datetimeFigureOut">
               <a:rPr lang="ro-RO" smtClean="0"/>
-              <a:t>08.02.2017</a:t>
+              <a:t>09.02.2017</a:t>
             </a:fld>
             <a:endParaRPr lang="ro-RO"/>
           </a:p>
@@ -2072,7 +2072,7 @@
           <a:p>
             <a:fld id="{3E24DBBD-9242-4357-A561-20355844280C}" type="datetimeFigureOut">
               <a:rPr lang="ro-RO" smtClean="0"/>
-              <a:t>08.02.2017</a:t>
+              <a:t>09.02.2017</a:t>
             </a:fld>
             <a:endParaRPr lang="ro-RO"/>
           </a:p>
@@ -2465,7 +2465,7 @@
           <a:p>
             <a:fld id="{3E24DBBD-9242-4357-A561-20355844280C}" type="datetimeFigureOut">
               <a:rPr lang="ro-RO" smtClean="0"/>
-              <a:t>08.02.2017</a:t>
+              <a:t>09.02.2017</a:t>
             </a:fld>
             <a:endParaRPr lang="ro-RO"/>
           </a:p>
@@ -2635,7 +2635,7 @@
           <a:p>
             <a:fld id="{3E24DBBD-9242-4357-A561-20355844280C}" type="datetimeFigureOut">
               <a:rPr lang="ro-RO" smtClean="0"/>
-              <a:t>08.02.2017</a:t>
+              <a:t>09.02.2017</a:t>
             </a:fld>
             <a:endParaRPr lang="ro-RO"/>
           </a:p>
@@ -2815,7 +2815,7 @@
           <a:p>
             <a:fld id="{3E24DBBD-9242-4357-A561-20355844280C}" type="datetimeFigureOut">
               <a:rPr lang="ro-RO" smtClean="0"/>
-              <a:t>08.02.2017</a:t>
+              <a:t>09.02.2017</a:t>
             </a:fld>
             <a:endParaRPr lang="ro-RO"/>
           </a:p>
@@ -2991,7 +2991,7 @@
           <a:p>
             <a:fld id="{3E24DBBD-9242-4357-A561-20355844280C}" type="datetimeFigureOut">
               <a:rPr lang="ro-RO" smtClean="0"/>
-              <a:t>08.02.2017</a:t>
+              <a:t>09.02.2017</a:t>
             </a:fld>
             <a:endParaRPr lang="ro-RO"/>
           </a:p>
@@ -3238,7 +3238,7 @@
           <a:p>
             <a:fld id="{3E24DBBD-9242-4357-A561-20355844280C}" type="datetimeFigureOut">
               <a:rPr lang="ro-RO" smtClean="0"/>
-              <a:t>08.02.2017</a:t>
+              <a:t>09.02.2017</a:t>
             </a:fld>
             <a:endParaRPr lang="ro-RO"/>
           </a:p>
@@ -3470,7 +3470,7 @@
           <a:p>
             <a:fld id="{3E24DBBD-9242-4357-A561-20355844280C}" type="datetimeFigureOut">
               <a:rPr lang="ro-RO" smtClean="0"/>
-              <a:t>08.02.2017</a:t>
+              <a:t>09.02.2017</a:t>
             </a:fld>
             <a:endParaRPr lang="ro-RO"/>
           </a:p>
@@ -3844,7 +3844,7 @@
           <a:p>
             <a:fld id="{3E24DBBD-9242-4357-A561-20355844280C}" type="datetimeFigureOut">
               <a:rPr lang="ro-RO" smtClean="0"/>
-              <a:t>08.02.2017</a:t>
+              <a:t>09.02.2017</a:t>
             </a:fld>
             <a:endParaRPr lang="ro-RO"/>
           </a:p>
@@ -3967,7 +3967,7 @@
           <a:p>
             <a:fld id="{3E24DBBD-9242-4357-A561-20355844280C}" type="datetimeFigureOut">
               <a:rPr lang="ro-RO" smtClean="0"/>
-              <a:t>08.02.2017</a:t>
+              <a:t>09.02.2017</a:t>
             </a:fld>
             <a:endParaRPr lang="ro-RO"/>
           </a:p>
@@ -4062,7 +4062,7 @@
           <a:p>
             <a:fld id="{3E24DBBD-9242-4357-A561-20355844280C}" type="datetimeFigureOut">
               <a:rPr lang="ro-RO" smtClean="0"/>
-              <a:t>08.02.2017</a:t>
+              <a:t>09.02.2017</a:t>
             </a:fld>
             <a:endParaRPr lang="ro-RO"/>
           </a:p>
@@ -4317,7 +4317,7 @@
           <a:p>
             <a:fld id="{3E24DBBD-9242-4357-A561-20355844280C}" type="datetimeFigureOut">
               <a:rPr lang="ro-RO" smtClean="0"/>
-              <a:t>08.02.2017</a:t>
+              <a:t>09.02.2017</a:t>
             </a:fld>
             <a:endParaRPr lang="ro-RO"/>
           </a:p>
@@ -4580,7 +4580,7 @@
           <a:p>
             <a:fld id="{3E24DBBD-9242-4357-A561-20355844280C}" type="datetimeFigureOut">
               <a:rPr lang="ro-RO" smtClean="0"/>
-              <a:t>08.02.2017</a:t>
+              <a:t>09.02.2017</a:t>
             </a:fld>
             <a:endParaRPr lang="ro-RO"/>
           </a:p>
@@ -5323,7 +5323,7 @@
           <a:p>
             <a:fld id="{3E24DBBD-9242-4357-A561-20355844280C}" type="datetimeFigureOut">
               <a:rPr lang="ro-RO" smtClean="0"/>
-              <a:t>08.02.2017</a:t>
+              <a:t>09.02.2017</a:t>
             </a:fld>
             <a:endParaRPr lang="ro-RO"/>
           </a:p>
@@ -5886,29 +5886,46 @@
             <p:ph type="subTitle" idx="1"/>
           </p:nvPr>
         </p:nvSpPr>
-        <p:spPr/>
+        <p:spPr>
+          <a:xfrm>
+            <a:off x="0" y="3471863"/>
+            <a:ext cx="12192000" cy="3028950"/>
+          </a:xfrm>
+        </p:spPr>
         <p:txBody>
           <a:bodyPr>
-            <a:normAutofit fontScale="92500" lnSpcReduction="10000"/>
+            <a:normAutofit/>
           </a:bodyPr>
           <a:lstStyle/>
           <a:p>
-            <a:pPr algn="ctr"/>
-            <a:r>
-              <a:rPr lang="ro-RO" dirty="0"/>
-              <a:t>Un joc creat în Greenfoot de Pop Alexandru Radu și Petric Ovidiu Vasiliu</a:t>
-            </a:r>
-          </a:p>
-          <a:p>
-            <a:pPr algn="l"/>
-            <a:r>
-              <a:rPr lang="ro-RO" dirty="0"/>
-              <a:t>     Prof. coordonator: Mureșan Claudia </a:t>
-            </a:r>
-          </a:p>
-          <a:p>
-            <a:r>
-              <a:rPr lang="ro-RO" sz="2000" b="1" dirty="0">
+            <a:pPr algn="just"/>
+            <a:r>
+              <a:rPr lang="ro-RO" sz="3400" dirty="0" smtClean="0"/>
+              <a:t>Un </a:t>
+            </a:r>
+            <a:r>
+              <a:rPr lang="ro-RO" sz="3400" dirty="0"/>
+              <a:t>joc creat în Greenfoot de Pop Alexandru Radu și Petric Ovidiu Vasiliu</a:t>
+            </a:r>
+          </a:p>
+          <a:p>
+            <a:pPr algn="just"/>
+            <a:r>
+              <a:rPr lang="ro-RO" sz="3400" dirty="0" smtClean="0"/>
+              <a:t>Prof</a:t>
+            </a:r>
+            <a:r>
+              <a:rPr lang="ro-RO" sz="3400" dirty="0"/>
+              <a:t>. coordonator: Mureșan Claudia</a:t>
+            </a:r>
+            <a:r>
+              <a:rPr lang="ro-RO" dirty="0"/>
+              <a:t> </a:t>
+            </a:r>
+          </a:p>
+          <a:p>
+            <a:r>
+              <a:rPr lang="ro-RO" sz="2800" b="1" dirty="0">
                 <a:solidFill>
                   <a:schemeClr val="tx1">
                     <a:lumMod val="65000"/>
@@ -5919,7 +5936,7 @@
               <a:t>Să începem</a:t>
             </a:r>
             <a:r>
-              <a:rPr lang="ro-RO" dirty="0"/>
+              <a:rPr lang="ro-RO" sz="2800" dirty="0"/>
               <a:t>…</a:t>
             </a:r>
           </a:p>
@@ -5943,6 +5960,13 @@
       <p:transition/>
     </mc:Fallback>
   </mc:AlternateContent>
+  <p:timing>
+    <p:tnLst>
+      <p:par>
+        <p:cTn id="1" dur="indefinite" restart="never" nodeType="tmRoot"/>
+      </p:par>
+    </p:tnLst>
+  </p:timing>
 </p:sld>
 </file>
 
@@ -5998,55 +6022,57 @@
         </p:nvSpPr>
         <p:spPr>
           <a:xfrm>
-            <a:off x="677333" y="2160589"/>
+            <a:off x="476203" y="1431927"/>
             <a:ext cx="8998929" cy="3880773"/>
           </a:xfrm>
         </p:spPr>
         <p:txBody>
-          <a:bodyPr/>
-          <a:lstStyle/>
-          <a:p>
-            <a:pPr marL="0" indent="0">
+          <a:bodyPr>
+            <a:noAutofit/>
+          </a:bodyPr>
+          <a:lstStyle/>
+          <a:p>
+            <a:pPr marL="0" indent="0" algn="just">
               <a:buNone/>
             </a:pPr>
             <a:r>
-              <a:rPr lang="ro-RO" dirty="0"/>
+              <a:rPr lang="ro-RO" sz="2000" dirty="0"/>
               <a:t>   Se presupune că vă numiți Radu. Ați fost angajat ca șofer pe ambulanță, iar șeful dvs. v-a spus să fiți atent și să luați toți pacienții în timp. După 5 luni, sunteți un angajat bine-cunoscut, iar șeful dvs. vă repartizează într-un nou teritoriu. Nu fiți prea fericit, deoarece este chiar centrul orașului. Nu vă accidentați în construcții!</a:t>
             </a:r>
           </a:p>
           <a:p>
-            <a:pPr marL="0" indent="0">
+            <a:pPr marL="0" indent="0" algn="just">
               <a:buNone/>
             </a:pPr>
             <a:r>
-              <a:rPr lang="ro-RO" dirty="0"/>
+              <a:rPr lang="ro-RO" sz="2000" dirty="0"/>
               <a:t>   După un timp, veți avea dreptul la service gratuit în caz de accident, dar asta doar din 5 în 5 luni.</a:t>
             </a:r>
           </a:p>
           <a:p>
-            <a:pPr marL="0" indent="0">
+            <a:pPr marL="0" indent="0" algn="just">
               <a:buNone/>
             </a:pPr>
             <a:r>
-              <a:rPr lang="ro-RO" dirty="0"/>
+              <a:rPr lang="ro-RO" sz="2000" dirty="0"/>
               <a:t>   Jocul se complică progresiv, avându-se în vedere nivelul jucătorului.</a:t>
             </a:r>
           </a:p>
           <a:p>
-            <a:pPr marL="0" indent="0">
+            <a:pPr marL="0" indent="0" algn="just">
               <a:buNone/>
             </a:pPr>
             <a:r>
-              <a:rPr lang="ro-RO" dirty="0"/>
+              <a:rPr lang="ro-RO" sz="2000" dirty="0"/>
               <a:t>   Notă: Sarcina utilizatorului este de a colecta toți oamenii din ecran în mai puțin de 15 secunde fără a intra în coliziune cu construcțiile care vor apărea după nivelul 5.</a:t>
             </a:r>
           </a:p>
           <a:p>
-            <a:pPr marL="0" indent="0">
+            <a:pPr marL="0" indent="0" algn="just">
               <a:buNone/>
             </a:pPr>
             <a:r>
-              <a:rPr lang="ro-RO" dirty="0"/>
+              <a:rPr lang="ro-RO" sz="2000" dirty="0"/>
               <a:t>   La nivelul 20 vă așteaptă un „boss” pe care va trebui să-l călcați de 3 ori, după care veți putea să continuați jocul dacă veți dori.</a:t>
             </a:r>
           </a:p>
@@ -6065,6 +6091,13 @@
   <p:transition spd="med">
     <p:pull/>
   </p:transition>
+  <p:timing>
+    <p:tnLst>
+      <p:par>
+        <p:cTn id="1" dur="indefinite" restart="never" nodeType="tmRoot"/>
+      </p:par>
+    </p:tnLst>
+  </p:timing>
 </p:sld>
 </file>
 
@@ -6173,6 +6206,13 @@
   <p:transition spd="med">
     <p:pull/>
   </p:transition>
+  <p:timing>
+    <p:tnLst>
+      <p:par>
+        <p:cTn id="1" dur="indefinite" restart="never" nodeType="tmRoot"/>
+      </p:par>
+    </p:tnLst>
+  </p:timing>
 </p:sld>
 </file>
 
@@ -6211,7 +6251,7 @@
             <a:pPr algn="ctr"/>
             <a:r>
               <a:rPr lang="ro-RO" dirty="0"/>
-              <a:t>Idee și execuție</a:t>
+              <a:t>Algoritmul folosit</a:t>
             </a:r>
           </a:p>
         </p:txBody>
@@ -6228,14 +6268,12 @@
         </p:nvSpPr>
         <p:spPr>
           <a:xfrm>
-            <a:off x="677334" y="1754909"/>
-            <a:ext cx="8596668" cy="4764644"/>
+            <a:off x="677334" y="1448791"/>
+            <a:ext cx="8596668" cy="4592572"/>
           </a:xfrm>
         </p:spPr>
         <p:txBody>
-          <a:bodyPr>
-            <a:normAutofit fontScale="92500" lnSpcReduction="10000"/>
-          </a:bodyPr>
+          <a:bodyPr/>
           <a:lstStyle/>
           <a:p>
             <a:pPr marL="0" indent="0">
@@ -6243,8 +6281,140 @@
             </a:pPr>
             <a:r>
               <a:rPr lang="ro-RO" dirty="0"/>
-              <a:t>   Jocul s-a născut din simple teste de cunoștințe, dar s-a dovedit a avea un potențial ridicat … așa că îl vom exploata :) .</a:t>
-            </a:r>
+              <a:t>   Structura algoritmului este următoarea:</a:t>
+            </a:r>
+          </a:p>
+          <a:p>
+            <a:pPr indent="14288"/>
+            <a:r>
+              <a:rPr lang="ro-RO" dirty="0" smtClean="0"/>
+              <a:t>se </a:t>
+            </a:r>
+            <a:r>
+              <a:rPr lang="ro-RO" dirty="0"/>
+              <a:t>creează un fișier numit „res.txt” care conține datele utilizatorului (dacă acesta există deja, nu va fi înlocuit de unul nou</a:t>
+            </a:r>
+            <a:r>
+              <a:rPr lang="ro-RO" dirty="0" smtClean="0"/>
+              <a:t>)</a:t>
+            </a:r>
+            <a:r>
+              <a:rPr lang="en-US" dirty="0" smtClean="0"/>
+              <a:t>;</a:t>
+            </a:r>
+            <a:endParaRPr lang="ro-RO" dirty="0"/>
+          </a:p>
+          <a:p>
+            <a:pPr indent="14288"/>
+            <a:r>
+              <a:rPr lang="en-US" dirty="0" smtClean="0"/>
+              <a:t>se </a:t>
+            </a:r>
+            <a:r>
+              <a:rPr lang="ro-RO" dirty="0"/>
+              <a:t>adaugă o ambulanță și, dacă nivelul este mai mare de 5, 3 construcții, respectiv, dacă este mai mare decât 10, 5 construcții în </a:t>
+            </a:r>
+            <a:r>
+              <a:rPr lang="ro-RO" dirty="0" smtClean="0"/>
+              <a:t>total</a:t>
+            </a:r>
+            <a:r>
+              <a:rPr lang="en-US" dirty="0" smtClean="0"/>
+              <a:t>;</a:t>
+            </a:r>
+            <a:endParaRPr lang="ro-RO" dirty="0"/>
+          </a:p>
+          <a:p>
+            <a:pPr indent="14288"/>
+            <a:r>
+              <a:rPr lang="ro-RO" dirty="0" smtClean="0"/>
+              <a:t>se </a:t>
+            </a:r>
+            <a:r>
+              <a:rPr lang="ro-RO" dirty="0"/>
+              <a:t>creează o lume și se pun </a:t>
+            </a:r>
+            <a:r>
+              <a:rPr lang="ro-RO" b="1" dirty="0"/>
+              <a:t>10+nivel actual</a:t>
+            </a:r>
+            <a:r>
+              <a:rPr lang="ro-RO" dirty="0"/>
+              <a:t> </a:t>
+            </a:r>
+            <a:r>
+              <a:rPr lang="ro-RO" dirty="0" smtClean="0"/>
+              <a:t>pacienți</a:t>
+            </a:r>
+            <a:r>
+              <a:rPr lang="en-US" dirty="0" smtClean="0"/>
+              <a:t>;</a:t>
+            </a:r>
+            <a:endParaRPr lang="ro-RO" dirty="0"/>
+          </a:p>
+          <a:p>
+            <a:pPr indent="14288"/>
+            <a:r>
+              <a:rPr lang="ro-RO" dirty="0" smtClean="0"/>
+              <a:t>clasa </a:t>
+            </a:r>
+            <a:r>
+              <a:rPr lang="ro-RO" dirty="0"/>
+              <a:t>„</a:t>
+            </a:r>
+            <a:r>
+              <a:rPr lang="ro-RO" dirty="0" err="1"/>
+              <a:t>Ambulance</a:t>
+            </a:r>
+            <a:r>
+              <a:rPr lang="ro-RO" dirty="0"/>
+              <a:t>” este creierul jocului și se ocupă cu controalele, cu citirea datelor utilizatorului, cu </a:t>
+            </a:r>
+            <a:r>
+              <a:rPr lang="ro-RO" dirty="0" err="1"/>
+              <a:t>acting-ul</a:t>
+            </a:r>
+            <a:r>
+              <a:rPr lang="ro-RO" dirty="0"/>
+              <a:t> și cu afișarea </a:t>
+            </a:r>
+            <a:r>
+              <a:rPr lang="ro-RO" dirty="0" smtClean="0"/>
+              <a:t>output-ului</a:t>
+            </a:r>
+            <a:r>
+              <a:rPr lang="en-US" dirty="0" smtClean="0"/>
+              <a:t>;</a:t>
+            </a:r>
+            <a:endParaRPr lang="ro-RO" dirty="0"/>
+          </a:p>
+          <a:p>
+            <a:pPr indent="14288"/>
+            <a:r>
+              <a:rPr lang="ro-RO" dirty="0" smtClean="0"/>
+              <a:t>celelalte </a:t>
+            </a:r>
+            <a:r>
+              <a:rPr lang="ro-RO" dirty="0"/>
+              <a:t>clase au o funcție „</a:t>
+            </a:r>
+            <a:r>
+              <a:rPr lang="ro-RO" dirty="0" err="1"/>
+              <a:t>addedToWorld</a:t>
+            </a:r>
+            <a:r>
+              <a:rPr lang="ro-RO" dirty="0"/>
+              <a:t>” sau doar „act” ori sunt neconfigurate (Boy</a:t>
+            </a:r>
+            <a:r>
+              <a:rPr lang="ro-RO" dirty="0" smtClean="0"/>
+              <a:t>)</a:t>
+            </a:r>
+            <a:r>
+              <a:rPr lang="en-US" dirty="0"/>
+              <a:t>.</a:t>
+            </a:r>
+            <a:endParaRPr lang="ro-RO" dirty="0"/>
           </a:p>
           <a:p>
             <a:pPr marL="0" indent="0">
@@ -6252,149 +6422,79 @@
             </a:pPr>
             <a:r>
               <a:rPr lang="ro-RO" dirty="0"/>
-              <a:t>   Pentru a rula acest joc:</a:t>
-            </a:r>
-          </a:p>
-          <a:p>
-            <a:pPr marL="0" indent="0">
-              <a:buNone/>
-            </a:pPr>
-            <a:r>
-              <a:rPr lang="ro-RO" dirty="0"/>
-              <a:t>      -extrageți conținutul arhivei</a:t>
-            </a:r>
-          </a:p>
-          <a:p>
-            <a:pPr marL="0" indent="0">
-              <a:buNone/>
-            </a:pPr>
-            <a:r>
-              <a:rPr lang="ro-RO" dirty="0"/>
-              <a:t>      -rulați „</a:t>
-            </a:r>
-            <a:r>
-              <a:rPr lang="ro-RO" dirty="0" err="1"/>
-              <a:t>project.greenfoot</a:t>
-            </a:r>
-            <a:r>
-              <a:rPr lang="ro-RO" dirty="0"/>
-              <a:t>”</a:t>
-            </a:r>
-          </a:p>
-          <a:p>
-            <a:pPr marL="0" indent="0">
-              <a:buNone/>
-            </a:pPr>
-            <a:r>
-              <a:rPr lang="ro-RO" dirty="0"/>
-              <a:t>      -apăsați „</a:t>
-            </a:r>
-            <a:r>
-              <a:rPr lang="ro-RO" dirty="0" err="1"/>
-              <a:t>Run</a:t>
-            </a:r>
-            <a:r>
-              <a:rPr lang="ro-RO" dirty="0"/>
-              <a:t>” pentru a începe jocul (veți avea dreptul la </a:t>
-            </a:r>
-            <a:r>
-              <a:rPr lang="ro-RO" dirty="0" err="1"/>
-              <a:t>username</a:t>
-            </a:r>
-            <a:r>
-              <a:rPr lang="ro-RO" dirty="0"/>
-              <a:t> numai după ce jucați un nivel)</a:t>
-            </a:r>
-          </a:p>
-          <a:p>
-            <a:pPr marL="0" indent="0">
-              <a:buNone/>
-            </a:pPr>
-            <a:r>
-              <a:rPr lang="ro-RO" dirty="0"/>
-              <a:t>   </a:t>
-            </a:r>
-            <a:r>
-              <a:rPr lang="ro-RO" b="1" dirty="0"/>
-              <a:t>Controale:</a:t>
-            </a:r>
-            <a:endParaRPr lang="ro-RO" dirty="0"/>
-          </a:p>
-          <a:p>
-            <a:pPr marL="0" indent="0">
-              <a:buNone/>
-            </a:pPr>
-            <a:r>
-              <a:rPr lang="ro-RO" dirty="0"/>
-              <a:t>      -săgeți sau WASD pentru mișcare</a:t>
-            </a:r>
-          </a:p>
-          <a:p>
-            <a:pPr marL="0" indent="0">
-              <a:buNone/>
-            </a:pPr>
-            <a:r>
-              <a:rPr lang="ro-RO" dirty="0"/>
-              <a:t>      -Q pentru a folosi puterea timp bonus (nivel 5+)</a:t>
-            </a:r>
-          </a:p>
-          <a:p>
-            <a:pPr marL="0" indent="0">
-              <a:buNone/>
-            </a:pPr>
-            <a:r>
-              <a:rPr lang="ro-RO" dirty="0"/>
-              <a:t>      -E pentru a folosi puterea viață bonus (nivel 10+)</a:t>
-            </a:r>
-          </a:p>
-          <a:p>
-            <a:pPr marL="0" indent="0">
-              <a:buNone/>
-            </a:pPr>
-            <a:r>
-              <a:rPr lang="ro-RO" dirty="0"/>
-              <a:t>      -P pentru pauză</a:t>
-            </a:r>
-          </a:p>
-          <a:p>
-            <a:pPr marL="0" indent="0">
-              <a:buNone/>
-            </a:pPr>
-            <a:r>
-              <a:rPr lang="ro-RO" dirty="0"/>
-              <a:t>   </a:t>
-            </a:r>
-            <a:r>
-              <a:rPr lang="ro-RO" b="1" dirty="0"/>
-              <a:t>Notă: </a:t>
-            </a:r>
-            <a:r>
-              <a:rPr lang="ro-RO" dirty="0"/>
-              <a:t>Textul „</a:t>
-            </a:r>
-            <a:r>
-              <a:rPr lang="ro-RO" dirty="0" err="1"/>
-              <a:t>Level</a:t>
-            </a:r>
-            <a:r>
-              <a:rPr lang="ro-RO" dirty="0"/>
-              <a:t>/</a:t>
-            </a:r>
-            <a:r>
-              <a:rPr lang="ro-RO" dirty="0" err="1"/>
-              <a:t>saved</a:t>
-            </a:r>
-            <a:r>
-              <a:rPr lang="ro-RO" dirty="0"/>
-              <a:t>/total” reprezintă „nivelul + omuleții salvați din totalul de X omuleți”.</a:t>
-            </a:r>
-          </a:p>
-        </p:txBody>
-      </p:sp>
+              <a:t>   S-au folosit documentația Greenfoot și unele informații de pe site-ul </a:t>
+            </a:r>
+            <a:r>
+              <a:rPr lang="en-US" dirty="0" smtClean="0">
+                <a:hlinkClick r:id="rId2"/>
+              </a:rPr>
+              <a:t>www.</a:t>
+            </a:r>
+            <a:r>
+              <a:rPr lang="ro-RO" dirty="0" smtClean="0">
+                <a:hlinkClick r:id="rId2"/>
+              </a:rPr>
+              <a:t>stackexchange.com</a:t>
+            </a:r>
+            <a:r>
+              <a:rPr lang="en-US" dirty="0" smtClean="0"/>
+              <a:t> </a:t>
+            </a:r>
+            <a:r>
+              <a:rPr lang="ro-RO" dirty="0" smtClean="0"/>
+              <a:t>(informații </a:t>
+            </a:r>
+            <a:r>
+              <a:rPr lang="ro-RO" dirty="0"/>
+              <a:t>privitoare la optimizarea fișierului de proprietăți), iar sunetele provin de pe site-ul </a:t>
+            </a:r>
+            <a:r>
+              <a:rPr lang="ro-RO" dirty="0">
+                <a:hlinkClick r:id="rId3"/>
+              </a:rPr>
+              <a:t>www.freesound.org</a:t>
+            </a:r>
+            <a:r>
+              <a:rPr lang="ro-RO" dirty="0"/>
+              <a:t> .</a:t>
+            </a:r>
+          </a:p>
+        </p:txBody>
+      </p:sp>
+      <p:pic>
+        <p:nvPicPr>
+          <p:cNvPr id="4" name="Imagine 3"/>
+          <p:cNvPicPr>
+            <a:picLocks noChangeAspect="1"/>
+          </p:cNvPicPr>
+          <p:nvPr/>
+        </p:nvPicPr>
+        <p:blipFill>
+          <a:blip r:embed="rId4">
+            <a:extLst>
+              <a:ext uri="{28A0092B-C50C-407E-A947-70E740481C1C}">
+                <a14:useLocalDpi xmlns:a14="http://schemas.microsoft.com/office/drawing/2010/main" val="0"/>
+              </a:ext>
+            </a:extLst>
+          </a:blip>
+          <a:stretch>
+            <a:fillRect/>
+          </a:stretch>
+        </p:blipFill>
+        <p:spPr>
+          <a:xfrm>
+            <a:off x="677334" y="791038"/>
+            <a:ext cx="762106" cy="476316"/>
+          </a:xfrm>
+          <a:prstGeom prst="rect">
+            <a:avLst/>
+          </a:prstGeom>
+        </p:spPr>
+      </p:pic>
     </p:spTree>
     <p:extLst>
       <p:ext uri="{BB962C8B-B14F-4D97-AF65-F5344CB8AC3E}">
-        <p14:creationId xmlns:p14="http://schemas.microsoft.com/office/powerpoint/2010/main" val="1570812988"/>
+        <p14:creationId xmlns:p14="http://schemas.microsoft.com/office/powerpoint/2010/main" val="3306733575"/>
       </p:ext>
     </p:extLst>
   </p:cSld>
@@ -6404,6 +6504,13 @@
   <p:transition spd="med">
     <p:pull/>
   </p:transition>
+  <p:timing>
+    <p:tnLst>
+      <p:par>
+        <p:cTn id="1" dur="indefinite" restart="never" nodeType="tmRoot"/>
+      </p:par>
+    </p:tnLst>
+  </p:timing>
 </p:sld>
 </file>
 
@@ -6442,7 +6549,7 @@
             <a:pPr algn="ctr"/>
             <a:r>
               <a:rPr lang="ro-RO" dirty="0"/>
-              <a:t>Algoritmul folosit</a:t>
+              <a:t>Idee și execuție</a:t>
             </a:r>
           </a:p>
         </p:txBody>
@@ -6459,12 +6566,14 @@
         </p:nvSpPr>
         <p:spPr>
           <a:xfrm>
-            <a:off x="677334" y="1448791"/>
-            <a:ext cx="8596668" cy="4592572"/>
+            <a:off x="677334" y="1754909"/>
+            <a:ext cx="8596668" cy="4764644"/>
           </a:xfrm>
         </p:spPr>
         <p:txBody>
-          <a:bodyPr/>
+          <a:bodyPr>
+            <a:normAutofit fontScale="92500" lnSpcReduction="10000"/>
+          </a:bodyPr>
           <a:lstStyle/>
           <a:p>
             <a:pPr marL="0" indent="0">
@@ -6472,7 +6581,7 @@
             </a:pPr>
             <a:r>
               <a:rPr lang="ro-RO" dirty="0"/>
-              <a:t>   Structura algoritmului este următoarea:</a:t>
+              <a:t>   Jocul s-a născut din simple teste de cunoștințe, dar s-a dovedit a avea un potențial ridicat … așa că îl vom exploata :) .</a:t>
             </a:r>
           </a:p>
           <a:p>
@@ -6481,11 +6590,7 @@
             </a:pPr>
             <a:r>
               <a:rPr lang="ro-RO" dirty="0"/>
-              <a:t>      </a:t>
-            </a:r>
-            <a:r>
-              <a:rPr lang="ro-RO" dirty="0"/>
-              <a:t>-se creează un fișier numit „res.txt” care conține datele utilizatorului (dacă acesta există deja, nu va fi înlocuit de unul nou)</a:t>
+              <a:t>   Pentru a rula acest joc:</a:t>
             </a:r>
           </a:p>
           <a:p>
@@ -6494,15 +6599,15 @@
             </a:pPr>
             <a:r>
               <a:rPr lang="ro-RO" dirty="0"/>
-              <a:t>      </a:t>
-            </a:r>
-            <a:r>
-              <a:rPr lang="en-US" dirty="0"/>
-              <a:t>-se </a:t>
-            </a:r>
-            <a:r>
-              <a:rPr lang="ro-RO" dirty="0"/>
-              <a:t>adaugă o ambulanță și, dacă nivelul este mai mare de 5, 3 construcții, respectiv, dacă este mai mare decât 10, 5 construcții în total</a:t>
+              <a:t>      -extrageți conținutul </a:t>
+            </a:r>
+            <a:r>
+              <a:rPr lang="ro-RO" dirty="0" smtClean="0"/>
+              <a:t>arhivei</a:t>
+            </a:r>
+            <a:r>
+              <a:rPr lang="en-US" dirty="0" smtClean="0"/>
+              <a:t>;</a:t>
             </a:r>
             <a:endParaRPr lang="ro-RO" dirty="0"/>
           </a:p>
@@ -6512,16 +6617,69 @@
             </a:pPr>
             <a:r>
               <a:rPr lang="ro-RO" dirty="0"/>
-              <a:t>      -se creează o lume și se pun </a:t>
+              <a:t>      -rulați „</a:t>
+            </a:r>
+            <a:r>
+              <a:rPr lang="ro-RO" dirty="0" err="1"/>
+              <a:t>project.greenfoot</a:t>
+            </a:r>
+            <a:r>
+              <a:rPr lang="ro-RO" dirty="0" smtClean="0"/>
+              <a:t>”</a:t>
+            </a:r>
+            <a:r>
+              <a:rPr lang="en-US" dirty="0" smtClean="0"/>
+              <a:t>;</a:t>
+            </a:r>
+            <a:endParaRPr lang="ro-RO" dirty="0"/>
+          </a:p>
+          <a:p>
+            <a:pPr marL="0" indent="0">
+              <a:buNone/>
+            </a:pPr>
+            <a:r>
+              <a:rPr lang="ro-RO" dirty="0"/>
+              <a:t>      -apăsați „</a:t>
+            </a:r>
+            <a:r>
+              <a:rPr lang="ro-RO" dirty="0" err="1"/>
+              <a:t>Run</a:t>
+            </a:r>
+            <a:r>
+              <a:rPr lang="ro-RO" dirty="0"/>
+              <a:t>” pentru a începe jocul (veți avea dreptul la </a:t>
+            </a:r>
+            <a:r>
+              <a:rPr lang="ro-RO" dirty="0" err="1"/>
+              <a:t>username</a:t>
+            </a:r>
+            <a:r>
+              <a:rPr lang="ro-RO" dirty="0"/>
+              <a:t> numai după ce jucați un nivel</a:t>
+            </a:r>
+            <a:r>
+              <a:rPr lang="ro-RO" dirty="0" smtClean="0"/>
+              <a:t>)</a:t>
+            </a:r>
+            <a:r>
+              <a:rPr lang="en-US" dirty="0" smtClean="0"/>
+              <a:t>.</a:t>
+            </a:r>
+            <a:endParaRPr lang="ro-RO" dirty="0"/>
+          </a:p>
+          <a:p>
+            <a:pPr marL="0" indent="0">
+              <a:buNone/>
+            </a:pPr>
+            <a:r>
+              <a:rPr lang="ro-RO" dirty="0"/>
+              <a:t>   </a:t>
             </a:r>
             <a:r>
               <a:rPr lang="ro-RO" b="1" dirty="0"/>
-              <a:t>10+nivel actual</a:t>
-            </a:r>
-            <a:r>
-              <a:rPr lang="ro-RO" dirty="0"/>
-              <a:t> actori băieți </a:t>
-            </a:r>
+              <a:t>Controale:</a:t>
+            </a:r>
+            <a:endParaRPr lang="ro-RO" dirty="0"/>
           </a:p>
           <a:p>
             <a:pPr marL="0" indent="0">
@@ -6529,59 +6687,115 @@
             </a:pPr>
             <a:r>
               <a:rPr lang="ro-RO" dirty="0"/>
-              <a:t>      -clasa „</a:t>
+              <a:t>      -săgeți sau WASD pentru </a:t>
+            </a:r>
+            <a:r>
+              <a:rPr lang="ro-RO" dirty="0" smtClean="0"/>
+              <a:t>mișcare</a:t>
+            </a:r>
+            <a:r>
+              <a:rPr lang="en-US" dirty="0" smtClean="0"/>
+              <a:t>;</a:t>
+            </a:r>
+            <a:endParaRPr lang="ro-RO" dirty="0"/>
+          </a:p>
+          <a:p>
+            <a:pPr marL="0" indent="0">
+              <a:buNone/>
+            </a:pPr>
+            <a:r>
+              <a:rPr lang="ro-RO" dirty="0"/>
+              <a:t>      -Q pentru a folosi puterea timp bonus </a:t>
+            </a:r>
+            <a:r>
+              <a:rPr lang="ro-RO" dirty="0" smtClean="0"/>
+              <a:t>(se poate utiliza </a:t>
+            </a:r>
+            <a:r>
+              <a:rPr lang="ro-RO" dirty="0" smtClean="0"/>
+              <a:t>de la nivelul 5</a:t>
+            </a:r>
+            <a:r>
+              <a:rPr lang="ro-RO" dirty="0" smtClean="0"/>
+              <a:t>)</a:t>
+            </a:r>
+            <a:r>
+              <a:rPr lang="en-US" dirty="0" smtClean="0"/>
+              <a:t>;</a:t>
+            </a:r>
+            <a:endParaRPr lang="ro-RO" dirty="0"/>
+          </a:p>
+          <a:p>
+            <a:pPr marL="0" indent="0">
+              <a:buNone/>
+            </a:pPr>
+            <a:r>
+              <a:rPr lang="ro-RO" dirty="0"/>
+              <a:t>      -E pentru a folosi puterea viață bonus </a:t>
+            </a:r>
+            <a:r>
+              <a:rPr lang="ro-RO" dirty="0"/>
+              <a:t>(se poate utiliza de la nivelul </a:t>
+            </a:r>
+            <a:r>
+              <a:rPr lang="ro-RO" dirty="0" smtClean="0"/>
+              <a:t>10)</a:t>
+            </a:r>
+            <a:r>
+              <a:rPr lang="en-US" dirty="0" smtClean="0"/>
+              <a:t>;</a:t>
+            </a:r>
+            <a:endParaRPr lang="ro-RO" dirty="0"/>
+          </a:p>
+          <a:p>
+            <a:pPr marL="0" indent="0">
+              <a:buNone/>
+            </a:pPr>
+            <a:r>
+              <a:rPr lang="ro-RO" dirty="0"/>
+              <a:t>      -P pentru </a:t>
+            </a:r>
+            <a:r>
+              <a:rPr lang="ro-RO" dirty="0" smtClean="0"/>
+              <a:t>pauză</a:t>
+            </a:r>
+            <a:r>
+              <a:rPr lang="en-US" dirty="0" smtClean="0"/>
+              <a:t>.</a:t>
+            </a:r>
+            <a:endParaRPr lang="ro-RO" dirty="0"/>
+          </a:p>
+          <a:p>
+            <a:pPr marL="0" indent="0">
+              <a:buNone/>
+            </a:pPr>
+            <a:r>
+              <a:rPr lang="ro-RO" dirty="0"/>
+              <a:t>   </a:t>
+            </a:r>
+            <a:r>
+              <a:rPr lang="ro-RO" b="1" dirty="0"/>
+              <a:t>Notă: </a:t>
+            </a:r>
+            <a:r>
+              <a:rPr lang="ro-RO" dirty="0"/>
+              <a:t>Textul „</a:t>
             </a:r>
             <a:r>
               <a:rPr lang="ro-RO" dirty="0" err="1"/>
-              <a:t>Ambulance</a:t>
-            </a:r>
-            <a:r>
-              <a:rPr lang="ro-RO" dirty="0"/>
-              <a:t>” este creierul jocului și se ocupă cu controalele, cu citirea datelor utilizatorului, cu </a:t>
+              <a:t>Level</a:t>
+            </a:r>
+            <a:r>
+              <a:rPr lang="ro-RO" dirty="0"/>
+              <a:t>/</a:t>
             </a:r>
             <a:r>
               <a:rPr lang="ro-RO" dirty="0" err="1"/>
-              <a:t>acting-ul</a:t>
-            </a:r>
-            <a:r>
-              <a:rPr lang="ro-RO" dirty="0"/>
-              <a:t> și cu afișarea output-ului</a:t>
-            </a:r>
-          </a:p>
-          <a:p>
-            <a:pPr marL="0" indent="0">
-              <a:buNone/>
-            </a:pPr>
-            <a:r>
-              <a:rPr lang="ro-RO" dirty="0"/>
-              <a:t>      -celelalte clase au o funcție „</a:t>
-            </a:r>
-            <a:r>
-              <a:rPr lang="ro-RO" dirty="0" err="1"/>
-              <a:t>addedToWorld</a:t>
-            </a:r>
-            <a:r>
-              <a:rPr lang="ro-RO" dirty="0"/>
-              <a:t>” sau doar „act” ori sunt neconfigurate (Boy)</a:t>
-            </a:r>
-          </a:p>
-          <a:p>
-            <a:pPr marL="0" indent="0">
-              <a:buNone/>
-            </a:pPr>
-            <a:r>
-              <a:rPr lang="ro-RO" dirty="0"/>
-              <a:t>   S-au folosit documentația Greenfoot și unele informații de pe site-ul stackexchange.com (informații privitoare la optimizarea fișierului de proprietăți), iar sunetele provin de pe site-ul </a:t>
-            </a:r>
-            <a:r>
-              <a:rPr lang="ro-RO" dirty="0">
-                <a:hlinkClick r:id="rId2"/>
-              </a:rPr>
-              <a:t>www.freesound.org</a:t>
-            </a:r>
-            <a:r>
-              <a:rPr lang="ro-RO" dirty="0"/>
-              <a:t> .</a:t>
+              <a:t>saved</a:t>
+            </a:r>
+            <a:r>
+              <a:rPr lang="ro-RO" dirty="0"/>
+              <a:t>/total” reprezintă „nivelul + omuleții salvați din totalul de X omuleți”.</a:t>
             </a:r>
           </a:p>
         </p:txBody>
@@ -6589,7 +6803,7 @@
     </p:spTree>
     <p:extLst>
       <p:ext uri="{BB962C8B-B14F-4D97-AF65-F5344CB8AC3E}">
-        <p14:creationId xmlns:p14="http://schemas.microsoft.com/office/powerpoint/2010/main" val="3306733575"/>
+        <p14:creationId xmlns:p14="http://schemas.microsoft.com/office/powerpoint/2010/main" val="1570812988"/>
       </p:ext>
     </p:extLst>
   </p:cSld>
@@ -6599,6 +6813,13 @@
   <p:transition spd="med">
     <p:pull/>
   </p:transition>
+  <p:timing>
+    <p:tnLst>
+      <p:par>
+        <p:cTn id="1" dur="indefinite" restart="never" nodeType="tmRoot"/>
+      </p:par>
+    </p:tnLst>
+  </p:timing>
 </p:sld>
 </file>
 

--- a/Fasty.pptx
+++ b/Fasty.pptx
@@ -6709,15 +6709,7 @@
             </a:r>
             <a:r>
               <a:rPr lang="ro-RO" dirty="0" smtClean="0"/>
-              <a:t>(se poate utiliza </a:t>
-            </a:r>
-            <a:r>
-              <a:rPr lang="ro-RO" dirty="0" smtClean="0"/>
-              <a:t>de la nivelul 5</a:t>
-            </a:r>
-            <a:r>
-              <a:rPr lang="ro-RO" dirty="0" smtClean="0"/>
-              <a:t>)</a:t>
+              <a:t>(se poate utiliza de la nivelul 5)</a:t>
             </a:r>
             <a:r>
               <a:rPr lang="en-US" dirty="0" smtClean="0"/>
@@ -6731,11 +6723,7 @@
             </a:pPr>
             <a:r>
               <a:rPr lang="ro-RO" dirty="0"/>
-              <a:t>      -E pentru a folosi puterea viață bonus </a:t>
-            </a:r>
-            <a:r>
-              <a:rPr lang="ro-RO" dirty="0"/>
-              <a:t>(se poate utiliza de la nivelul </a:t>
+              <a:t>      -E pentru a folosi puterea viață bonus (se poate utiliza de la nivelul </a:t>
             </a:r>
             <a:r>
               <a:rPr lang="ro-RO" dirty="0" smtClean="0"/>
@@ -7500,7 +7488,7 @@
         <p:spPr/>
         <p:txBody>
           <a:bodyPr>
-            <a:normAutofit lnSpcReduction="10000"/>
+            <a:normAutofit fontScale="85000" lnSpcReduction="20000"/>
           </a:bodyPr>
           <a:lstStyle/>
           <a:p>
@@ -7600,16 +7588,105 @@
           <a:p>
             <a:r>
               <a:rPr lang="ro-RO" dirty="0"/>
-              <a:t>Acest joc ilustrează faptul că misiunea unui șofer de ambulanță </a:t>
-            </a:r>
-            <a:r>
-              <a:rPr lang="ro-RO"/>
-              <a:t>nu este </a:t>
-            </a:r>
-            <a:r>
-              <a:rPr lang="ro-RO" dirty="0"/>
-              <a:t>una simplă, ci una foarte grea și importantă.</a:t>
-            </a:r>
+              <a:t>Acest joc ilustrează faptul că misiunea unui șofer de ambulanță nu este una simplă, ci una foarte grea și importantă</a:t>
+            </a:r>
+            <a:r>
+              <a:rPr lang="ro-RO" dirty="0" smtClean="0"/>
+              <a:t>.</a:t>
+            </a:r>
+          </a:p>
+          <a:p>
+            <a:r>
+              <a:rPr lang="ro-RO" dirty="0" smtClean="0"/>
+              <a:t>Acest proiect este testat pe </a:t>
+            </a:r>
+            <a:r>
+              <a:rPr lang="ro-RO" dirty="0" err="1" smtClean="0"/>
+              <a:t>Greenfoot</a:t>
+            </a:r>
+            <a:r>
+              <a:rPr lang="ro-RO" dirty="0" smtClean="0"/>
+              <a:t> 3.1.0 </a:t>
+            </a:r>
+            <a:r>
+              <a:rPr lang="ro-RO" dirty="0" err="1" smtClean="0"/>
+              <a:t>standalone</a:t>
+            </a:r>
+            <a:r>
+              <a:rPr lang="ro-RO" dirty="0" smtClean="0"/>
+              <a:t>. Pentru versiuni mai mici, în cazul în care primiți o eroare la compilare conform căreia nu se cunosc simbolurile Color.</a:t>
+            </a:r>
+            <a:r>
+              <a:rPr lang="en-US" dirty="0" smtClean="0"/>
+              <a:t>’</a:t>
+            </a:r>
+            <a:r>
+              <a:rPr lang="ro-RO" dirty="0" smtClean="0"/>
+              <a:t>COLOR</a:t>
+            </a:r>
+            <a:r>
+              <a:rPr lang="en-US" dirty="0" smtClean="0"/>
+              <a:t>’ </a:t>
+            </a:r>
+            <a:r>
+              <a:rPr lang="ro-RO" dirty="0" smtClean="0"/>
+              <a:t>în clasa </a:t>
+            </a:r>
+            <a:r>
+              <a:rPr lang="ro-RO" dirty="0" err="1" smtClean="0">
+                <a:solidFill>
+                  <a:schemeClr val="accent5">
+                    <a:lumMod val="60000"/>
+                    <a:lumOff val="40000"/>
+                  </a:schemeClr>
+                </a:solidFill>
+              </a:rPr>
+              <a:t>Ambulance</a:t>
+            </a:r>
+            <a:r>
+              <a:rPr lang="ro-RO" dirty="0" err="1" smtClean="0"/>
+              <a:t>.class</a:t>
+            </a:r>
+            <a:r>
+              <a:rPr lang="ro-RO" dirty="0" smtClean="0"/>
+              <a:t> adăugați la importuri </a:t>
+            </a:r>
+            <a:r>
+              <a:rPr lang="ro-RO" dirty="0" smtClean="0">
+                <a:solidFill>
+                  <a:srgbClr val="FF0000"/>
+                </a:solidFill>
+              </a:rPr>
+              <a:t>import </a:t>
+            </a:r>
+            <a:r>
+              <a:rPr lang="ro-RO" dirty="0" err="1" smtClean="0">
+                <a:solidFill>
+                  <a:schemeClr val="tx1"/>
+                </a:solidFill>
+              </a:rPr>
+              <a:t>java.awt</a:t>
+            </a:r>
+            <a:r>
+              <a:rPr lang="ro-RO" dirty="0" smtClean="0">
+                <a:solidFill>
+                  <a:schemeClr val="tx1"/>
+                </a:solidFill>
+              </a:rPr>
+              <a:t>.*;</a:t>
+            </a:r>
+            <a:r>
+              <a:rPr lang="ro-RO" dirty="0" smtClean="0">
+                <a:solidFill>
+                  <a:schemeClr val="tx1">
+                    <a:lumMod val="95000"/>
+                    <a:lumOff val="5000"/>
+                  </a:schemeClr>
+                </a:solidFill>
+              </a:rPr>
+              <a:t> .</a:t>
+            </a:r>
+            <a:endParaRPr lang="ro-RO" dirty="0"/>
           </a:p>
           <a:p>
             <a:pPr marL="0" indent="0">
@@ -7629,7 +7706,19 @@
             </a:pPr>
             <a:r>
               <a:rPr lang="ro-RO" sz="2000" b="1" dirty="0"/>
-              <a:t>Și cam atât. Vă dorim o zi cât mai plăcută!</a:t>
+              <a:t>Și cam atât. Vă dorim o </a:t>
+            </a:r>
+            <a:r>
+              <a:rPr lang="ro-RO" sz="2000" b="1"/>
+              <a:t>zi </a:t>
+            </a:r>
+            <a:r>
+              <a:rPr lang="ro-RO" sz="2000" b="1" smtClean="0"/>
+              <a:t>plăcută</a:t>
+            </a:r>
+            <a:r>
+              <a:rPr lang="ro-RO" sz="2000" b="1" dirty="0"/>
+              <a:t>!</a:t>
             </a:r>
           </a:p>
           <a:p>

--- a/Fasty.pptx
+++ b/Fasty.pptx
@@ -6078,6 +6078,30 @@
           </a:p>
         </p:txBody>
       </p:sp>
+      <p:pic>
+        <p:nvPicPr>
+          <p:cNvPr id="4" name="Imagine 3"/>
+          <p:cNvPicPr>
+            <a:picLocks noChangeAspect="1"/>
+          </p:cNvPicPr>
+          <p:nvPr/>
+        </p:nvPicPr>
+        <p:blipFill>
+          <a:blip r:embed="rId2"/>
+          <a:stretch>
+            <a:fillRect/>
+          </a:stretch>
+        </p:blipFill>
+        <p:spPr>
+          <a:xfrm>
+            <a:off x="677334" y="782999"/>
+            <a:ext cx="762066" cy="475529"/>
+          </a:xfrm>
+          <a:prstGeom prst="rect">
+            <a:avLst/>
+          </a:prstGeom>
+        </p:spPr>
+      </p:pic>
     </p:spTree>
     <p:extLst>
       <p:ext uri="{BB962C8B-B14F-4D97-AF65-F5344CB8AC3E}">
@@ -6193,6 +6217,30 @@
           </a:p>
         </p:txBody>
       </p:sp>
+      <p:pic>
+        <p:nvPicPr>
+          <p:cNvPr id="4" name="Imagine 3"/>
+          <p:cNvPicPr>
+            <a:picLocks noChangeAspect="1"/>
+          </p:cNvPicPr>
+          <p:nvPr/>
+        </p:nvPicPr>
+        <p:blipFill>
+          <a:blip r:embed="rId2"/>
+          <a:stretch>
+            <a:fillRect/>
+          </a:stretch>
+        </p:blipFill>
+        <p:spPr>
+          <a:xfrm>
+            <a:off x="677334" y="794471"/>
+            <a:ext cx="762066" cy="475529"/>
+          </a:xfrm>
+          <a:prstGeom prst="rect">
+            <a:avLst/>
+          </a:prstGeom>
+        </p:spPr>
+      </p:pic>
     </p:spTree>
     <p:extLst>
       <p:ext uri="{BB962C8B-B14F-4D97-AF65-F5344CB8AC3E}">
@@ -6788,6 +6836,30 @@
           </a:p>
         </p:txBody>
       </p:sp>
+      <p:pic>
+        <p:nvPicPr>
+          <p:cNvPr id="4" name="Imagine 3"/>
+          <p:cNvPicPr>
+            <a:picLocks noChangeAspect="1"/>
+          </p:cNvPicPr>
+          <p:nvPr/>
+        </p:nvPicPr>
+        <p:blipFill>
+          <a:blip r:embed="rId2"/>
+          <a:stretch>
+            <a:fillRect/>
+          </a:stretch>
+        </p:blipFill>
+        <p:spPr>
+          <a:xfrm>
+            <a:off x="677334" y="794471"/>
+            <a:ext cx="762066" cy="475529"/>
+          </a:xfrm>
+          <a:prstGeom prst="rect">
+            <a:avLst/>
+          </a:prstGeom>
+        </p:spPr>
+      </p:pic>
     </p:spTree>
     <p:extLst>
       <p:ext uri="{BB962C8B-B14F-4D97-AF65-F5344CB8AC3E}">

--- a/Fasty.pptx
+++ b/Fasty.pptx
@@ -5888,8 +5888,8 @@
         </p:nvSpPr>
         <p:spPr>
           <a:xfrm>
-            <a:off x="0" y="3471863"/>
-            <a:ext cx="12192000" cy="3028950"/>
+            <a:off x="257175" y="3471863"/>
+            <a:ext cx="10558464" cy="3028950"/>
           </a:xfrm>
         </p:spPr>
         <p:txBody>
@@ -5924,8 +5924,18 @@
             </a:r>
           </a:p>
           <a:p>
-            <a:r>
-              <a:rPr lang="ro-RO" sz="2800" b="1" dirty="0">
+            <a:endParaRPr lang="ro-RO" sz="2800" b="1" dirty="0" smtClean="0">
+              <a:solidFill>
+                <a:schemeClr val="tx1">
+                  <a:lumMod val="65000"/>
+                  <a:lumOff val="35000"/>
+                </a:schemeClr>
+              </a:solidFill>
+            </a:endParaRPr>
+          </a:p>
+          <a:p>
+            <a:r>
+              <a:rPr lang="ro-RO" sz="3600" b="1" dirty="0" smtClean="0">
                 <a:solidFill>
                   <a:schemeClr val="tx1">
                     <a:lumMod val="65000"/>
@@ -5933,10 +5943,21 @@
                   </a:schemeClr>
                 </a:solidFill>
               </a:rPr>
-              <a:t>Să începem</a:t>
-            </a:r>
-            <a:r>
-              <a:rPr lang="ro-RO" sz="2800" dirty="0"/>
+              <a:t>Să </a:t>
+            </a:r>
+            <a:r>
+              <a:rPr lang="ro-RO" sz="3600" b="1" dirty="0">
+                <a:solidFill>
+                  <a:schemeClr val="tx1">
+                    <a:lumMod val="65000"/>
+                    <a:lumOff val="35000"/>
+                  </a:schemeClr>
+                </a:solidFill>
+              </a:rPr>
+              <a:t>începem</a:t>
+            </a:r>
+            <a:r>
+              <a:rPr lang="ro-RO" sz="3600" dirty="0"/>
               <a:t>…</a:t>
             </a:r>
           </a:p>
@@ -5997,7 +6018,12 @@
             <p:ph type="title"/>
           </p:nvPr>
         </p:nvSpPr>
-        <p:spPr/>
+        <p:spPr>
+          <a:xfrm>
+            <a:off x="677334" y="360363"/>
+            <a:ext cx="8596668" cy="1320800"/>
+          </a:xfrm>
+        </p:spPr>
         <p:txBody>
           <a:bodyPr/>
           <a:lstStyle/>
@@ -6022,8 +6048,8 @@
         </p:nvSpPr>
         <p:spPr>
           <a:xfrm>
-            <a:off x="476203" y="1431927"/>
-            <a:ext cx="8998929" cy="3880773"/>
+            <a:off x="476203" y="1020763"/>
+            <a:ext cx="9539335" cy="3880773"/>
           </a:xfrm>
         </p:spPr>
         <p:txBody>
@@ -6036,7 +6062,7 @@
               <a:buNone/>
             </a:pPr>
             <a:r>
-              <a:rPr lang="ro-RO" sz="2000" dirty="0"/>
+              <a:rPr lang="ro-RO" sz="2300" dirty="0"/>
               <a:t>   Se presupune că vă numiți Radu. Ați fost angajat ca șofer pe ambulanță, iar șeful dvs. v-a spus să fiți atent și să luați toți pacienții în timp. După 5 luni, sunteți un angajat bine-cunoscut, iar șeful dvs. vă repartizează într-un nou teritoriu. Nu fiți prea fericit, deoarece este chiar centrul orașului. Nu vă accidentați în construcții!</a:t>
             </a:r>
           </a:p>
@@ -6045,7 +6071,7 @@
               <a:buNone/>
             </a:pPr>
             <a:r>
-              <a:rPr lang="ro-RO" sz="2000" dirty="0"/>
+              <a:rPr lang="ro-RO" sz="2300" dirty="0"/>
               <a:t>   După un timp, veți avea dreptul la service gratuit în caz de accident, dar asta doar din 5 în 5 luni.</a:t>
             </a:r>
           </a:p>
@@ -6054,7 +6080,7 @@
               <a:buNone/>
             </a:pPr>
             <a:r>
-              <a:rPr lang="ro-RO" sz="2000" dirty="0"/>
+              <a:rPr lang="ro-RO" sz="2300" dirty="0"/>
               <a:t>   Jocul se complică progresiv, avându-se în vedere nivelul jucătorului.</a:t>
             </a:r>
           </a:p>
@@ -6063,7 +6089,7 @@
               <a:buNone/>
             </a:pPr>
             <a:r>
-              <a:rPr lang="ro-RO" sz="2000" dirty="0"/>
+              <a:rPr lang="ro-RO" sz="2300" dirty="0"/>
               <a:t>   Notă: Sarcina utilizatorului este de a colecta toți oamenii din ecran în mai puțin de 15 secunde fără a intra în coliziune cu construcțiile care vor apărea după nivelul 5.</a:t>
             </a:r>
           </a:p>
@@ -6072,7 +6098,7 @@
               <a:buNone/>
             </a:pPr>
             <a:r>
-              <a:rPr lang="ro-RO" sz="2000" dirty="0"/>
+              <a:rPr lang="ro-RO" sz="2300" dirty="0"/>
               <a:t>   La nivelul 20 vă așteaptă un „boss” pe care va trebui să-l călcați de 3 ori, după care veți putea să continuați jocul dacă veți dori.</a:t>
             </a:r>
           </a:p>
@@ -6094,7 +6120,7 @@
         </p:blipFill>
         <p:spPr>
           <a:xfrm>
-            <a:off x="677334" y="782999"/>
+            <a:off x="677334" y="420616"/>
             <a:ext cx="762066" cy="475529"/>
           </a:xfrm>
           <a:prstGeom prst="rect">
@@ -6154,7 +6180,9 @@
         </p:nvSpPr>
         <p:spPr/>
         <p:txBody>
-          <a:bodyPr/>
+          <a:bodyPr>
+            <a:normAutofit/>
+          </a:bodyPr>
           <a:lstStyle/>
           <a:p>
             <a:pPr algn="ctr"/>
@@ -6177,33 +6205,35 @@
         </p:nvSpPr>
         <p:spPr/>
         <p:txBody>
-          <a:bodyPr/>
+          <a:bodyPr>
+            <a:normAutofit/>
+          </a:bodyPr>
           <a:lstStyle/>
           <a:p>
             <a:r>
-              <a:rPr lang="ro-RO" dirty="0"/>
+              <a:rPr lang="ro-RO" sz="2400" dirty="0"/>
               <a:t>Știm că Greenfoot permite rearanjarea lumii după ce aceasta a fost construită. Nu e corect să o rearanjați, exceptând cazurile de depanare.</a:t>
             </a:r>
           </a:p>
           <a:p>
             <a:r>
-              <a:rPr lang="ro-RO" dirty="0"/>
+              <a:rPr lang="ro-RO" sz="2400" dirty="0"/>
               <a:t>Fiți rapid :)</a:t>
             </a:r>
           </a:p>
           <a:p>
             <a:r>
-              <a:rPr lang="ro-RO" dirty="0"/>
+              <a:rPr lang="ro-RO" sz="2400" dirty="0"/>
               <a:t>Veți primi informații și în timpul jocului, deci fiți pe fază (nu vă faceți griji, vom pune jocul pe pauză)</a:t>
             </a:r>
           </a:p>
           <a:p>
             <a:r>
-              <a:rPr lang="ro-RO" dirty="0"/>
+              <a:rPr lang="ro-RO" sz="2400" dirty="0"/>
               <a:t>Apropo, e obligatoriu să vă </a:t>
             </a:r>
             <a:r>
-              <a:rPr lang="ro-RO" b="1" dirty="0">
+              <a:rPr lang="ro-RO" sz="2400" b="1" dirty="0">
                 <a:solidFill>
                   <a:srgbClr val="FF0000"/>
                 </a:solidFill>
@@ -6211,7 +6241,7 @@
               <a:t>distrați</a:t>
             </a:r>
             <a:r>
-              <a:rPr lang="ro-RO" dirty="0"/>
+              <a:rPr lang="ro-RO" sz="2400" dirty="0"/>
               <a:t>.</a:t>
             </a:r>
           </a:p>
@@ -6291,9 +6321,16 @@
             <p:ph type="title"/>
           </p:nvPr>
         </p:nvSpPr>
-        <p:spPr/>
-        <p:txBody>
-          <a:bodyPr/>
+        <p:spPr>
+          <a:xfrm>
+            <a:off x="677334" y="130638"/>
+            <a:ext cx="8596668" cy="568358"/>
+          </a:xfrm>
+        </p:spPr>
+        <p:txBody>
+          <a:bodyPr>
+            <a:normAutofit fontScale="90000"/>
+          </a:bodyPr>
           <a:lstStyle/>
           <a:p>
             <a:pPr algn="ctr"/>
@@ -6316,194 +6353,196 @@
         </p:nvSpPr>
         <p:spPr>
           <a:xfrm>
-            <a:off x="677334" y="1448791"/>
-            <a:ext cx="8596668" cy="4592572"/>
+            <a:off x="542925" y="791037"/>
+            <a:ext cx="9201149" cy="5766925"/>
           </a:xfrm>
         </p:spPr>
         <p:txBody>
-          <a:bodyPr/>
+          <a:bodyPr>
+            <a:noAutofit/>
+          </a:bodyPr>
           <a:lstStyle/>
           <a:p>
             <a:pPr marL="0" indent="0">
               <a:buNone/>
             </a:pPr>
             <a:r>
-              <a:rPr lang="ro-RO" dirty="0"/>
+              <a:rPr lang="ro-RO" sz="2200" dirty="0"/>
               <a:t>   Structura algoritmului este următoarea:</a:t>
             </a:r>
           </a:p>
           <a:p>
             <a:pPr indent="14288"/>
             <a:r>
-              <a:rPr lang="ro-RO" dirty="0" smtClean="0"/>
+              <a:rPr lang="ro-RO" sz="2200" dirty="0" smtClean="0"/>
               <a:t>se </a:t>
             </a:r>
             <a:r>
-              <a:rPr lang="ro-RO" dirty="0"/>
+              <a:rPr lang="ro-RO" sz="2200" dirty="0"/>
               <a:t>creează un fișier numit „res.txt” care conține datele utilizatorului (dacă acesta există deja, nu va fi înlocuit de unul nou</a:t>
             </a:r>
             <a:r>
-              <a:rPr lang="ro-RO" dirty="0" smtClean="0"/>
+              <a:rPr lang="ro-RO" sz="2200" dirty="0" smtClean="0"/>
               <a:t>)</a:t>
             </a:r>
             <a:r>
-              <a:rPr lang="en-US" dirty="0" smtClean="0"/>
+              <a:rPr lang="en-US" sz="2200" dirty="0" smtClean="0"/>
               <a:t>;</a:t>
             </a:r>
-            <a:endParaRPr lang="ro-RO" dirty="0"/>
+            <a:endParaRPr lang="ro-RO" sz="2200" dirty="0"/>
           </a:p>
           <a:p>
             <a:pPr indent="14288"/>
             <a:r>
-              <a:rPr lang="en-US" dirty="0" smtClean="0"/>
+              <a:rPr lang="en-US" sz="2200" dirty="0" smtClean="0"/>
               <a:t>se </a:t>
             </a:r>
             <a:r>
-              <a:rPr lang="ro-RO" dirty="0"/>
+              <a:rPr lang="ro-RO" sz="2200" dirty="0"/>
               <a:t>adaugă o ambulanță și, dacă nivelul este mai mare de 5, 3 construcții, respectiv, dacă este mai mare decât 10, 5 construcții în </a:t>
             </a:r>
             <a:r>
-              <a:rPr lang="ro-RO" dirty="0" smtClean="0"/>
+              <a:rPr lang="ro-RO" sz="2200" dirty="0" smtClean="0"/>
               <a:t>total</a:t>
             </a:r>
             <a:r>
-              <a:rPr lang="en-US" dirty="0" smtClean="0"/>
+              <a:rPr lang="en-US" sz="2200" dirty="0" smtClean="0"/>
               <a:t>;</a:t>
             </a:r>
-            <a:endParaRPr lang="ro-RO" dirty="0"/>
+            <a:endParaRPr lang="ro-RO" sz="2200" dirty="0"/>
           </a:p>
           <a:p>
             <a:pPr indent="14288"/>
             <a:r>
-              <a:rPr lang="ro-RO" dirty="0" smtClean="0"/>
+              <a:rPr lang="ro-RO" sz="2200" dirty="0" smtClean="0"/>
               <a:t>se </a:t>
             </a:r>
             <a:r>
-              <a:rPr lang="ro-RO" dirty="0"/>
+              <a:rPr lang="ro-RO" sz="2200" dirty="0"/>
               <a:t>creează o lume și se pun </a:t>
             </a:r>
             <a:r>
-              <a:rPr lang="ro-RO" b="1" dirty="0"/>
+              <a:rPr lang="ro-RO" sz="2200" b="1" dirty="0"/>
               <a:t>10+nivel actual</a:t>
             </a:r>
             <a:r>
-              <a:rPr lang="ro-RO" dirty="0"/>
+              <a:rPr lang="ro-RO" sz="2200" dirty="0"/>
               <a:t> </a:t>
             </a:r>
             <a:r>
-              <a:rPr lang="ro-RO" dirty="0" smtClean="0"/>
+              <a:rPr lang="ro-RO" sz="2200" dirty="0" smtClean="0"/>
               <a:t>pacienți</a:t>
             </a:r>
             <a:r>
-              <a:rPr lang="en-US" dirty="0" smtClean="0"/>
+              <a:rPr lang="en-US" sz="2200" dirty="0" smtClean="0"/>
               <a:t>;</a:t>
             </a:r>
-            <a:endParaRPr lang="ro-RO" dirty="0"/>
+            <a:endParaRPr lang="ro-RO" sz="2200" dirty="0"/>
           </a:p>
           <a:p>
             <a:pPr indent="14288"/>
             <a:r>
-              <a:rPr lang="ro-RO" dirty="0" smtClean="0"/>
+              <a:rPr lang="ro-RO" sz="2200" dirty="0" smtClean="0"/>
               <a:t>clasa </a:t>
             </a:r>
             <a:r>
-              <a:rPr lang="ro-RO" dirty="0"/>
+              <a:rPr lang="ro-RO" sz="2200" dirty="0"/>
               <a:t>„</a:t>
             </a:r>
             <a:r>
-              <a:rPr lang="ro-RO" dirty="0" err="1"/>
+              <a:rPr lang="ro-RO" sz="2200" dirty="0" err="1"/>
               <a:t>Ambulance</a:t>
             </a:r>
             <a:r>
-              <a:rPr lang="ro-RO" dirty="0"/>
+              <a:rPr lang="ro-RO" sz="2200" dirty="0"/>
               <a:t>” este creierul jocului și se ocupă cu controalele, cu citirea datelor utilizatorului, cu </a:t>
             </a:r>
             <a:r>
-              <a:rPr lang="ro-RO" dirty="0" err="1"/>
+              <a:rPr lang="ro-RO" sz="2200" dirty="0" err="1"/>
               <a:t>acting-ul</a:t>
             </a:r>
             <a:r>
-              <a:rPr lang="ro-RO" dirty="0"/>
+              <a:rPr lang="ro-RO" sz="2200" dirty="0"/>
               <a:t> și cu afișarea </a:t>
             </a:r>
             <a:r>
-              <a:rPr lang="ro-RO" dirty="0" smtClean="0"/>
+              <a:rPr lang="ro-RO" sz="2200" dirty="0" smtClean="0"/>
               <a:t>output-ului</a:t>
             </a:r>
             <a:r>
-              <a:rPr lang="en-US" dirty="0" smtClean="0"/>
+              <a:rPr lang="en-US" sz="2200" dirty="0" smtClean="0"/>
               <a:t>;</a:t>
             </a:r>
-            <a:endParaRPr lang="ro-RO" dirty="0"/>
+            <a:endParaRPr lang="ro-RO" sz="2200" dirty="0"/>
           </a:p>
           <a:p>
             <a:pPr indent="14288"/>
             <a:r>
-              <a:rPr lang="ro-RO" dirty="0" smtClean="0"/>
+              <a:rPr lang="ro-RO" sz="2200" dirty="0" smtClean="0"/>
               <a:t>celelalte </a:t>
             </a:r>
             <a:r>
-              <a:rPr lang="ro-RO" dirty="0"/>
+              <a:rPr lang="ro-RO" sz="2200" dirty="0"/>
               <a:t>clase au o funcție „</a:t>
             </a:r>
             <a:r>
-              <a:rPr lang="ro-RO" dirty="0" err="1"/>
+              <a:rPr lang="ro-RO" sz="2200" dirty="0" err="1"/>
               <a:t>addedToWorld</a:t>
             </a:r>
             <a:r>
-              <a:rPr lang="ro-RO" dirty="0"/>
+              <a:rPr lang="ro-RO" sz="2200" dirty="0"/>
               <a:t>” sau doar „act” ori sunt neconfigurate (Boy</a:t>
             </a:r>
             <a:r>
-              <a:rPr lang="ro-RO" dirty="0" smtClean="0"/>
+              <a:rPr lang="ro-RO" sz="2200" dirty="0" smtClean="0"/>
               <a:t>)</a:t>
             </a:r>
             <a:r>
-              <a:rPr lang="en-US" dirty="0"/>
+              <a:rPr lang="en-US" sz="2200" dirty="0"/>
               <a:t>.</a:t>
             </a:r>
-            <a:endParaRPr lang="ro-RO" dirty="0"/>
+            <a:endParaRPr lang="ro-RO" sz="2200" dirty="0"/>
           </a:p>
           <a:p>
             <a:pPr marL="0" indent="0">
               <a:buNone/>
             </a:pPr>
             <a:r>
-              <a:rPr lang="ro-RO" dirty="0"/>
+              <a:rPr lang="ro-RO" sz="2200" dirty="0"/>
               <a:t>   S-au folosit documentația Greenfoot și unele informații de pe site-ul </a:t>
             </a:r>
             <a:r>
-              <a:rPr lang="en-US" dirty="0" smtClean="0">
+              <a:rPr lang="en-US" sz="2200" dirty="0" smtClean="0">
                 <a:hlinkClick r:id="rId2"/>
               </a:rPr>
               <a:t>www.</a:t>
             </a:r>
             <a:r>
-              <a:rPr lang="ro-RO" dirty="0" smtClean="0">
+              <a:rPr lang="ro-RO" sz="2200" dirty="0" smtClean="0">
                 <a:hlinkClick r:id="rId2"/>
               </a:rPr>
               <a:t>stackexchange.com</a:t>
             </a:r>
             <a:r>
-              <a:rPr lang="en-US" dirty="0" smtClean="0"/>
+              <a:rPr lang="en-US" sz="2200" dirty="0" smtClean="0"/>
               <a:t> </a:t>
             </a:r>
             <a:r>
-              <a:rPr lang="ro-RO" dirty="0" smtClean="0"/>
+              <a:rPr lang="ro-RO" sz="2200" dirty="0" smtClean="0"/>
               <a:t>(informații </a:t>
             </a:r>
             <a:r>
-              <a:rPr lang="ro-RO" dirty="0"/>
+              <a:rPr lang="ro-RO" sz="2200" dirty="0"/>
               <a:t>privitoare la optimizarea fișierului de proprietăți), iar sunetele provin de pe site-ul </a:t>
             </a:r>
             <a:r>
-              <a:rPr lang="ro-RO" dirty="0">
+              <a:rPr lang="ro-RO" sz="2200" dirty="0">
                 <a:hlinkClick r:id="rId3"/>
               </a:rPr>
               <a:t>www.freesound.org</a:t>
             </a:r>
             <a:r>
-              <a:rPr lang="ro-RO" dirty="0"/>
+              <a:rPr lang="ro-RO" sz="2200" dirty="0"/>
               <a:t> .</a:t>
             </a:r>
           </a:p>
@@ -6531,7 +6570,7 @@
         </p:blipFill>
         <p:spPr>
           <a:xfrm>
-            <a:off x="677334" y="791038"/>
+            <a:off x="677334" y="222680"/>
             <a:ext cx="762106" cy="476316"/>
           </a:xfrm>
           <a:prstGeom prst="rect">
@@ -6589,7 +6628,12 @@
             <p:ph type="title"/>
           </p:nvPr>
         </p:nvSpPr>
-        <p:spPr/>
+        <p:spPr>
+          <a:xfrm>
+            <a:off x="677334" y="134071"/>
+            <a:ext cx="8596668" cy="660400"/>
+          </a:xfrm>
+        </p:spPr>
         <p:txBody>
           <a:bodyPr/>
           <a:lstStyle/>
@@ -6614,13 +6658,13 @@
         </p:nvSpPr>
         <p:spPr>
           <a:xfrm>
-            <a:off x="677334" y="1754909"/>
-            <a:ext cx="8596668" cy="4764644"/>
+            <a:off x="442913" y="979342"/>
+            <a:ext cx="9501187" cy="5650058"/>
           </a:xfrm>
         </p:spPr>
         <p:txBody>
           <a:bodyPr>
-            <a:normAutofit fontScale="92500" lnSpcReduction="10000"/>
+            <a:noAutofit/>
           </a:bodyPr>
           <a:lstStyle/>
           <a:p>
@@ -6628,7 +6672,7 @@
               <a:buNone/>
             </a:pPr>
             <a:r>
-              <a:rPr lang="ro-RO" dirty="0"/>
+              <a:rPr lang="ro-RO" sz="2000" dirty="0"/>
               <a:t>   Jocul s-a născut din simple teste de cunoștințe, dar s-a dovedit a avea un potențial ridicat … așa că îl vom exploata :) .</a:t>
             </a:r>
           </a:p>
@@ -6637,7 +6681,7 @@
               <a:buNone/>
             </a:pPr>
             <a:r>
-              <a:rPr lang="ro-RO" dirty="0"/>
+              <a:rPr lang="ro-RO" sz="2000" dirty="0"/>
               <a:t>   Pentru a rula acest joc:</a:t>
             </a:r>
           </a:p>
@@ -6646,191 +6690,191 @@
               <a:buNone/>
             </a:pPr>
             <a:r>
-              <a:rPr lang="ro-RO" dirty="0"/>
+              <a:rPr lang="ro-RO" sz="2000" dirty="0"/>
               <a:t>      -extrageți conținutul </a:t>
             </a:r>
             <a:r>
-              <a:rPr lang="ro-RO" dirty="0" smtClean="0"/>
+              <a:rPr lang="ro-RO" sz="2000" dirty="0" smtClean="0"/>
               <a:t>arhivei</a:t>
             </a:r>
             <a:r>
-              <a:rPr lang="en-US" dirty="0" smtClean="0"/>
+              <a:rPr lang="en-US" sz="2000" dirty="0" smtClean="0"/>
               <a:t>;</a:t>
             </a:r>
-            <a:endParaRPr lang="ro-RO" dirty="0"/>
+            <a:endParaRPr lang="ro-RO" sz="2000" dirty="0"/>
           </a:p>
           <a:p>
             <a:pPr marL="0" indent="0">
               <a:buNone/>
             </a:pPr>
             <a:r>
-              <a:rPr lang="ro-RO" dirty="0"/>
+              <a:rPr lang="ro-RO" sz="2000" dirty="0"/>
               <a:t>      -rulați „</a:t>
             </a:r>
             <a:r>
-              <a:rPr lang="ro-RO" dirty="0" err="1"/>
+              <a:rPr lang="ro-RO" sz="2000" dirty="0" err="1"/>
               <a:t>project.greenfoot</a:t>
             </a:r>
             <a:r>
-              <a:rPr lang="ro-RO" dirty="0" smtClean="0"/>
+              <a:rPr lang="ro-RO" sz="2000" dirty="0" smtClean="0"/>
               <a:t>”</a:t>
             </a:r>
             <a:r>
-              <a:rPr lang="en-US" dirty="0" smtClean="0"/>
+              <a:rPr lang="en-US" sz="2000" dirty="0" smtClean="0"/>
               <a:t>;</a:t>
             </a:r>
-            <a:endParaRPr lang="ro-RO" dirty="0"/>
+            <a:endParaRPr lang="ro-RO" sz="2000" dirty="0"/>
           </a:p>
           <a:p>
             <a:pPr marL="0" indent="0">
               <a:buNone/>
             </a:pPr>
             <a:r>
-              <a:rPr lang="ro-RO" dirty="0"/>
+              <a:rPr lang="ro-RO" sz="2000" dirty="0"/>
               <a:t>      -apăsați „</a:t>
             </a:r>
             <a:r>
-              <a:rPr lang="ro-RO" dirty="0" err="1"/>
+              <a:rPr lang="ro-RO" sz="2000" dirty="0" err="1"/>
               <a:t>Run</a:t>
             </a:r>
             <a:r>
-              <a:rPr lang="ro-RO" dirty="0"/>
+              <a:rPr lang="ro-RO" sz="2000" dirty="0"/>
               <a:t>” pentru a începe jocul (veți avea dreptul la </a:t>
             </a:r>
             <a:r>
-              <a:rPr lang="ro-RO" dirty="0" err="1"/>
+              <a:rPr lang="ro-RO" sz="2000" dirty="0" err="1"/>
               <a:t>username</a:t>
             </a:r>
             <a:r>
-              <a:rPr lang="ro-RO" dirty="0"/>
+              <a:rPr lang="ro-RO" sz="2000" dirty="0"/>
               <a:t> numai după ce jucați un nivel</a:t>
             </a:r>
             <a:r>
-              <a:rPr lang="ro-RO" dirty="0" smtClean="0"/>
+              <a:rPr lang="ro-RO" sz="2000" dirty="0" smtClean="0"/>
               <a:t>)</a:t>
             </a:r>
             <a:r>
-              <a:rPr lang="en-US" dirty="0" smtClean="0"/>
+              <a:rPr lang="en-US" sz="2000" dirty="0" smtClean="0"/>
               <a:t>.</a:t>
             </a:r>
-            <a:endParaRPr lang="ro-RO" dirty="0"/>
+            <a:endParaRPr lang="ro-RO" sz="2000" dirty="0"/>
           </a:p>
           <a:p>
             <a:pPr marL="0" indent="0">
               <a:buNone/>
             </a:pPr>
             <a:r>
-              <a:rPr lang="ro-RO" dirty="0"/>
+              <a:rPr lang="ro-RO" sz="2000" dirty="0"/>
               <a:t>   </a:t>
             </a:r>
             <a:r>
-              <a:rPr lang="ro-RO" b="1" dirty="0"/>
+              <a:rPr lang="ro-RO" sz="2000" b="1" dirty="0"/>
               <a:t>Controale:</a:t>
             </a:r>
-            <a:endParaRPr lang="ro-RO" dirty="0"/>
+            <a:endParaRPr lang="ro-RO" sz="2000" dirty="0"/>
           </a:p>
           <a:p>
             <a:pPr marL="0" indent="0">
               <a:buNone/>
             </a:pPr>
             <a:r>
-              <a:rPr lang="ro-RO" dirty="0"/>
+              <a:rPr lang="ro-RO" sz="2000" dirty="0"/>
               <a:t>      -săgeți sau WASD pentru </a:t>
             </a:r>
             <a:r>
-              <a:rPr lang="ro-RO" dirty="0" smtClean="0"/>
+              <a:rPr lang="ro-RO" sz="2000" dirty="0" smtClean="0"/>
               <a:t>mișcare</a:t>
             </a:r>
             <a:r>
-              <a:rPr lang="en-US" dirty="0" smtClean="0"/>
+              <a:rPr lang="en-US" sz="2000" dirty="0" smtClean="0"/>
               <a:t>;</a:t>
             </a:r>
-            <a:endParaRPr lang="ro-RO" dirty="0"/>
+            <a:endParaRPr lang="ro-RO" sz="2000" dirty="0"/>
           </a:p>
           <a:p>
             <a:pPr marL="0" indent="0">
               <a:buNone/>
             </a:pPr>
             <a:r>
-              <a:rPr lang="ro-RO" dirty="0"/>
+              <a:rPr lang="ro-RO" sz="2000" dirty="0"/>
               <a:t>      -Q pentru a folosi puterea timp bonus </a:t>
             </a:r>
             <a:r>
-              <a:rPr lang="ro-RO" dirty="0" smtClean="0"/>
+              <a:rPr lang="ro-RO" sz="2000" dirty="0" smtClean="0"/>
               <a:t>(se poate utiliza de la nivelul 5)</a:t>
             </a:r>
             <a:r>
-              <a:rPr lang="en-US" dirty="0" smtClean="0"/>
+              <a:rPr lang="en-US" sz="2000" dirty="0" smtClean="0"/>
               <a:t>;</a:t>
             </a:r>
-            <a:endParaRPr lang="ro-RO" dirty="0"/>
+            <a:endParaRPr lang="ro-RO" sz="2000" dirty="0"/>
           </a:p>
           <a:p>
             <a:pPr marL="0" indent="0">
               <a:buNone/>
             </a:pPr>
             <a:r>
-              <a:rPr lang="ro-RO" dirty="0"/>
+              <a:rPr lang="ro-RO" sz="2000" dirty="0"/>
               <a:t>      -E pentru a folosi puterea viață bonus (se poate utiliza de la nivelul </a:t>
             </a:r>
             <a:r>
-              <a:rPr lang="ro-RO" dirty="0" smtClean="0"/>
+              <a:rPr lang="ro-RO" sz="2000" dirty="0" smtClean="0"/>
               <a:t>10)</a:t>
             </a:r>
             <a:r>
-              <a:rPr lang="en-US" dirty="0" smtClean="0"/>
+              <a:rPr lang="en-US" sz="2000" dirty="0" smtClean="0"/>
               <a:t>;</a:t>
             </a:r>
-            <a:endParaRPr lang="ro-RO" dirty="0"/>
+            <a:endParaRPr lang="ro-RO" sz="2000" dirty="0"/>
           </a:p>
           <a:p>
             <a:pPr marL="0" indent="0">
               <a:buNone/>
             </a:pPr>
             <a:r>
-              <a:rPr lang="ro-RO" dirty="0"/>
+              <a:rPr lang="ro-RO" sz="2000" dirty="0"/>
               <a:t>      -P pentru </a:t>
             </a:r>
             <a:r>
-              <a:rPr lang="ro-RO" dirty="0" smtClean="0"/>
+              <a:rPr lang="ro-RO" sz="2000" dirty="0" smtClean="0"/>
               <a:t>pauză</a:t>
             </a:r>
             <a:r>
-              <a:rPr lang="en-US" dirty="0" smtClean="0"/>
+              <a:rPr lang="en-US" sz="2000" dirty="0" smtClean="0"/>
               <a:t>.</a:t>
             </a:r>
-            <a:endParaRPr lang="ro-RO" dirty="0"/>
+            <a:endParaRPr lang="ro-RO" sz="2000" dirty="0"/>
           </a:p>
           <a:p>
             <a:pPr marL="0" indent="0">
               <a:buNone/>
             </a:pPr>
             <a:r>
-              <a:rPr lang="ro-RO" dirty="0"/>
+              <a:rPr lang="ro-RO" sz="2000" dirty="0"/>
               <a:t>   </a:t>
             </a:r>
             <a:r>
-              <a:rPr lang="ro-RO" b="1" dirty="0"/>
+              <a:rPr lang="ro-RO" sz="2000" b="1" dirty="0"/>
               <a:t>Notă: </a:t>
             </a:r>
             <a:r>
-              <a:rPr lang="ro-RO" dirty="0"/>
+              <a:rPr lang="ro-RO" sz="2000" dirty="0"/>
               <a:t>Textul „</a:t>
             </a:r>
             <a:r>
-              <a:rPr lang="ro-RO" dirty="0" err="1"/>
+              <a:rPr lang="ro-RO" sz="2000" dirty="0" err="1"/>
               <a:t>Level</a:t>
             </a:r>
             <a:r>
-              <a:rPr lang="ro-RO" dirty="0"/>
+              <a:rPr lang="ro-RO" sz="2000" dirty="0"/>
               <a:t>/</a:t>
             </a:r>
             <a:r>
-              <a:rPr lang="ro-RO" dirty="0" err="1"/>
+              <a:rPr lang="ro-RO" sz="2000" dirty="0" err="1"/>
               <a:t>saved</a:t>
             </a:r>
             <a:r>
-              <a:rPr lang="ro-RO" dirty="0"/>
+              <a:rPr lang="ro-RO" sz="2000" dirty="0"/>
               <a:t>/total” reprezintă „nivelul + omuleții salvați din totalul de X omuleți”.</a:t>
             </a:r>
           </a:p>
@@ -6852,7 +6896,7 @@
         </p:blipFill>
         <p:spPr>
           <a:xfrm>
-            <a:off x="677334" y="794471"/>
+            <a:off x="677334" y="318942"/>
             <a:ext cx="762066" cy="475529"/>
           </a:xfrm>
           <a:prstGeom prst="rect">
@@ -6910,7 +6954,12 @@
             <p:ph type="title"/>
           </p:nvPr>
         </p:nvSpPr>
-        <p:spPr/>
+        <p:spPr>
+          <a:xfrm>
+            <a:off x="677334" y="138113"/>
+            <a:ext cx="8596668" cy="690562"/>
+          </a:xfrm>
+        </p:spPr>
         <p:txBody>
           <a:bodyPr/>
           <a:lstStyle/>
@@ -6933,45 +6982,50 @@
             <p:ph idx="1"/>
           </p:nvPr>
         </p:nvSpPr>
-        <p:spPr/>
+        <p:spPr>
+          <a:xfrm>
+            <a:off x="328613" y="828675"/>
+            <a:ext cx="9515475" cy="5915025"/>
+          </a:xfrm>
+        </p:spPr>
         <p:txBody>
           <a:bodyPr>
-            <a:normAutofit lnSpcReduction="10000"/>
+            <a:normAutofit/>
           </a:bodyPr>
           <a:lstStyle/>
           <a:p>
             <a:r>
-              <a:rPr lang="ro-RO" dirty="0"/>
+              <a:rPr lang="ro-RO" sz="2300" dirty="0"/>
               <a:t>   Limba implicită a jocului este engleza. Asta ne va ajuta să creăm un joc ce va fi mai ușor de externalizat. De asemenea, nu am găsit informații privitoare la limba pe care ar trebui să o aibă jocul.</a:t>
             </a:r>
           </a:p>
           <a:p>
             <a:r>
-              <a:rPr lang="ro-RO" dirty="0"/>
+              <a:rPr lang="ro-RO" sz="2300" dirty="0"/>
               <a:t>   Acest joc există în domeniul online la adresa: </a:t>
             </a:r>
             <a:r>
-              <a:rPr lang="ro-RO" dirty="0">
+              <a:rPr lang="ro-RO" sz="2300" dirty="0">
                 <a:hlinkClick r:id="rId2"/>
               </a:rPr>
               <a:t>https://github.com/minealex2244/Fasty</a:t>
             </a:r>
             <a:r>
-              <a:rPr lang="ro-RO" dirty="0"/>
+              <a:rPr lang="ro-RO" sz="2300" dirty="0"/>
               <a:t> și a fost încărcat de noi pentru a putea beneficia din plin de facilitățile oferite de Github cum ar fi compararea versiunilor conținutului fișierelor.</a:t>
             </a:r>
           </a:p>
           <a:p>
             <a:r>
-              <a:rPr lang="ro-RO" dirty="0"/>
+              <a:rPr lang="ro-RO" sz="2300" dirty="0"/>
               <a:t>   Jocul este ușor de depanat. Fișierul „</a:t>
             </a:r>
             <a:r>
-              <a:rPr lang="ro-RO" dirty="0" err="1"/>
+              <a:rPr lang="ro-RO" sz="2300" dirty="0" err="1"/>
               <a:t>res.txt</a:t>
             </a:r>
             <a:r>
-              <a:rPr lang="ro-RO" dirty="0"/>
+              <a:rPr lang="ro-RO" sz="2300" dirty="0"/>
               <a:t>” poate fi modificat pentru a obține timp bonus, o nouă șansă sau un nivel mai mare fără a fi nevoie de multă muncă. Dar asta înseamnă a trișa :). Sau puteți modifica algoritmul pentru a obține anumite „beneficii” (comentariile de cod vă vor indica ce valori pot fi modificate, excepție pentru viteza ambulanței a cărei valoare poate fi modificată, dar nu există un comentariu care să indice asta și nici nu este recomandat).</a:t>
             </a:r>
           </a:p>
@@ -6990,6 +7044,13 @@
   <p:transition spd="med">
     <p:pull/>
   </p:transition>
+  <p:timing>
+    <p:tnLst>
+      <p:par>
+        <p:cTn id="1" dur="indefinite" restart="never" nodeType="tmRoot"/>
+      </p:par>
+    </p:tnLst>
+  </p:timing>
 </p:sld>
 </file>
 
@@ -7020,7 +7081,12 @@
             <p:ph type="title"/>
           </p:nvPr>
         </p:nvSpPr>
-        <p:spPr/>
+        <p:spPr>
+          <a:xfrm>
+            <a:off x="677334" y="0"/>
+            <a:ext cx="8596668" cy="814388"/>
+          </a:xfrm>
+        </p:spPr>
         <p:txBody>
           <a:bodyPr/>
           <a:lstStyle/>
@@ -7045,13 +7111,13 @@
         </p:nvSpPr>
         <p:spPr>
           <a:xfrm>
-            <a:off x="677334" y="1528011"/>
-            <a:ext cx="8596668" cy="5221705"/>
+            <a:off x="271463" y="685048"/>
+            <a:ext cx="9501187" cy="6058652"/>
           </a:xfrm>
         </p:spPr>
         <p:txBody>
           <a:bodyPr>
-            <a:normAutofit/>
+            <a:noAutofit/>
           </a:bodyPr>
           <a:lstStyle/>
           <a:p>
@@ -7059,31 +7125,31 @@
               <a:buNone/>
             </a:pPr>
             <a:r>
-              <a:rPr lang="ro-RO" dirty="0"/>
+              <a:rPr lang="ro-RO" sz="2200" dirty="0"/>
               <a:t>   Clasa Boy peste </a:t>
             </a:r>
             <a:r>
-              <a:rPr lang="ro-RO" dirty="0" err="1"/>
+              <a:rPr lang="ro-RO" sz="2200" dirty="0" err="1"/>
               <a:t>Ambulance</a:t>
             </a:r>
             <a:r>
-              <a:rPr lang="ro-RO" dirty="0"/>
+              <a:rPr lang="ro-RO" sz="2200" dirty="0"/>
               <a:t>, Boy peste Boy și </a:t>
             </a:r>
             <a:r>
-              <a:rPr lang="ro-RO" dirty="0" err="1"/>
+              <a:rPr lang="ro-RO" sz="2200" dirty="0" err="1"/>
               <a:t>Hospital</a:t>
             </a:r>
             <a:r>
-              <a:rPr lang="ro-RO" dirty="0"/>
+              <a:rPr lang="ro-RO" sz="2200" dirty="0"/>
               <a:t> peste </a:t>
             </a:r>
             <a:r>
-              <a:rPr lang="ro-RO" dirty="0" err="1"/>
+              <a:rPr lang="ro-RO" sz="2200" dirty="0" err="1"/>
               <a:t>Hospital</a:t>
             </a:r>
             <a:r>
-              <a:rPr lang="ro-RO" dirty="0"/>
+              <a:rPr lang="ro-RO" sz="2200" dirty="0"/>
               <a:t> nu constituie un bug, ci face parte din regulile jocului. Dacă doriți să eliminați acest lucru:</a:t>
             </a:r>
           </a:p>
@@ -7092,7 +7158,7 @@
               <a:buNone/>
             </a:pPr>
             <a:r>
-              <a:rPr lang="ro-RO" dirty="0"/>
+              <a:rPr lang="ro-RO" sz="2200" dirty="0"/>
               <a:t>1) adăugați următoarele linii de cod în clasa Boy:</a:t>
             </a:r>
           </a:p>
@@ -7101,7 +7167,7 @@
               <a:buNone/>
             </a:pPr>
             <a:r>
-              <a:rPr lang="ro-RO" dirty="0">
+              <a:rPr lang="ro-RO" sz="2200" dirty="0">
                 <a:solidFill>
                   <a:schemeClr val="accent5">
                     <a:lumMod val="75000"/>
@@ -7111,7 +7177,7 @@
               <a:t>public </a:t>
             </a:r>
             <a:r>
-              <a:rPr lang="ro-RO" dirty="0" err="1">
+              <a:rPr lang="ro-RO" sz="2200" dirty="0" err="1">
                 <a:solidFill>
                   <a:schemeClr val="accent5">
                     <a:lumMod val="75000"/>
@@ -7121,11 +7187,11 @@
               <a:t>void</a:t>
             </a:r>
             <a:r>
-              <a:rPr lang="ro-RO" dirty="0"/>
+              <a:rPr lang="ro-RO" sz="2200" dirty="0"/>
               <a:t> </a:t>
             </a:r>
             <a:r>
-              <a:rPr lang="ro-RO" dirty="0" err="1">
+              <a:rPr lang="ro-RO" sz="2200" dirty="0" err="1">
                 <a:solidFill>
                   <a:schemeClr val="accent5">
                     <a:lumMod val="40000"/>
@@ -7136,11 +7202,11 @@
               <a:t>addedToWorld</a:t>
             </a:r>
             <a:r>
-              <a:rPr lang="ro-RO" dirty="0"/>
+              <a:rPr lang="ro-RO" sz="2200" dirty="0"/>
               <a:t>(World </a:t>
             </a:r>
             <a:r>
-              <a:rPr lang="ro-RO" dirty="0">
+              <a:rPr lang="ro-RO" sz="2200" dirty="0">
                 <a:solidFill>
                   <a:schemeClr val="accent3">
                     <a:lumMod val="75000"/>
@@ -7150,7 +7216,7 @@
               <a:t>w</a:t>
             </a:r>
             <a:r>
-              <a:rPr lang="ro-RO" dirty="0"/>
+              <a:rPr lang="ro-RO" sz="2200" dirty="0"/>
               <a:t>)</a:t>
             </a:r>
           </a:p>
@@ -7159,7 +7225,7 @@
               <a:buNone/>
             </a:pPr>
             <a:r>
-              <a:rPr lang="ro-RO" dirty="0"/>
+              <a:rPr lang="ro-RO" sz="2200" dirty="0"/>
               <a:t>    {</a:t>
             </a:r>
           </a:p>
@@ -7168,11 +7234,11 @@
               <a:buNone/>
             </a:pPr>
             <a:r>
-              <a:rPr lang="ro-RO" dirty="0"/>
+              <a:rPr lang="ro-RO" sz="2200" dirty="0"/>
               <a:t>        </a:t>
             </a:r>
             <a:r>
-              <a:rPr lang="ro-RO" dirty="0" err="1">
+              <a:rPr lang="ro-RO" sz="2200" dirty="0" err="1">
                 <a:solidFill>
                   <a:schemeClr val="accent5">
                     <a:lumMod val="75000"/>
@@ -7182,11 +7248,11 @@
               <a:t>while</a:t>
             </a:r>
             <a:r>
-              <a:rPr lang="ro-RO" dirty="0"/>
+              <a:rPr lang="ro-RO" sz="2200" dirty="0"/>
               <a:t>(</a:t>
             </a:r>
             <a:r>
-              <a:rPr lang="ro-RO" dirty="0" err="1">
+              <a:rPr lang="ro-RO" sz="2200" dirty="0" err="1">
                 <a:solidFill>
                   <a:schemeClr val="accent5">
                     <a:lumMod val="75000"/>
@@ -7196,11 +7262,11 @@
               <a:t>isTouching</a:t>
             </a:r>
             <a:r>
-              <a:rPr lang="ro-RO" dirty="0"/>
+              <a:rPr lang="ro-RO" sz="2200" dirty="0"/>
               <a:t>(</a:t>
             </a:r>
             <a:r>
-              <a:rPr lang="ro-RO" dirty="0" err="1">
+              <a:rPr lang="ro-RO" sz="2200" dirty="0" err="1">
                 <a:solidFill>
                   <a:schemeClr val="accent5">
                     <a:lumMod val="60000"/>
@@ -7211,15 +7277,15 @@
               <a:t>Boy</a:t>
             </a:r>
             <a:r>
-              <a:rPr lang="ro-RO" dirty="0" err="1"/>
+              <a:rPr lang="ro-RO" sz="2200" dirty="0" err="1"/>
               <a:t>.class</a:t>
             </a:r>
             <a:r>
-              <a:rPr lang="ro-RO" dirty="0"/>
+              <a:rPr lang="ro-RO" sz="2200" dirty="0"/>
               <a:t>) </a:t>
             </a:r>
             <a:r>
-              <a:rPr lang="ro-RO" dirty="0">
+              <a:rPr lang="ro-RO" sz="2200" dirty="0">
                 <a:solidFill>
                   <a:schemeClr val="accent5">
                     <a:lumMod val="75000"/>
@@ -7229,23 +7295,23 @@
               <a:t>||</a:t>
             </a:r>
             <a:r>
-              <a:rPr lang="ro-RO" dirty="0"/>
+              <a:rPr lang="ro-RO" sz="2200" dirty="0"/>
               <a:t> </a:t>
             </a:r>
             <a:r>
-              <a:rPr lang="ro-RO" dirty="0" err="1"/>
+              <a:rPr lang="ro-RO" sz="2200" dirty="0" err="1"/>
               <a:t>isTouching</a:t>
             </a:r>
             <a:r>
-              <a:rPr lang="ro-RO" dirty="0"/>
+              <a:rPr lang="ro-RO" sz="2200" dirty="0"/>
               <a:t>(</a:t>
             </a:r>
             <a:r>
-              <a:rPr lang="ro-RO" dirty="0" err="1"/>
+              <a:rPr lang="ro-RO" sz="2200" dirty="0" err="1"/>
               <a:t>Ambulance.class</a:t>
             </a:r>
             <a:r>
-              <a:rPr lang="ro-RO" dirty="0"/>
+              <a:rPr lang="ro-RO" sz="2200" dirty="0"/>
               <a:t>))</a:t>
             </a:r>
           </a:p>
@@ -7254,7 +7320,7 @@
               <a:buNone/>
             </a:pPr>
             <a:r>
-              <a:rPr lang="ro-RO" dirty="0"/>
+              <a:rPr lang="ro-RO" sz="2200" dirty="0"/>
               <a:t>        {</a:t>
             </a:r>
           </a:p>
@@ -7263,11 +7329,11 @@
               <a:buNone/>
             </a:pPr>
             <a:r>
-              <a:rPr lang="ro-RO" dirty="0"/>
+              <a:rPr lang="ro-RO" sz="2200" dirty="0"/>
               <a:t>            </a:t>
             </a:r>
             <a:r>
-              <a:rPr lang="ro-RO" dirty="0" err="1">
+              <a:rPr lang="ro-RO" sz="2200" dirty="0" err="1">
                 <a:solidFill>
                   <a:schemeClr val="accent5">
                     <a:lumMod val="75000"/>
@@ -7277,7 +7343,7 @@
               <a:t>int</a:t>
             </a:r>
             <a:r>
-              <a:rPr lang="ro-RO" dirty="0">
+              <a:rPr lang="ro-RO" sz="2200" dirty="0">
                 <a:solidFill>
                   <a:schemeClr val="accent5">
                     <a:lumMod val="75000"/>
@@ -7287,11 +7353,11 @@
               <a:t> </a:t>
             </a:r>
             <a:r>
-              <a:rPr lang="ro-RO" dirty="0"/>
+              <a:rPr lang="ro-RO" sz="2200" dirty="0"/>
               <a:t>x</a:t>
             </a:r>
             <a:r>
-              <a:rPr lang="ro-RO" dirty="0">
+              <a:rPr lang="ro-RO" sz="2200" dirty="0">
                 <a:solidFill>
                   <a:schemeClr val="accent5">
                     <a:lumMod val="75000"/>
@@ -7301,31 +7367,31 @@
               <a:t>=</a:t>
             </a:r>
             <a:r>
-              <a:rPr lang="ro-RO" dirty="0" err="1"/>
+              <a:rPr lang="ro-RO" sz="2200" dirty="0" err="1"/>
               <a:t>Greenfoot.getRandomNumber</a:t>
             </a:r>
             <a:r>
-              <a:rPr lang="ro-RO" dirty="0"/>
+              <a:rPr lang="ro-RO" sz="2200" dirty="0"/>
               <a:t>(</a:t>
             </a:r>
             <a:r>
-              <a:rPr lang="ro-RO" dirty="0" err="1"/>
+              <a:rPr lang="ro-RO" sz="2200" dirty="0" err="1"/>
               <a:t>getWorld</a:t>
             </a:r>
             <a:r>
-              <a:rPr lang="ro-RO" dirty="0"/>
+              <a:rPr lang="ro-RO" sz="2200" dirty="0"/>
               <a:t>().</a:t>
             </a:r>
             <a:r>
-              <a:rPr lang="ro-RO" dirty="0" err="1"/>
+              <a:rPr lang="ro-RO" sz="2200" dirty="0" err="1"/>
               <a:t>getWidth</a:t>
             </a:r>
             <a:r>
-              <a:rPr lang="ro-RO" dirty="0"/>
+              <a:rPr lang="ro-RO" sz="2200" dirty="0"/>
               <a:t>()</a:t>
             </a:r>
             <a:r>
-              <a:rPr lang="ro-RO" dirty="0">
+              <a:rPr lang="ro-RO" sz="2200" dirty="0">
                 <a:solidFill>
                   <a:schemeClr val="accent5">
                     <a:lumMod val="75000"/>
@@ -7335,7 +7401,7 @@
               <a:t>-</a:t>
             </a:r>
             <a:r>
-              <a:rPr lang="ro-RO" dirty="0">
+              <a:rPr lang="ro-RO" sz="2200" dirty="0">
                 <a:solidFill>
                   <a:schemeClr val="tx2">
                     <a:lumMod val="60000"/>
@@ -7346,7 +7412,7 @@
               <a:t>10</a:t>
             </a:r>
             <a:r>
-              <a:rPr lang="ro-RO" dirty="0"/>
+              <a:rPr lang="ro-RO" sz="2200" dirty="0"/>
               <a:t>);</a:t>
             </a:r>
           </a:p>
@@ -7355,11 +7421,11 @@
               <a:buNone/>
             </a:pPr>
             <a:r>
-              <a:rPr lang="ro-RO" dirty="0"/>
+              <a:rPr lang="ro-RO" sz="2200" dirty="0"/>
               <a:t>            </a:t>
             </a:r>
             <a:r>
-              <a:rPr lang="ro-RO" dirty="0" err="1">
+              <a:rPr lang="ro-RO" sz="2200" dirty="0" err="1">
                 <a:solidFill>
                   <a:schemeClr val="accent5">
                     <a:lumMod val="75000"/>
@@ -7369,7 +7435,7 @@
               <a:t>int</a:t>
             </a:r>
             <a:r>
-              <a:rPr lang="ro-RO" dirty="0">
+              <a:rPr lang="ro-RO" sz="2200" dirty="0">
                 <a:solidFill>
                   <a:schemeClr val="accent5">
                     <a:lumMod val="75000"/>
@@ -7379,11 +7445,11 @@
               <a:t> </a:t>
             </a:r>
             <a:r>
-              <a:rPr lang="ro-RO" dirty="0"/>
+              <a:rPr lang="ro-RO" sz="2200" dirty="0"/>
               <a:t>y</a:t>
             </a:r>
             <a:r>
-              <a:rPr lang="ro-RO" dirty="0">
+              <a:rPr lang="ro-RO" sz="2200" dirty="0">
                 <a:solidFill>
                   <a:schemeClr val="accent5">
                     <a:lumMod val="75000"/>
@@ -7393,31 +7459,31 @@
               <a:t>=</a:t>
             </a:r>
             <a:r>
-              <a:rPr lang="ro-RO" dirty="0" err="1"/>
+              <a:rPr lang="ro-RO" sz="2200" dirty="0" err="1"/>
               <a:t>Greenfoot.getRandomNumber</a:t>
             </a:r>
             <a:r>
-              <a:rPr lang="ro-RO" dirty="0"/>
+              <a:rPr lang="ro-RO" sz="2200" dirty="0"/>
               <a:t>(</a:t>
             </a:r>
             <a:r>
-              <a:rPr lang="ro-RO" dirty="0" err="1"/>
+              <a:rPr lang="ro-RO" sz="2200" dirty="0" err="1"/>
               <a:t>getWorld</a:t>
             </a:r>
             <a:r>
-              <a:rPr lang="ro-RO" dirty="0"/>
+              <a:rPr lang="ro-RO" sz="2200" dirty="0"/>
               <a:t>().</a:t>
             </a:r>
             <a:r>
-              <a:rPr lang="ro-RO" dirty="0" err="1"/>
+              <a:rPr lang="ro-RO" sz="2200" dirty="0" err="1"/>
               <a:t>getHeight</a:t>
             </a:r>
             <a:r>
-              <a:rPr lang="ro-RO" dirty="0"/>
+              <a:rPr lang="ro-RO" sz="2200" dirty="0"/>
               <a:t>()</a:t>
             </a:r>
             <a:r>
-              <a:rPr lang="ro-RO" dirty="0">
+              <a:rPr lang="ro-RO" sz="2200" dirty="0">
                 <a:solidFill>
                   <a:schemeClr val="accent5">
                     <a:lumMod val="75000"/>
@@ -7427,7 +7493,7 @@
               <a:t>-</a:t>
             </a:r>
             <a:r>
-              <a:rPr lang="ro-RO" dirty="0">
+              <a:rPr lang="ro-RO" sz="2200" dirty="0">
                 <a:solidFill>
                   <a:schemeClr val="tx2">
                     <a:lumMod val="60000"/>
@@ -7438,7 +7504,7 @@
               <a:t>10</a:t>
             </a:r>
             <a:r>
-              <a:rPr lang="ro-RO" dirty="0"/>
+              <a:rPr lang="ro-RO" sz="2200" dirty="0"/>
               <a:t>);</a:t>
             </a:r>
           </a:p>
@@ -7447,11 +7513,11 @@
               <a:buNone/>
             </a:pPr>
             <a:r>
-              <a:rPr lang="ro-RO" dirty="0"/>
+              <a:rPr lang="ro-RO" sz="2200" dirty="0"/>
               <a:t>            </a:t>
             </a:r>
             <a:r>
-              <a:rPr lang="ro-RO" dirty="0" err="1">
+              <a:rPr lang="ro-RO" sz="2200" dirty="0" err="1">
                 <a:solidFill>
                   <a:schemeClr val="accent5">
                     <a:lumMod val="75000"/>
@@ -7461,7 +7527,7 @@
               <a:t>setLocation</a:t>
             </a:r>
             <a:r>
-              <a:rPr lang="ro-RO" dirty="0"/>
+              <a:rPr lang="ro-RO" sz="2200" dirty="0"/>
               <a:t>(x, y);</a:t>
             </a:r>
           </a:p>
@@ -7470,7 +7536,7 @@
               <a:buNone/>
             </a:pPr>
             <a:r>
-              <a:rPr lang="ro-RO" dirty="0"/>
+              <a:rPr lang="ro-RO" sz="2200" dirty="0"/>
               <a:t>        }</a:t>
             </a:r>
           </a:p>
@@ -7479,7 +7545,7 @@
               <a:buNone/>
             </a:pPr>
             <a:r>
-              <a:rPr lang="ro-RO" dirty="0"/>
+              <a:rPr lang="ro-RO" sz="2200" dirty="0"/>
               <a:t>    }</a:t>
             </a:r>
           </a:p>
@@ -7487,7 +7553,7 @@
             <a:pPr marL="0" indent="0">
               <a:buNone/>
             </a:pPr>
-            <a:endParaRPr lang="ro-RO" dirty="0"/>
+            <a:endParaRPr lang="ro-RO" sz="2200" dirty="0"/>
           </a:p>
         </p:txBody>
       </p:sp>
@@ -7504,6 +7570,13 @@
   <p:transition spd="med">
     <p:pull/>
   </p:transition>
+  <p:timing>
+    <p:tnLst>
+      <p:par>
+        <p:cTn id="1" dur="indefinite" restart="never" nodeType="tmRoot"/>
+      </p:par>
+    </p:tnLst>
+  </p:timing>
 </p:sld>
 </file>
 
@@ -7534,7 +7607,12 @@
             <p:ph type="title"/>
           </p:nvPr>
         </p:nvSpPr>
-        <p:spPr/>
+        <p:spPr>
+          <a:xfrm>
+            <a:off x="677334" y="0"/>
+            <a:ext cx="8596668" cy="757238"/>
+          </a:xfrm>
+        </p:spPr>
         <p:txBody>
           <a:bodyPr/>
           <a:lstStyle/>
@@ -7557,10 +7635,15 @@
             <p:ph idx="1"/>
           </p:nvPr>
         </p:nvSpPr>
-        <p:spPr/>
+        <p:spPr>
+          <a:xfrm>
+            <a:off x="228599" y="757238"/>
+            <a:ext cx="10158413" cy="6100762"/>
+          </a:xfrm>
+        </p:spPr>
         <p:txBody>
           <a:bodyPr>
-            <a:normAutofit fontScale="85000" lnSpcReduction="20000"/>
+            <a:normAutofit/>
           </a:bodyPr>
           <a:lstStyle/>
           <a:p>
@@ -7568,27 +7651,27 @@
               <a:buNone/>
             </a:pPr>
             <a:r>
-              <a:rPr lang="ro-RO" dirty="0"/>
+              <a:rPr lang="ro-RO" sz="2400" dirty="0"/>
               <a:t>      2) în clasa </a:t>
             </a:r>
             <a:r>
-              <a:rPr lang="ro-RO" dirty="0" err="1"/>
+              <a:rPr lang="ro-RO" sz="2400" dirty="0" err="1"/>
               <a:t>Hospital</a:t>
             </a:r>
             <a:r>
-              <a:rPr lang="ro-RO" dirty="0"/>
+              <a:rPr lang="ro-RO" sz="2400" dirty="0"/>
               <a:t>, adăugați în </a:t>
             </a:r>
             <a:r>
-              <a:rPr lang="ro-RO" b="1" dirty="0" err="1"/>
+              <a:rPr lang="ro-RO" sz="2400" b="1" dirty="0" err="1"/>
               <a:t>while</a:t>
             </a:r>
             <a:r>
-              <a:rPr lang="ro-RO" b="1" dirty="0"/>
+              <a:rPr lang="ro-RO" sz="2400" b="1" dirty="0"/>
               <a:t>:   || </a:t>
             </a:r>
             <a:r>
-              <a:rPr lang="ro-RO" dirty="0" err="1">
+              <a:rPr lang="ro-RO" sz="2400" dirty="0" err="1">
                 <a:solidFill>
                   <a:schemeClr val="accent5">
                     <a:lumMod val="75000"/>
@@ -7598,11 +7681,11 @@
               <a:t>isTouching</a:t>
             </a:r>
             <a:r>
-              <a:rPr lang="ro-RO" dirty="0"/>
+              <a:rPr lang="ro-RO" sz="2400" dirty="0"/>
               <a:t>(</a:t>
             </a:r>
             <a:r>
-              <a:rPr lang="ro-RO" dirty="0" err="1">
+              <a:rPr lang="ro-RO" sz="2400" dirty="0" err="1">
                 <a:solidFill>
                   <a:schemeClr val="accent5">
                     <a:lumMod val="60000"/>
@@ -7613,99 +7696,99 @@
               <a:t>Boy</a:t>
             </a:r>
             <a:r>
-              <a:rPr lang="ro-RO" dirty="0" err="1"/>
+              <a:rPr lang="ro-RO" sz="2400" dirty="0" err="1"/>
               <a:t>.class</a:t>
             </a:r>
             <a:r>
-              <a:rPr lang="ro-RO" dirty="0"/>
+              <a:rPr lang="ro-RO" sz="2400" dirty="0"/>
               <a:t>)</a:t>
             </a:r>
           </a:p>
           <a:p>
             <a:r>
-              <a:rPr lang="ro-RO" dirty="0"/>
+              <a:rPr lang="ro-RO" sz="2400" dirty="0"/>
               <a:t>Ne-am asigurat că </a:t>
             </a:r>
             <a:r>
-              <a:rPr lang="ro-RO" b="1" dirty="0"/>
+              <a:rPr lang="ro-RO" sz="2400" b="1" dirty="0"/>
               <a:t>jocul nu mai are niciun bug</a:t>
             </a:r>
             <a:r>
-              <a:rPr lang="ro-RO" dirty="0"/>
+              <a:rPr lang="ro-RO" sz="2400" dirty="0"/>
               <a:t>. De asemenea,</a:t>
             </a:r>
             <a:r>
-              <a:rPr lang="ro-RO" b="1" dirty="0"/>
+              <a:rPr lang="ro-RO" sz="2400" b="1" dirty="0"/>
               <a:t> este optimizat </a:t>
             </a:r>
             <a:r>
-              <a:rPr lang="ro-RO" dirty="0"/>
+              <a:rPr lang="ro-RO" sz="2400" dirty="0"/>
               <a:t>și</a:t>
             </a:r>
             <a:r>
-              <a:rPr lang="ro-RO" b="1" dirty="0"/>
+              <a:rPr lang="ro-RO" sz="2400" b="1" dirty="0"/>
               <a:t> nu conține linii de cod inutile </a:t>
             </a:r>
             <a:r>
-              <a:rPr lang="ro-RO" dirty="0"/>
+              <a:rPr lang="ro-RO" sz="2400" dirty="0"/>
               <a:t>(excepție pentru liniile de cod de tip workaround care fixează unele erori).</a:t>
             </a:r>
           </a:p>
           <a:p>
             <a:r>
-              <a:rPr lang="ro-RO" dirty="0"/>
+              <a:rPr lang="ro-RO" sz="2400" dirty="0"/>
               <a:t>În timpul nivelului 19, vi se va spune să apăsați o tastă secretă ce vă va salva, aceea este tasta „l” și va adăuga înapoi omulețul lipsă.</a:t>
             </a:r>
           </a:p>
           <a:p>
             <a:r>
-              <a:rPr lang="ro-RO" dirty="0"/>
+              <a:rPr lang="ro-RO" sz="2400" dirty="0"/>
               <a:t>Acest joc ilustrează faptul că misiunea unui șofer de ambulanță nu este una simplă, ci una foarte grea și importantă</a:t>
             </a:r>
             <a:r>
-              <a:rPr lang="ro-RO" dirty="0" smtClean="0"/>
+              <a:rPr lang="ro-RO" sz="2400" dirty="0" smtClean="0"/>
               <a:t>.</a:t>
             </a:r>
           </a:p>
           <a:p>
             <a:r>
-              <a:rPr lang="ro-RO" dirty="0" smtClean="0"/>
+              <a:rPr lang="ro-RO" sz="2400" dirty="0" smtClean="0"/>
               <a:t>Acest proiect este testat pe </a:t>
             </a:r>
             <a:r>
-              <a:rPr lang="ro-RO" dirty="0" err="1" smtClean="0"/>
+              <a:rPr lang="ro-RO" sz="2400" dirty="0" err="1" smtClean="0"/>
               <a:t>Greenfoot</a:t>
             </a:r>
             <a:r>
-              <a:rPr lang="ro-RO" dirty="0" smtClean="0"/>
+              <a:rPr lang="ro-RO" sz="2400" dirty="0" smtClean="0"/>
               <a:t> 3.1.0 </a:t>
             </a:r>
             <a:r>
-              <a:rPr lang="ro-RO" dirty="0" err="1" smtClean="0"/>
+              <a:rPr lang="ro-RO" sz="2400" dirty="0" err="1" smtClean="0"/>
               <a:t>standalone</a:t>
             </a:r>
             <a:r>
-              <a:rPr lang="ro-RO" dirty="0" smtClean="0"/>
+              <a:rPr lang="ro-RO" sz="2400" dirty="0" smtClean="0"/>
               <a:t>. Pentru versiuni mai mici, în cazul în care primiți o eroare la compilare conform căreia nu se cunosc simbolurile Color.</a:t>
             </a:r>
             <a:r>
-              <a:rPr lang="en-US" dirty="0" smtClean="0"/>
+              <a:rPr lang="en-US" sz="2400" dirty="0" smtClean="0"/>
               <a:t>’</a:t>
             </a:r>
             <a:r>
-              <a:rPr lang="ro-RO" dirty="0" smtClean="0"/>
+              <a:rPr lang="ro-RO" sz="2400" dirty="0" smtClean="0"/>
               <a:t>COLOR</a:t>
             </a:r>
             <a:r>
-              <a:rPr lang="en-US" dirty="0" smtClean="0"/>
+              <a:rPr lang="en-US" sz="2400" dirty="0" smtClean="0"/>
               <a:t>’ </a:t>
             </a:r>
             <a:r>
-              <a:rPr lang="ro-RO" dirty="0" smtClean="0"/>
+              <a:rPr lang="ro-RO" sz="2400" dirty="0" smtClean="0"/>
               <a:t>în clasa </a:t>
             </a:r>
             <a:r>
-              <a:rPr lang="ro-RO" dirty="0" err="1" smtClean="0">
+              <a:rPr lang="ro-RO" sz="2400" dirty="0" err="1" smtClean="0">
                 <a:solidFill>
                   <a:schemeClr val="accent5">
                     <a:lumMod val="60000"/>
@@ -7716,15 +7799,15 @@
               <a:t>Ambulance</a:t>
             </a:r>
             <a:r>
-              <a:rPr lang="ro-RO" dirty="0" err="1" smtClean="0"/>
+              <a:rPr lang="ro-RO" sz="2400" dirty="0" err="1" smtClean="0"/>
               <a:t>.class</a:t>
             </a:r>
             <a:r>
-              <a:rPr lang="ro-RO" dirty="0" smtClean="0"/>
+              <a:rPr lang="ro-RO" sz="2400" dirty="0" smtClean="0"/>
               <a:t> adăugați la importuri </a:t>
             </a:r>
             <a:r>
-              <a:rPr lang="ro-RO" dirty="0" smtClean="0">
+              <a:rPr lang="ro-RO" sz="2400" dirty="0" smtClean="0">
                 <a:solidFill>
                   <a:srgbClr val="FF0000"/>
                 </a:solidFill>
@@ -7732,7 +7815,7 @@
               <a:t>import </a:t>
             </a:r>
             <a:r>
-              <a:rPr lang="ro-RO" dirty="0" err="1" smtClean="0">
+              <a:rPr lang="ro-RO" sz="2400" dirty="0" err="1" smtClean="0">
                 <a:solidFill>
                   <a:schemeClr val="tx1"/>
                 </a:solidFill>
@@ -7740,7 +7823,7 @@
               <a:t>java.awt</a:t>
             </a:r>
             <a:r>
-              <a:rPr lang="ro-RO" dirty="0" smtClean="0">
+              <a:rPr lang="ro-RO" sz="2400" dirty="0" smtClean="0">
                 <a:solidFill>
                   <a:schemeClr val="tx1"/>
                 </a:solidFill>
@@ -7748,7 +7831,7 @@
               <a:t>.*;</a:t>
             </a:r>
             <a:r>
-              <a:rPr lang="ro-RO" dirty="0" smtClean="0">
+              <a:rPr lang="ro-RO" sz="2400" dirty="0" smtClean="0">
                 <a:solidFill>
                   <a:schemeClr val="tx1">
                     <a:lumMod val="95000"/>
@@ -7758,38 +7841,32 @@
               </a:rPr>
               <a:t> .</a:t>
             </a:r>
-            <a:endParaRPr lang="ro-RO" dirty="0"/>
-          </a:p>
-          <a:p>
-            <a:pPr marL="0" indent="0">
+            <a:endParaRPr lang="ro-RO" sz="2400" dirty="0"/>
+          </a:p>
+          <a:p>
+            <a:pPr marL="0" indent="0" algn="ctr">
               <a:buNone/>
             </a:pPr>
-            <a:endParaRPr lang="ro-RO" dirty="0"/>
-          </a:p>
-          <a:p>
-            <a:pPr marL="0" indent="0">
+            <a:endParaRPr lang="ro-RO" sz="2000" b="1" dirty="0"/>
+          </a:p>
+          <a:p>
+            <a:pPr marL="0" indent="0" algn="ctr">
               <a:buNone/>
             </a:pPr>
-            <a:endParaRPr lang="ro-RO" dirty="0"/>
-          </a:p>
-          <a:p>
-            <a:pPr marL="0" indent="0" algn="ctr">
-              <a:buNone/>
-            </a:pPr>
-            <a:r>
-              <a:rPr lang="ro-RO" sz="2000" b="1" dirty="0"/>
-              <a:t>Și cam atât. Vă dorim o </a:t>
-            </a:r>
-            <a:r>
-              <a:rPr lang="ro-RO" sz="2000" b="1"/>
-              <a:t>zi </a:t>
-            </a:r>
-            <a:r>
-              <a:rPr lang="ro-RO" sz="2000" b="1" smtClean="0"/>
+            <a:r>
+              <a:rPr lang="ro-RO" sz="2400" b="1" dirty="0" smtClean="0"/>
+              <a:t>Și </a:t>
+            </a:r>
+            <a:r>
+              <a:rPr lang="ro-RO" sz="2400" b="1" dirty="0"/>
+              <a:t>cam atât. Vă dorim o zi </a:t>
+            </a:r>
+            <a:r>
+              <a:rPr lang="ro-RO" sz="2400" b="1" dirty="0" smtClean="0"/>
               <a:t>plăcută</a:t>
             </a:r>
             <a:r>
-              <a:rPr lang="ro-RO" sz="2000" b="1" dirty="0"/>
+              <a:rPr lang="ro-RO" sz="2400" b="1" dirty="0"/>
               <a:t>!</a:t>
             </a:r>
           </a:p>
